--- a/코딩교육용 퍼즐게임 제안서.pptx
+++ b/코딩교육용 퍼즐게임 제안서.pptx
@@ -9,11 +9,13 @@
     <p:sldId id="257" r:id="rId3"/>
     <p:sldId id="262" r:id="rId4"/>
     <p:sldId id="264" r:id="rId5"/>
-    <p:sldId id="265" r:id="rId6"/>
-    <p:sldId id="258" r:id="rId7"/>
-    <p:sldId id="259" r:id="rId8"/>
-    <p:sldId id="260" r:id="rId9"/>
-    <p:sldId id="261" r:id="rId10"/>
+    <p:sldId id="268" r:id="rId6"/>
+    <p:sldId id="265" r:id="rId7"/>
+    <p:sldId id="258" r:id="rId8"/>
+    <p:sldId id="259" r:id="rId9"/>
+    <p:sldId id="260" r:id="rId10"/>
+    <p:sldId id="271" r:id="rId11"/>
+    <p:sldId id="269" r:id="rId12"/>
   </p:sldIdLst>
   <p:sldSz cx="12192000" cy="6858000"/>
   <p:notesSz cx="6858000" cy="9144000"/>
@@ -112,6 +114,11 @@
       </a:defRPr>
     </a:lvl9pPr>
   </p:defaultTextStyle>
+  <p:extLst>
+    <p:ext uri="{EFAFB233-063F-42B5-8137-9DF3F51BA10A}">
+      <p15:sldGuideLst xmlns:p15="http://schemas.microsoft.com/office/powerpoint/2012/main"/>
+    </p:ext>
+  </p:extLst>
 </p:presentation>
 </file>
 
@@ -716,7 +723,7 @@
           </a:lstStyle>
           <a:p>
             <a:r>
-              <a:rPr lang="ko-KR" altLang="en-US" smtClean="0"/>
+              <a:rPr lang="ko-KR" altLang="en-US"/>
               <a:t>마스터 제목 스타일 편집</a:t>
             </a:r>
             <a:endParaRPr lang="en-US" dirty="0"/>
@@ -836,7 +843,7 @@
           </a:lstStyle>
           <a:p>
             <a:r>
-              <a:rPr lang="ko-KR" altLang="en-US" smtClean="0"/>
+              <a:rPr lang="ko-KR" altLang="en-US"/>
               <a:t>클릭하여 마스터 부제목 스타일 편집</a:t>
             </a:r>
             <a:endParaRPr lang="en-US" dirty="0"/>
@@ -860,7 +867,7 @@
           <a:p>
             <a:fld id="{B3644C3F-34AF-4A1E-95C5-0C72B3BAC438}" type="datetimeFigureOut">
               <a:rPr lang="ko-KR" altLang="en-US" smtClean="0"/>
-              <a:t>2021-04-21</a:t>
+              <a:t>2021-04-26</a:t>
             </a:fld>
             <a:endParaRPr lang="ko-KR" altLang="en-US"/>
           </a:p>
@@ -965,7 +972,7 @@
           </a:lstStyle>
           <a:p>
             <a:r>
-              <a:rPr lang="ko-KR" altLang="en-US" smtClean="0"/>
+              <a:rPr lang="ko-KR" altLang="en-US"/>
               <a:t>마스터 제목 스타일 편집</a:t>
             </a:r>
             <a:endParaRPr lang="en-US" dirty="0"/>
@@ -1088,7 +1095,7 @@
           <a:p>
             <a:pPr lvl="0"/>
             <a:r>
-              <a:rPr lang="ko-KR" altLang="en-US" smtClean="0"/>
+              <a:rPr lang="ko-KR" altLang="en-US"/>
               <a:t>마스터 텍스트 스타일 편집</a:t>
             </a:r>
           </a:p>
@@ -1111,7 +1118,7 @@
           <a:p>
             <a:fld id="{B3644C3F-34AF-4A1E-95C5-0C72B3BAC438}" type="datetimeFigureOut">
               <a:rPr lang="ko-KR" altLang="en-US" smtClean="0"/>
-              <a:t>2021-04-21</a:t>
+              <a:t>2021-04-26</a:t>
             </a:fld>
             <a:endParaRPr lang="ko-KR" altLang="en-US"/>
           </a:p>
@@ -1216,7 +1223,7 @@
           </a:lstStyle>
           <a:p>
             <a:r>
-              <a:rPr lang="ko-KR" altLang="en-US" smtClean="0"/>
+              <a:rPr lang="ko-KR" altLang="en-US"/>
               <a:t>마스터 제목 스타일 편집</a:t>
             </a:r>
             <a:endParaRPr lang="en-US" dirty="0"/>
@@ -1280,7 +1287,7 @@
           <a:p>
             <a:pPr lvl="0"/>
             <a:r>
-              <a:rPr lang="ko-KR" altLang="en-US" smtClean="0"/>
+              <a:rPr lang="ko-KR" altLang="en-US"/>
               <a:t>마스터 텍스트 스타일 편집</a:t>
             </a:r>
           </a:p>
@@ -1402,7 +1409,7 @@
           <a:p>
             <a:pPr lvl="0"/>
             <a:r>
-              <a:rPr lang="ko-KR" altLang="en-US" smtClean="0"/>
+              <a:rPr lang="ko-KR" altLang="en-US"/>
               <a:t>마스터 텍스트 스타일 편집</a:t>
             </a:r>
           </a:p>
@@ -1425,7 +1432,7 @@
           <a:p>
             <a:fld id="{B3644C3F-34AF-4A1E-95C5-0C72B3BAC438}" type="datetimeFigureOut">
               <a:rPr lang="ko-KR" altLang="en-US" smtClean="0"/>
-              <a:t>2021-04-21</a:t>
+              <a:t>2021-04-26</a:t>
             </a:fld>
             <a:endParaRPr lang="ko-KR" altLang="en-US"/>
           </a:p>
@@ -1612,7 +1619,7 @@
           </a:lstStyle>
           <a:p>
             <a:r>
-              <a:rPr lang="ko-KR" altLang="en-US" smtClean="0"/>
+              <a:rPr lang="ko-KR" altLang="en-US"/>
               <a:t>마스터 제목 스타일 편집</a:t>
             </a:r>
             <a:endParaRPr lang="en-US" dirty="0"/>
@@ -1735,7 +1742,7 @@
           <a:p>
             <a:pPr lvl="0"/>
             <a:r>
-              <a:rPr lang="ko-KR" altLang="en-US" smtClean="0"/>
+              <a:rPr lang="ko-KR" altLang="en-US"/>
               <a:t>마스터 텍스트 스타일 편집</a:t>
             </a:r>
           </a:p>
@@ -1758,7 +1765,7 @@
           <a:p>
             <a:fld id="{B3644C3F-34AF-4A1E-95C5-0C72B3BAC438}" type="datetimeFigureOut">
               <a:rPr lang="ko-KR" altLang="en-US" smtClean="0"/>
-              <a:t>2021-04-21</a:t>
+              <a:t>2021-04-26</a:t>
             </a:fld>
             <a:endParaRPr lang="ko-KR" altLang="en-US"/>
           </a:p>
@@ -1863,7 +1870,7 @@
           </a:lstStyle>
           <a:p>
             <a:r>
-              <a:rPr lang="ko-KR" altLang="en-US" smtClean="0"/>
+              <a:rPr lang="ko-KR" altLang="en-US"/>
               <a:t>마스터 제목 스타일 편집</a:t>
             </a:r>
             <a:endParaRPr lang="en-US" dirty="0"/>
@@ -1927,7 +1934,7 @@
           <a:p>
             <a:pPr lvl="0"/>
             <a:r>
-              <a:rPr lang="ko-KR" altLang="en-US" smtClean="0"/>
+              <a:rPr lang="ko-KR" altLang="en-US"/>
               <a:t>마스터 텍스트 스타일 편집</a:t>
             </a:r>
           </a:p>
@@ -2049,7 +2056,7 @@
           <a:p>
             <a:pPr lvl="0"/>
             <a:r>
-              <a:rPr lang="ko-KR" altLang="en-US" smtClean="0"/>
+              <a:rPr lang="ko-KR" altLang="en-US"/>
               <a:t>마스터 텍스트 스타일 편집</a:t>
             </a:r>
           </a:p>
@@ -2072,7 +2079,7 @@
           <a:p>
             <a:fld id="{B3644C3F-34AF-4A1E-95C5-0C72B3BAC438}" type="datetimeFigureOut">
               <a:rPr lang="ko-KR" altLang="en-US" smtClean="0"/>
-              <a:t>2021-04-21</a:t>
+              <a:t>2021-04-26</a:t>
             </a:fld>
             <a:endParaRPr lang="ko-KR" altLang="en-US"/>
           </a:p>
@@ -2259,7 +2266,7 @@
           </a:lstStyle>
           <a:p>
             <a:r>
-              <a:rPr lang="ko-KR" altLang="en-US" smtClean="0"/>
+              <a:rPr lang="ko-KR" altLang="en-US"/>
               <a:t>마스터 제목 스타일 편집</a:t>
             </a:r>
             <a:endParaRPr lang="en-US" dirty="0"/>
@@ -2320,7 +2327,7 @@
           <a:p>
             <a:pPr lvl="0"/>
             <a:r>
-              <a:rPr lang="ko-KR" altLang="en-US" smtClean="0"/>
+              <a:rPr lang="ko-KR" altLang="en-US"/>
               <a:t>마스터 텍스트 스타일 편집</a:t>
             </a:r>
           </a:p>
@@ -2442,7 +2449,7 @@
           <a:p>
             <a:pPr lvl="0"/>
             <a:r>
-              <a:rPr lang="ko-KR" altLang="en-US" smtClean="0"/>
+              <a:rPr lang="ko-KR" altLang="en-US"/>
               <a:t>마스터 텍스트 스타일 편집</a:t>
             </a:r>
           </a:p>
@@ -2465,7 +2472,7 @@
           <a:p>
             <a:fld id="{B3644C3F-34AF-4A1E-95C5-0C72B3BAC438}" type="datetimeFigureOut">
               <a:rPr lang="ko-KR" altLang="en-US" smtClean="0"/>
-              <a:t>2021-04-21</a:t>
+              <a:t>2021-04-26</a:t>
             </a:fld>
             <a:endParaRPr lang="ko-KR" altLang="en-US"/>
           </a:p>
@@ -2559,7 +2566,7 @@
           <a:lstStyle/>
           <a:p>
             <a:r>
-              <a:rPr lang="ko-KR" altLang="en-US" smtClean="0"/>
+              <a:rPr lang="ko-KR" altLang="en-US"/>
               <a:t>마스터 제목 스타일 편집</a:t>
             </a:r>
             <a:endParaRPr lang="en-US" dirty="0"/>
@@ -2583,35 +2590,35 @@
           <a:p>
             <a:pPr lvl="0"/>
             <a:r>
-              <a:rPr lang="ko-KR" altLang="en-US" smtClean="0"/>
+              <a:rPr lang="ko-KR" altLang="en-US"/>
               <a:t>마스터 텍스트 스타일 편집</a:t>
             </a:r>
           </a:p>
           <a:p>
             <a:pPr lvl="1"/>
             <a:r>
-              <a:rPr lang="ko-KR" altLang="en-US" smtClean="0"/>
+              <a:rPr lang="ko-KR" altLang="en-US"/>
               <a:t>둘째 수준</a:t>
             </a:r>
           </a:p>
           <a:p>
             <a:pPr lvl="2"/>
             <a:r>
-              <a:rPr lang="ko-KR" altLang="en-US" smtClean="0"/>
+              <a:rPr lang="ko-KR" altLang="en-US"/>
               <a:t>셋째 수준</a:t>
             </a:r>
           </a:p>
           <a:p>
             <a:pPr lvl="3"/>
             <a:r>
-              <a:rPr lang="ko-KR" altLang="en-US" smtClean="0"/>
+              <a:rPr lang="ko-KR" altLang="en-US"/>
               <a:t>넷째 수준</a:t>
             </a:r>
           </a:p>
           <a:p>
             <a:pPr lvl="4"/>
             <a:r>
-              <a:rPr lang="ko-KR" altLang="en-US" smtClean="0"/>
+              <a:rPr lang="ko-KR" altLang="en-US"/>
               <a:t>다섯째 수준</a:t>
             </a:r>
             <a:endParaRPr lang="en-US" dirty="0"/>
@@ -2635,7 +2642,7 @@
           <a:p>
             <a:fld id="{B3644C3F-34AF-4A1E-95C5-0C72B3BAC438}" type="datetimeFigureOut">
               <a:rPr lang="ko-KR" altLang="en-US" smtClean="0"/>
-              <a:t>2021-04-21</a:t>
+              <a:t>2021-04-26</a:t>
             </a:fld>
             <a:endParaRPr lang="ko-KR" altLang="en-US"/>
           </a:p>
@@ -2734,7 +2741,7 @@
           <a:lstStyle/>
           <a:p>
             <a:r>
-              <a:rPr lang="ko-KR" altLang="en-US" smtClean="0"/>
+              <a:rPr lang="ko-KR" altLang="en-US"/>
               <a:t>마스터 제목 스타일 편집</a:t>
             </a:r>
             <a:endParaRPr lang="en-US" dirty="0"/>
@@ -2763,35 +2770,35 @@
           <a:p>
             <a:pPr lvl="0"/>
             <a:r>
-              <a:rPr lang="ko-KR" altLang="en-US" smtClean="0"/>
+              <a:rPr lang="ko-KR" altLang="en-US"/>
               <a:t>마스터 텍스트 스타일 편집</a:t>
             </a:r>
           </a:p>
           <a:p>
             <a:pPr lvl="1"/>
             <a:r>
-              <a:rPr lang="ko-KR" altLang="en-US" smtClean="0"/>
+              <a:rPr lang="ko-KR" altLang="en-US"/>
               <a:t>둘째 수준</a:t>
             </a:r>
           </a:p>
           <a:p>
             <a:pPr lvl="2"/>
             <a:r>
-              <a:rPr lang="ko-KR" altLang="en-US" smtClean="0"/>
+              <a:rPr lang="ko-KR" altLang="en-US"/>
               <a:t>셋째 수준</a:t>
             </a:r>
           </a:p>
           <a:p>
             <a:pPr lvl="3"/>
             <a:r>
-              <a:rPr lang="ko-KR" altLang="en-US" smtClean="0"/>
+              <a:rPr lang="ko-KR" altLang="en-US"/>
               <a:t>넷째 수준</a:t>
             </a:r>
           </a:p>
           <a:p>
             <a:pPr lvl="4"/>
             <a:r>
-              <a:rPr lang="ko-KR" altLang="en-US" smtClean="0"/>
+              <a:rPr lang="ko-KR" altLang="en-US"/>
               <a:t>다섯째 수준</a:t>
             </a:r>
             <a:endParaRPr lang="en-US" dirty="0"/>
@@ -2815,7 +2822,7 @@
           <a:p>
             <a:fld id="{B3644C3F-34AF-4A1E-95C5-0C72B3BAC438}" type="datetimeFigureOut">
               <a:rPr lang="ko-KR" altLang="en-US" smtClean="0"/>
-              <a:t>2021-04-21</a:t>
+              <a:t>2021-04-26</a:t>
             </a:fld>
             <a:endParaRPr lang="ko-KR" altLang="en-US"/>
           </a:p>
@@ -2909,7 +2916,7 @@
           <a:lstStyle/>
           <a:p>
             <a:r>
-              <a:rPr lang="ko-KR" altLang="en-US" smtClean="0"/>
+              <a:rPr lang="ko-KR" altLang="en-US"/>
               <a:t>마스터 제목 스타일 편집</a:t>
             </a:r>
             <a:endParaRPr lang="en-US" dirty="0"/>
@@ -2933,35 +2940,35 @@
           <a:p>
             <a:pPr lvl="0"/>
             <a:r>
-              <a:rPr lang="ko-KR" altLang="en-US" smtClean="0"/>
+              <a:rPr lang="ko-KR" altLang="en-US"/>
               <a:t>마스터 텍스트 스타일 편집</a:t>
             </a:r>
           </a:p>
           <a:p>
             <a:pPr lvl="1"/>
             <a:r>
-              <a:rPr lang="ko-KR" altLang="en-US" smtClean="0"/>
+              <a:rPr lang="ko-KR" altLang="en-US"/>
               <a:t>둘째 수준</a:t>
             </a:r>
           </a:p>
           <a:p>
             <a:pPr lvl="2"/>
             <a:r>
-              <a:rPr lang="ko-KR" altLang="en-US" smtClean="0"/>
+              <a:rPr lang="ko-KR" altLang="en-US"/>
               <a:t>셋째 수준</a:t>
             </a:r>
           </a:p>
           <a:p>
             <a:pPr lvl="3"/>
             <a:r>
-              <a:rPr lang="ko-KR" altLang="en-US" smtClean="0"/>
+              <a:rPr lang="ko-KR" altLang="en-US"/>
               <a:t>넷째 수준</a:t>
             </a:r>
           </a:p>
           <a:p>
             <a:pPr lvl="4"/>
             <a:r>
-              <a:rPr lang="ko-KR" altLang="en-US" smtClean="0"/>
+              <a:rPr lang="ko-KR" altLang="en-US"/>
               <a:t>다섯째 수준</a:t>
             </a:r>
             <a:endParaRPr lang="en-US" dirty="0"/>
@@ -2985,7 +2992,7 @@
           <a:p>
             <a:fld id="{B3644C3F-34AF-4A1E-95C5-0C72B3BAC438}" type="datetimeFigureOut">
               <a:rPr lang="ko-KR" altLang="en-US" smtClean="0"/>
-              <a:t>2021-04-21</a:t>
+              <a:t>2021-04-26</a:t>
             </a:fld>
             <a:endParaRPr lang="ko-KR" altLang="en-US"/>
           </a:p>
@@ -3088,7 +3095,7 @@
           </a:lstStyle>
           <a:p>
             <a:r>
-              <a:rPr lang="ko-KR" altLang="en-US" smtClean="0"/>
+              <a:rPr lang="ko-KR" altLang="en-US"/>
               <a:t>마스터 제목 스타일 편집</a:t>
             </a:r>
             <a:endParaRPr lang="en-US" dirty="0"/>
@@ -3209,7 +3216,7 @@
           <a:p>
             <a:pPr lvl="0"/>
             <a:r>
-              <a:rPr lang="ko-KR" altLang="en-US" smtClean="0"/>
+              <a:rPr lang="ko-KR" altLang="en-US"/>
               <a:t>마스터 텍스트 스타일 편집</a:t>
             </a:r>
           </a:p>
@@ -3232,7 +3239,7 @@
           <a:p>
             <a:fld id="{B3644C3F-34AF-4A1E-95C5-0C72B3BAC438}" type="datetimeFigureOut">
               <a:rPr lang="ko-KR" altLang="en-US" smtClean="0"/>
-              <a:t>2021-04-21</a:t>
+              <a:t>2021-04-26</a:t>
             </a:fld>
             <a:endParaRPr lang="ko-KR" altLang="en-US"/>
           </a:p>
@@ -3326,7 +3333,7 @@
           <a:lstStyle/>
           <a:p>
             <a:r>
-              <a:rPr lang="ko-KR" altLang="en-US" smtClean="0"/>
+              <a:rPr lang="ko-KR" altLang="en-US"/>
               <a:t>마스터 제목 스타일 편집</a:t>
             </a:r>
             <a:endParaRPr lang="en-US" dirty="0"/>
@@ -3355,35 +3362,35 @@
           <a:p>
             <a:pPr lvl="0"/>
             <a:r>
-              <a:rPr lang="ko-KR" altLang="en-US" smtClean="0"/>
+              <a:rPr lang="ko-KR" altLang="en-US"/>
               <a:t>마스터 텍스트 스타일 편집</a:t>
             </a:r>
           </a:p>
           <a:p>
             <a:pPr lvl="1"/>
             <a:r>
-              <a:rPr lang="ko-KR" altLang="en-US" smtClean="0"/>
+              <a:rPr lang="ko-KR" altLang="en-US"/>
               <a:t>둘째 수준</a:t>
             </a:r>
           </a:p>
           <a:p>
             <a:pPr lvl="2"/>
             <a:r>
-              <a:rPr lang="ko-KR" altLang="en-US" smtClean="0"/>
+              <a:rPr lang="ko-KR" altLang="en-US"/>
               <a:t>셋째 수준</a:t>
             </a:r>
           </a:p>
           <a:p>
             <a:pPr lvl="3"/>
             <a:r>
-              <a:rPr lang="ko-KR" altLang="en-US" smtClean="0"/>
+              <a:rPr lang="ko-KR" altLang="en-US"/>
               <a:t>넷째 수준</a:t>
             </a:r>
           </a:p>
           <a:p>
             <a:pPr lvl="4"/>
             <a:r>
-              <a:rPr lang="ko-KR" altLang="en-US" smtClean="0"/>
+              <a:rPr lang="ko-KR" altLang="en-US"/>
               <a:t>다섯째 수준</a:t>
             </a:r>
             <a:endParaRPr lang="en-US" dirty="0"/>
@@ -3412,35 +3419,35 @@
           <a:p>
             <a:pPr lvl="0"/>
             <a:r>
-              <a:rPr lang="ko-KR" altLang="en-US" smtClean="0"/>
+              <a:rPr lang="ko-KR" altLang="en-US"/>
               <a:t>마스터 텍스트 스타일 편집</a:t>
             </a:r>
           </a:p>
           <a:p>
             <a:pPr lvl="1"/>
             <a:r>
-              <a:rPr lang="ko-KR" altLang="en-US" smtClean="0"/>
+              <a:rPr lang="ko-KR" altLang="en-US"/>
               <a:t>둘째 수준</a:t>
             </a:r>
           </a:p>
           <a:p>
             <a:pPr lvl="2"/>
             <a:r>
-              <a:rPr lang="ko-KR" altLang="en-US" smtClean="0"/>
+              <a:rPr lang="ko-KR" altLang="en-US"/>
               <a:t>셋째 수준</a:t>
             </a:r>
           </a:p>
           <a:p>
             <a:pPr lvl="3"/>
             <a:r>
-              <a:rPr lang="ko-KR" altLang="en-US" smtClean="0"/>
+              <a:rPr lang="ko-KR" altLang="en-US"/>
               <a:t>넷째 수준</a:t>
             </a:r>
           </a:p>
           <a:p>
             <a:pPr lvl="4"/>
             <a:r>
-              <a:rPr lang="ko-KR" altLang="en-US" smtClean="0"/>
+              <a:rPr lang="ko-KR" altLang="en-US"/>
               <a:t>다섯째 수준</a:t>
             </a:r>
             <a:endParaRPr lang="en-US" dirty="0"/>
@@ -3464,7 +3471,7 @@
           <a:p>
             <a:fld id="{B3644C3F-34AF-4A1E-95C5-0C72B3BAC438}" type="datetimeFigureOut">
               <a:rPr lang="ko-KR" altLang="en-US" smtClean="0"/>
-              <a:t>2021-04-21</a:t>
+              <a:t>2021-04-26</a:t>
             </a:fld>
             <a:endParaRPr lang="ko-KR" altLang="en-US"/>
           </a:p>
@@ -3562,7 +3569,7 @@
           </a:lstStyle>
           <a:p>
             <a:r>
-              <a:rPr lang="ko-KR" altLang="en-US" smtClean="0"/>
+              <a:rPr lang="ko-KR" altLang="en-US"/>
               <a:t>마스터 제목 스타일 편집</a:t>
             </a:r>
             <a:endParaRPr lang="en-US" dirty="0"/>
@@ -3630,7 +3637,7 @@
           <a:p>
             <a:pPr lvl="0"/>
             <a:r>
-              <a:rPr lang="ko-KR" altLang="en-US" smtClean="0"/>
+              <a:rPr lang="ko-KR" altLang="en-US"/>
               <a:t>마스터 텍스트 스타일 편집</a:t>
             </a:r>
           </a:p>
@@ -3660,35 +3667,35 @@
           <a:p>
             <a:pPr lvl="0"/>
             <a:r>
-              <a:rPr lang="ko-KR" altLang="en-US" smtClean="0"/>
+              <a:rPr lang="ko-KR" altLang="en-US"/>
               <a:t>마스터 텍스트 스타일 편집</a:t>
             </a:r>
           </a:p>
           <a:p>
             <a:pPr lvl="1"/>
             <a:r>
-              <a:rPr lang="ko-KR" altLang="en-US" smtClean="0"/>
+              <a:rPr lang="ko-KR" altLang="en-US"/>
               <a:t>둘째 수준</a:t>
             </a:r>
           </a:p>
           <a:p>
             <a:pPr lvl="2"/>
             <a:r>
-              <a:rPr lang="ko-KR" altLang="en-US" smtClean="0"/>
+              <a:rPr lang="ko-KR" altLang="en-US"/>
               <a:t>셋째 수준</a:t>
             </a:r>
           </a:p>
           <a:p>
             <a:pPr lvl="3"/>
             <a:r>
-              <a:rPr lang="ko-KR" altLang="en-US" smtClean="0"/>
+              <a:rPr lang="ko-KR" altLang="en-US"/>
               <a:t>넷째 수준</a:t>
             </a:r>
           </a:p>
           <a:p>
             <a:pPr lvl="4"/>
             <a:r>
-              <a:rPr lang="ko-KR" altLang="en-US" smtClean="0"/>
+              <a:rPr lang="ko-KR" altLang="en-US"/>
               <a:t>다섯째 수준</a:t>
             </a:r>
             <a:endParaRPr lang="en-US" dirty="0"/>
@@ -3756,7 +3763,7 @@
           <a:p>
             <a:pPr lvl="0"/>
             <a:r>
-              <a:rPr lang="ko-KR" altLang="en-US" smtClean="0"/>
+              <a:rPr lang="ko-KR" altLang="en-US"/>
               <a:t>마스터 텍스트 스타일 편집</a:t>
             </a:r>
           </a:p>
@@ -3786,35 +3793,35 @@
           <a:p>
             <a:pPr lvl="0"/>
             <a:r>
-              <a:rPr lang="ko-KR" altLang="en-US" smtClean="0"/>
+              <a:rPr lang="ko-KR" altLang="en-US"/>
               <a:t>마스터 텍스트 스타일 편집</a:t>
             </a:r>
           </a:p>
           <a:p>
             <a:pPr lvl="1"/>
             <a:r>
-              <a:rPr lang="ko-KR" altLang="en-US" smtClean="0"/>
+              <a:rPr lang="ko-KR" altLang="en-US"/>
               <a:t>둘째 수준</a:t>
             </a:r>
           </a:p>
           <a:p>
             <a:pPr lvl="2"/>
             <a:r>
-              <a:rPr lang="ko-KR" altLang="en-US" smtClean="0"/>
+              <a:rPr lang="ko-KR" altLang="en-US"/>
               <a:t>셋째 수준</a:t>
             </a:r>
           </a:p>
           <a:p>
             <a:pPr lvl="3"/>
             <a:r>
-              <a:rPr lang="ko-KR" altLang="en-US" smtClean="0"/>
+              <a:rPr lang="ko-KR" altLang="en-US"/>
               <a:t>넷째 수준</a:t>
             </a:r>
           </a:p>
           <a:p>
             <a:pPr lvl="4"/>
             <a:r>
-              <a:rPr lang="ko-KR" altLang="en-US" smtClean="0"/>
+              <a:rPr lang="ko-KR" altLang="en-US"/>
               <a:t>다섯째 수준</a:t>
             </a:r>
             <a:endParaRPr lang="en-US" dirty="0"/>
@@ -3838,7 +3845,7 @@
           <a:p>
             <a:fld id="{B3644C3F-34AF-4A1E-95C5-0C72B3BAC438}" type="datetimeFigureOut">
               <a:rPr lang="ko-KR" altLang="en-US" smtClean="0"/>
-              <a:t>2021-04-21</a:t>
+              <a:t>2021-04-26</a:t>
             </a:fld>
             <a:endParaRPr lang="ko-KR" altLang="en-US"/>
           </a:p>
@@ -3937,7 +3944,7 @@
           <a:lstStyle/>
           <a:p>
             <a:r>
-              <a:rPr lang="ko-KR" altLang="en-US" smtClean="0"/>
+              <a:rPr lang="ko-KR" altLang="en-US"/>
               <a:t>마스터 제목 스타일 편집</a:t>
             </a:r>
             <a:endParaRPr lang="en-US" dirty="0"/>
@@ -3961,7 +3968,7 @@
           <a:p>
             <a:fld id="{B3644C3F-34AF-4A1E-95C5-0C72B3BAC438}" type="datetimeFigureOut">
               <a:rPr lang="ko-KR" altLang="en-US" smtClean="0"/>
-              <a:t>2021-04-21</a:t>
+              <a:t>2021-04-26</a:t>
             </a:fld>
             <a:endParaRPr lang="ko-KR" altLang="en-US"/>
           </a:p>
@@ -4056,7 +4063,7 @@
           <a:p>
             <a:fld id="{B3644C3F-34AF-4A1E-95C5-0C72B3BAC438}" type="datetimeFigureOut">
               <a:rPr lang="ko-KR" altLang="en-US" smtClean="0"/>
-              <a:t>2021-04-21</a:t>
+              <a:t>2021-04-26</a:t>
             </a:fld>
             <a:endParaRPr lang="ko-KR" altLang="en-US"/>
           </a:p>
@@ -4161,7 +4168,7 @@
           </a:lstStyle>
           <a:p>
             <a:r>
-              <a:rPr lang="ko-KR" altLang="en-US" smtClean="0"/>
+              <a:rPr lang="ko-KR" altLang="en-US"/>
               <a:t>마스터 제목 스타일 편집</a:t>
             </a:r>
             <a:endParaRPr lang="en-US" dirty="0"/>
@@ -4192,35 +4199,35 @@
           <a:p>
             <a:pPr lvl="0"/>
             <a:r>
-              <a:rPr lang="ko-KR" altLang="en-US" smtClean="0"/>
+              <a:rPr lang="ko-KR" altLang="en-US"/>
               <a:t>마스터 텍스트 스타일 편집</a:t>
             </a:r>
           </a:p>
           <a:p>
             <a:pPr lvl="1"/>
             <a:r>
-              <a:rPr lang="ko-KR" altLang="en-US" smtClean="0"/>
+              <a:rPr lang="ko-KR" altLang="en-US"/>
               <a:t>둘째 수준</a:t>
             </a:r>
           </a:p>
           <a:p>
             <a:pPr lvl="2"/>
             <a:r>
-              <a:rPr lang="ko-KR" altLang="en-US" smtClean="0"/>
+              <a:rPr lang="ko-KR" altLang="en-US"/>
               <a:t>셋째 수준</a:t>
             </a:r>
           </a:p>
           <a:p>
             <a:pPr lvl="3"/>
             <a:r>
-              <a:rPr lang="ko-KR" altLang="en-US" smtClean="0"/>
+              <a:rPr lang="ko-KR" altLang="en-US"/>
               <a:t>넷째 수준</a:t>
             </a:r>
           </a:p>
           <a:p>
             <a:pPr lvl="4"/>
             <a:r>
-              <a:rPr lang="ko-KR" altLang="en-US" smtClean="0"/>
+              <a:rPr lang="ko-KR" altLang="en-US"/>
               <a:t>다섯째 수준</a:t>
             </a:r>
             <a:endParaRPr lang="en-US" dirty="0"/>
@@ -4288,7 +4295,7 @@
           <a:p>
             <a:pPr lvl="0"/>
             <a:r>
-              <a:rPr lang="ko-KR" altLang="en-US" smtClean="0"/>
+              <a:rPr lang="ko-KR" altLang="en-US"/>
               <a:t>마스터 텍스트 스타일 편집</a:t>
             </a:r>
           </a:p>
@@ -4311,7 +4318,7 @@
           <a:p>
             <a:fld id="{B3644C3F-34AF-4A1E-95C5-0C72B3BAC438}" type="datetimeFigureOut">
               <a:rPr lang="ko-KR" altLang="en-US" smtClean="0"/>
-              <a:t>2021-04-21</a:t>
+              <a:t>2021-04-26</a:t>
             </a:fld>
             <a:endParaRPr lang="ko-KR" altLang="en-US"/>
           </a:p>
@@ -4416,7 +4423,7 @@
           </a:lstStyle>
           <a:p>
             <a:r>
-              <a:rPr lang="ko-KR" altLang="en-US" smtClean="0"/>
+              <a:rPr lang="ko-KR" altLang="en-US"/>
               <a:t>마스터 제목 스타일 편집</a:t>
             </a:r>
             <a:endParaRPr lang="en-US" dirty="0"/>
@@ -4483,7 +4490,7 @@
           </a:lstStyle>
           <a:p>
             <a:r>
-              <a:rPr lang="ko-KR" altLang="en-US" smtClean="0"/>
+              <a:rPr lang="ko-KR" altLang="en-US"/>
               <a:t>그림을 추가하려면 아이콘을 클릭하십시오</a:t>
             </a:r>
             <a:endParaRPr lang="en-US" dirty="0"/>
@@ -4551,7 +4558,7 @@
           <a:p>
             <a:pPr lvl="0"/>
             <a:r>
-              <a:rPr lang="ko-KR" altLang="en-US" smtClean="0"/>
+              <a:rPr lang="ko-KR" altLang="en-US"/>
               <a:t>마스터 텍스트 스타일 편집</a:t>
             </a:r>
           </a:p>
@@ -4616,7 +4623,7 @@
           <a:p>
             <a:fld id="{B3644C3F-34AF-4A1E-95C5-0C72B3BAC438}" type="datetimeFigureOut">
               <a:rPr lang="ko-KR" altLang="en-US" smtClean="0"/>
-              <a:t>2021-04-21</a:t>
+              <a:t>2021-04-26</a:t>
             </a:fld>
             <a:endParaRPr lang="ko-KR" altLang="en-US"/>
           </a:p>
@@ -5214,7 +5221,7 @@
           <a:lstStyle/>
           <a:p>
             <a:r>
-              <a:rPr lang="ko-KR" altLang="en-US" smtClean="0"/>
+              <a:rPr lang="ko-KR" altLang="en-US"/>
               <a:t>마스터 제목 스타일 편집</a:t>
             </a:r>
             <a:endParaRPr lang="en-US" dirty="0"/>
@@ -5248,35 +5255,35 @@
           <a:p>
             <a:pPr lvl="0"/>
             <a:r>
-              <a:rPr lang="ko-KR" altLang="en-US" smtClean="0"/>
+              <a:rPr lang="ko-KR" altLang="en-US"/>
               <a:t>마스터 텍스트 스타일 편집</a:t>
             </a:r>
           </a:p>
           <a:p>
             <a:pPr lvl="1"/>
             <a:r>
-              <a:rPr lang="ko-KR" altLang="en-US" smtClean="0"/>
+              <a:rPr lang="ko-KR" altLang="en-US"/>
               <a:t>둘째 수준</a:t>
             </a:r>
           </a:p>
           <a:p>
             <a:pPr lvl="2"/>
             <a:r>
-              <a:rPr lang="ko-KR" altLang="en-US" smtClean="0"/>
+              <a:rPr lang="ko-KR" altLang="en-US"/>
               <a:t>셋째 수준</a:t>
             </a:r>
           </a:p>
           <a:p>
             <a:pPr lvl="3"/>
             <a:r>
-              <a:rPr lang="ko-KR" altLang="en-US" smtClean="0"/>
+              <a:rPr lang="ko-KR" altLang="en-US"/>
               <a:t>넷째 수준</a:t>
             </a:r>
           </a:p>
           <a:p>
             <a:pPr lvl="4"/>
             <a:r>
-              <a:rPr lang="ko-KR" altLang="en-US" smtClean="0"/>
+              <a:rPr lang="ko-KR" altLang="en-US"/>
               <a:t>다섯째 수준</a:t>
             </a:r>
             <a:endParaRPr lang="en-US" dirty="0"/>
@@ -5318,7 +5325,7 @@
           <a:p>
             <a:fld id="{B3644C3F-34AF-4A1E-95C5-0C72B3BAC438}" type="datetimeFigureOut">
               <a:rPr lang="ko-KR" altLang="en-US" smtClean="0"/>
-              <a:t>2021-04-21</a:t>
+              <a:t>2021-04-26</a:t>
             </a:fld>
             <a:endParaRPr lang="ko-KR" altLang="en-US"/>
           </a:p>
@@ -5863,14 +5870,13 @@
           <a:lstStyle/>
           <a:p>
             <a:r>
-              <a:rPr lang="ko-KR" altLang="en-US" dirty="0" err="1" smtClean="0"/>
+              <a:rPr lang="ko-KR" altLang="en-US" dirty="0" err="1"/>
               <a:t>코딩교육용</a:t>
             </a:r>
             <a:r>
-              <a:rPr lang="ko-KR" altLang="en-US" dirty="0" smtClean="0"/>
+              <a:rPr lang="ko-KR" altLang="en-US" dirty="0"/>
               <a:t> 퍼즐게임 제안서</a:t>
             </a:r>
-            <a:endParaRPr lang="ko-KR" altLang="en-US" dirty="0"/>
           </a:p>
         </p:txBody>
       </p:sp>
@@ -5903,13 +5909,405 @@
   <p:clrMapOvr>
     <a:masterClrMapping/>
   </p:clrMapOvr>
-  <p:timing>
-    <p:tnLst>
-      <p:par>
-        <p:cTn id="1" dur="indefinite" restart="never" nodeType="tmRoot"/>
-      </p:par>
-    </p:tnLst>
-  </p:timing>
+</p:sld>
+</file>
+
+<file path=ppt/slides/slide10.xml><?xml version="1.0" encoding="utf-8"?>
+<p:sld xmlns:a="http://schemas.openxmlformats.org/drawingml/2006/main" xmlns:r="http://schemas.openxmlformats.org/officeDocument/2006/relationships" xmlns:p="http://schemas.openxmlformats.org/presentationml/2006/main">
+  <p:cSld>
+    <p:spTree>
+      <p:nvGrpSpPr>
+        <p:cNvPr id="1" name=""/>
+        <p:cNvGrpSpPr/>
+        <p:nvPr/>
+      </p:nvGrpSpPr>
+      <p:grpSpPr>
+        <a:xfrm>
+          <a:off x="0" y="0"/>
+          <a:ext cx="0" cy="0"/>
+          <a:chOff x="0" y="0"/>
+          <a:chExt cx="0" cy="0"/>
+        </a:xfrm>
+      </p:grpSpPr>
+      <p:sp>
+        <p:nvSpPr>
+          <p:cNvPr id="2" name="제목 1"/>
+          <p:cNvSpPr>
+            <a:spLocks noGrp="1"/>
+          </p:cNvSpPr>
+          <p:nvPr>
+            <p:ph type="title"/>
+          </p:nvPr>
+        </p:nvSpPr>
+        <p:spPr/>
+        <p:txBody>
+          <a:bodyPr/>
+          <a:lstStyle/>
+          <a:p>
+            <a:r>
+              <a:rPr lang="en-US" altLang="ko-KR" b="1" dirty="0"/>
+              <a:t>Platform</a:t>
+            </a:r>
+            <a:endParaRPr lang="ko-KR" altLang="en-US" dirty="0"/>
+          </a:p>
+        </p:txBody>
+      </p:sp>
+      <p:sp>
+        <p:nvSpPr>
+          <p:cNvPr id="3" name="내용 개체 틀 2"/>
+          <p:cNvSpPr>
+            <a:spLocks noGrp="1"/>
+          </p:cNvSpPr>
+          <p:nvPr>
+            <p:ph sz="half" idx="1"/>
+          </p:nvPr>
+        </p:nvSpPr>
+        <p:spPr/>
+        <p:txBody>
+          <a:bodyPr>
+            <a:normAutofit/>
+          </a:bodyPr>
+          <a:lstStyle/>
+          <a:p>
+            <a:r>
+              <a:rPr lang="ko-KR" altLang="en-US" sz="2400" dirty="0" smtClean="0">
+                <a:latin typeface="+mn-ea"/>
+              </a:rPr>
+              <a:t>플레이 플랫폼 </a:t>
+            </a:r>
+            <a:r>
+              <a:rPr lang="en-US" altLang="ko-KR" sz="2400" dirty="0" smtClean="0">
+                <a:latin typeface="+mn-ea"/>
+              </a:rPr>
+              <a:t>:</a:t>
+            </a:r>
+          </a:p>
+          <a:p>
+            <a:pPr marL="457200" lvl="1" indent="0">
+              <a:buNone/>
+            </a:pPr>
+            <a:r>
+              <a:rPr lang="en-US" altLang="ko-KR" sz="2200" dirty="0" smtClean="0"/>
+              <a:t>PC</a:t>
+            </a:r>
+            <a:r>
+              <a:rPr lang="ko-KR" altLang="en-US" sz="2200" dirty="0" smtClean="0">
+                <a:latin typeface="+mn-ea"/>
+              </a:rPr>
+              <a:t>환경</a:t>
+            </a:r>
+            <a:r>
+              <a:rPr lang="en-US" altLang="ko-KR" sz="2200" dirty="0" smtClean="0">
+                <a:latin typeface="+mn-ea"/>
+              </a:rPr>
+              <a:t>, </a:t>
+            </a:r>
+            <a:r>
+              <a:rPr lang="en-US" altLang="ko-KR" sz="2200" dirty="0" smtClean="0"/>
+              <a:t>windows</a:t>
+            </a:r>
+            <a:endParaRPr lang="ko-KR" altLang="en-US" sz="2200" dirty="0"/>
+          </a:p>
+        </p:txBody>
+      </p:sp>
+      <p:sp>
+        <p:nvSpPr>
+          <p:cNvPr id="4" name="내용 개체 틀 3"/>
+          <p:cNvSpPr>
+            <a:spLocks noGrp="1"/>
+          </p:cNvSpPr>
+          <p:nvPr>
+            <p:ph sz="half" idx="2"/>
+          </p:nvPr>
+        </p:nvSpPr>
+        <p:spPr/>
+        <p:txBody>
+          <a:bodyPr>
+            <a:normAutofit/>
+          </a:bodyPr>
+          <a:lstStyle/>
+          <a:p>
+            <a:r>
+              <a:rPr lang="ko-KR" altLang="en-US" sz="2400" dirty="0" smtClean="0"/>
+              <a:t>판매 플랫폼 </a:t>
+            </a:r>
+            <a:r>
+              <a:rPr lang="en-US" altLang="ko-KR" sz="2400" dirty="0" smtClean="0"/>
+              <a:t>:</a:t>
+            </a:r>
+          </a:p>
+          <a:p>
+            <a:pPr marL="457200" lvl="1" indent="0">
+              <a:buNone/>
+            </a:pPr>
+            <a:r>
+              <a:rPr lang="en-US" altLang="ko-KR" sz="2200" dirty="0" smtClean="0">
+                <a:latin typeface="+mn-ea"/>
+              </a:rPr>
+              <a:t>-</a:t>
+            </a:r>
+            <a:r>
+              <a:rPr lang="en-US" altLang="ko-KR" sz="2200" dirty="0" smtClean="0"/>
+              <a:t> </a:t>
+            </a:r>
+            <a:r>
+              <a:rPr lang="ko-KR" altLang="en-US" sz="2200" dirty="0" smtClean="0"/>
+              <a:t>교육부 </a:t>
+            </a:r>
+            <a:r>
+              <a:rPr lang="en-US" altLang="ko-KR" sz="2200" dirty="0" smtClean="0"/>
+              <a:t>/ </a:t>
+            </a:r>
+            <a:r>
+              <a:rPr lang="ko-KR" altLang="en-US" sz="2200" dirty="0" err="1" smtClean="0"/>
+              <a:t>미래부</a:t>
+            </a:r>
+            <a:r>
+              <a:rPr lang="ko-KR" altLang="en-US" sz="2200" dirty="0" smtClean="0"/>
+              <a:t> 산하기관</a:t>
+            </a:r>
+            <a:endParaRPr lang="en-US" altLang="ko-KR" sz="2400" dirty="0"/>
+          </a:p>
+          <a:p>
+            <a:pPr marL="457200" lvl="1" indent="0">
+              <a:buNone/>
+            </a:pPr>
+            <a:endParaRPr lang="en-US" altLang="ko-KR" sz="2200" dirty="0" smtClean="0"/>
+          </a:p>
+          <a:p>
+            <a:pPr marL="457200" lvl="1" indent="0">
+              <a:buNone/>
+            </a:pPr>
+            <a:r>
+              <a:rPr lang="en-US" altLang="ko-KR" sz="2200" dirty="0" smtClean="0">
+                <a:latin typeface="+mn-ea"/>
+              </a:rPr>
+              <a:t>-</a:t>
+            </a:r>
+            <a:r>
+              <a:rPr lang="en-US" altLang="ko-KR" sz="2200" dirty="0" smtClean="0"/>
+              <a:t> </a:t>
+            </a:r>
+            <a:r>
+              <a:rPr lang="ko-KR" altLang="en-US" sz="2200" dirty="0" smtClean="0"/>
+              <a:t>지역 </a:t>
+            </a:r>
+            <a:r>
+              <a:rPr lang="ko-KR" altLang="en-US" sz="2200" dirty="0"/>
+              <a:t>사회 공공 </a:t>
+            </a:r>
+            <a:r>
+              <a:rPr lang="ko-KR" altLang="en-US" sz="2200" dirty="0" smtClean="0"/>
+              <a:t>교육기관           </a:t>
+            </a:r>
+            <a:r>
+              <a:rPr lang="en-US" altLang="ko-KR" sz="2200" dirty="0" smtClean="0"/>
+              <a:t>(</a:t>
+            </a:r>
+            <a:r>
+              <a:rPr lang="ko-KR" altLang="en-US" sz="2200" dirty="0" smtClean="0"/>
+              <a:t>학교</a:t>
+            </a:r>
+            <a:r>
+              <a:rPr lang="en-US" altLang="ko-KR" sz="2200" dirty="0"/>
+              <a:t>, </a:t>
+            </a:r>
+            <a:r>
+              <a:rPr lang="ko-KR" altLang="en-US" sz="2200" dirty="0"/>
+              <a:t>아동센터</a:t>
+            </a:r>
+            <a:r>
+              <a:rPr lang="en-US" altLang="ko-KR" sz="2200" dirty="0"/>
+              <a:t>)</a:t>
+            </a:r>
+          </a:p>
+          <a:p>
+            <a:pPr marL="0" indent="0">
+              <a:buNone/>
+            </a:pPr>
+            <a:r>
+              <a:rPr lang="en-US" altLang="ko-KR" sz="2400" dirty="0" smtClean="0"/>
+              <a:t>	</a:t>
+            </a:r>
+          </a:p>
+          <a:p>
+            <a:pPr marL="0" indent="0">
+              <a:buNone/>
+            </a:pPr>
+            <a:r>
+              <a:rPr lang="en-US" altLang="ko-KR" sz="2400" dirty="0">
+                <a:latin typeface="+mn-ea"/>
+              </a:rPr>
+              <a:t>	</a:t>
+            </a:r>
+            <a:r>
+              <a:rPr lang="en-US" altLang="ko-KR" sz="2400" dirty="0" smtClean="0">
+                <a:latin typeface="+mn-ea"/>
+              </a:rPr>
+              <a:t>-</a:t>
+            </a:r>
+            <a:r>
+              <a:rPr lang="en-US" altLang="ko-KR" sz="2400" dirty="0" smtClean="0"/>
+              <a:t> SW </a:t>
+            </a:r>
+            <a:r>
+              <a:rPr lang="ko-KR" altLang="en-US" sz="2400" dirty="0"/>
+              <a:t>학원</a:t>
+            </a:r>
+            <a:endParaRPr lang="en-US" altLang="ko-KR" sz="2400" dirty="0"/>
+          </a:p>
+          <a:p>
+            <a:endParaRPr lang="ko-KR" altLang="en-US" sz="2400" dirty="0"/>
+          </a:p>
+        </p:txBody>
+      </p:sp>
+    </p:spTree>
+    <p:extLst>
+      <p:ext uri="{BB962C8B-B14F-4D97-AF65-F5344CB8AC3E}">
+        <p14:creationId xmlns:p14="http://schemas.microsoft.com/office/powerpoint/2010/main" val="3659529001"/>
+      </p:ext>
+    </p:extLst>
+  </p:cSld>
+  <p:clrMapOvr>
+    <a:masterClrMapping/>
+  </p:clrMapOvr>
+</p:sld>
+</file>
+
+<file path=ppt/slides/slide11.xml><?xml version="1.0" encoding="utf-8"?>
+<p:sld xmlns:a="http://schemas.openxmlformats.org/drawingml/2006/main" xmlns:r="http://schemas.openxmlformats.org/officeDocument/2006/relationships" xmlns:p="http://schemas.openxmlformats.org/presentationml/2006/main">
+  <p:cSld>
+    <p:spTree>
+      <p:nvGrpSpPr>
+        <p:cNvPr id="1" name=""/>
+        <p:cNvGrpSpPr/>
+        <p:nvPr/>
+      </p:nvGrpSpPr>
+      <p:grpSpPr>
+        <a:xfrm>
+          <a:off x="0" y="0"/>
+          <a:ext cx="0" cy="0"/>
+          <a:chOff x="0" y="0"/>
+          <a:chExt cx="0" cy="0"/>
+        </a:xfrm>
+      </p:grpSpPr>
+      <p:sp>
+        <p:nvSpPr>
+          <p:cNvPr id="2" name="제목 1">
+            <a:extLst>
+              <a:ext uri="{FF2B5EF4-FFF2-40B4-BE49-F238E27FC236}">
+                <a16:creationId xmlns:a16="http://schemas.microsoft.com/office/drawing/2014/main" id="{5E177B3C-E7AD-4B5F-A16B-421DE962E700}"/>
+              </a:ext>
+            </a:extLst>
+          </p:cNvPr>
+          <p:cNvSpPr>
+            <a:spLocks noGrp="1"/>
+          </p:cNvSpPr>
+          <p:nvPr>
+            <p:ph type="title"/>
+          </p:nvPr>
+        </p:nvSpPr>
+        <p:spPr/>
+        <p:txBody>
+          <a:bodyPr/>
+          <a:lstStyle/>
+          <a:p>
+            <a:r>
+              <a:rPr lang="ko-KR" altLang="en-US" dirty="0"/>
+              <a:t>여기서부터 게임설명 파트</a:t>
+            </a:r>
+          </a:p>
+        </p:txBody>
+      </p:sp>
+      <p:sp>
+        <p:nvSpPr>
+          <p:cNvPr id="3" name="내용 개체 틀 2">
+            <a:extLst>
+              <a:ext uri="{FF2B5EF4-FFF2-40B4-BE49-F238E27FC236}">
+                <a16:creationId xmlns:a16="http://schemas.microsoft.com/office/drawing/2014/main" id="{169A83D8-E8FC-46D2-A0A4-C2761AC04A93}"/>
+              </a:ext>
+            </a:extLst>
+          </p:cNvPr>
+          <p:cNvSpPr>
+            <a:spLocks noGrp="1"/>
+          </p:cNvSpPr>
+          <p:nvPr>
+            <p:ph idx="1"/>
+          </p:nvPr>
+        </p:nvSpPr>
+        <p:spPr/>
+        <p:txBody>
+          <a:bodyPr/>
+          <a:lstStyle/>
+          <a:p>
+            <a:r>
+              <a:rPr lang="en-US" altLang="ko-KR" dirty="0" err="1"/>
+              <a:t>Todo</a:t>
+            </a:r>
+            <a:r>
+              <a:rPr lang="ko-KR" altLang="en-US" dirty="0"/>
+              <a:t> </a:t>
+            </a:r>
+            <a:endParaRPr lang="en-US" altLang="ko-KR" dirty="0"/>
+          </a:p>
+          <a:p>
+            <a:r>
+              <a:rPr lang="ko-KR" altLang="en-US" dirty="0"/>
+              <a:t>코딩테스트와 게임을 어떠한 형태로 연결한 것인지 방법을 제시</a:t>
+            </a:r>
+            <a:endParaRPr lang="en-US" altLang="ko-KR" dirty="0"/>
+          </a:p>
+          <a:p>
+            <a:r>
+              <a:rPr lang="ko-KR" altLang="en-US" dirty="0"/>
+              <a:t>본 게임을 통해 이용자에게 기대되는 학습효과</a:t>
+            </a:r>
+            <a:endParaRPr lang="en-US" altLang="ko-KR" dirty="0"/>
+          </a:p>
+          <a:p>
+            <a:endParaRPr lang="en-US" altLang="ko-KR" dirty="0"/>
+          </a:p>
+          <a:p>
+            <a:r>
+              <a:rPr lang="ko-KR" altLang="en-US" dirty="0"/>
+              <a:t>청소년층을 타겟으로 잡기위한 외형적 요소를 연구하기</a:t>
+            </a:r>
+            <a:r>
+              <a:rPr lang="en-US" altLang="ko-KR" dirty="0"/>
+              <a:t>(</a:t>
+            </a:r>
+            <a:r>
+              <a:rPr lang="ko-KR" altLang="en-US" dirty="0"/>
+              <a:t>그래픽</a:t>
+            </a:r>
+            <a:r>
+              <a:rPr lang="en-US" altLang="ko-KR" dirty="0"/>
+              <a:t> + </a:t>
+            </a:r>
+            <a:r>
+              <a:rPr lang="ko-KR" altLang="en-US" dirty="0"/>
+              <a:t>게임설정</a:t>
+            </a:r>
+            <a:r>
+              <a:rPr lang="en-US" altLang="ko-KR" dirty="0"/>
+              <a:t>)</a:t>
+            </a:r>
+          </a:p>
+          <a:p>
+            <a:endParaRPr lang="en-US" altLang="ko-KR" dirty="0"/>
+          </a:p>
+        </p:txBody>
+      </p:sp>
+    </p:spTree>
+    <p:extLst>
+      <p:ext uri="{BB962C8B-B14F-4D97-AF65-F5344CB8AC3E}">
+        <p14:creationId xmlns:p14="http://schemas.microsoft.com/office/powerpoint/2010/main" val="1799544190"/>
+      </p:ext>
+    </p:extLst>
+  </p:cSld>
+  <p:clrMapOvr>
+    <a:masterClrMapping/>
+  </p:clrMapOvr>
 </p:sld>
 </file>
 
@@ -5946,10 +6344,10 @@
           <a:lstStyle/>
           <a:p>
             <a:r>
-              <a:rPr lang="ko-KR" altLang="en-US" dirty="0" smtClean="0"/>
-              <a:t>목차</a:t>
-            </a:r>
-            <a:endParaRPr lang="ko-KR" altLang="en-US" dirty="0"/>
+              <a:rPr lang="en-US" altLang="ko-KR" b="1" dirty="0"/>
+              <a:t>Index</a:t>
+            </a:r>
+            <a:endParaRPr lang="ko-KR" altLang="en-US" b="1" dirty="0"/>
           </a:p>
         </p:txBody>
       </p:sp>
@@ -5974,54 +6372,54 @@
               <a:buNone/>
             </a:pPr>
             <a:r>
-              <a:rPr lang="en-US" altLang="ko-KR" sz="3600" dirty="0" smtClean="0"/>
+              <a:rPr lang="en-US" altLang="ko-KR" sz="3600" dirty="0"/>
               <a:t>I . </a:t>
             </a:r>
             <a:r>
-              <a:rPr lang="ko-KR" altLang="en-US" sz="3600" dirty="0" smtClean="0"/>
+              <a:rPr lang="ko-KR" altLang="en-US" sz="3600" dirty="0"/>
               <a:t>개요</a:t>
             </a:r>
-            <a:endParaRPr lang="en-US" altLang="ko-KR" sz="3600" dirty="0" smtClean="0"/>
+            <a:endParaRPr lang="en-US" altLang="ko-KR" sz="3600" dirty="0"/>
           </a:p>
           <a:p>
             <a:pPr marL="0" indent="0">
               <a:buNone/>
             </a:pPr>
-            <a:endParaRPr lang="en-US" altLang="ko-KR" sz="3600" dirty="0" smtClean="0"/>
+            <a:endParaRPr lang="en-US" altLang="ko-KR" sz="3600" dirty="0"/>
           </a:p>
           <a:p>
             <a:pPr marL="0" indent="0">
               <a:buNone/>
             </a:pPr>
             <a:r>
-              <a:rPr lang="en-US" altLang="ko-KR" sz="3600" dirty="0" smtClean="0"/>
+              <a:rPr lang="en-US" altLang="ko-KR" sz="3600" dirty="0"/>
               <a:t>II . </a:t>
             </a:r>
             <a:r>
-              <a:rPr lang="ko-KR" altLang="en-US" sz="3600" dirty="0" smtClean="0"/>
+              <a:rPr lang="ko-KR" altLang="en-US" sz="3600" dirty="0"/>
               <a:t>게임설명</a:t>
             </a:r>
-            <a:endParaRPr lang="en-US" altLang="ko-KR" sz="3600" dirty="0" smtClean="0"/>
+            <a:endParaRPr lang="en-US" altLang="ko-KR" sz="3600" dirty="0"/>
           </a:p>
           <a:p>
             <a:pPr marL="0" indent="0">
               <a:buNone/>
             </a:pPr>
-            <a:endParaRPr lang="en-US" altLang="ko-KR" sz="3600" dirty="0" smtClean="0"/>
+            <a:endParaRPr lang="en-US" altLang="ko-KR" sz="3600" dirty="0"/>
           </a:p>
           <a:p>
             <a:pPr marL="0" indent="0">
               <a:buNone/>
             </a:pPr>
             <a:r>
-              <a:rPr lang="en-US" altLang="ko-KR" sz="3600" dirty="0" smtClean="0"/>
+              <a:rPr lang="en-US" altLang="ko-KR" sz="3600" dirty="0"/>
               <a:t>III. </a:t>
             </a:r>
             <a:r>
-              <a:rPr lang="ko-KR" altLang="en-US" sz="3600" dirty="0" smtClean="0"/>
+              <a:rPr lang="ko-KR" altLang="en-US" sz="3600" dirty="0"/>
               <a:t>시장분석</a:t>
             </a:r>
-            <a:endParaRPr lang="en-US" altLang="ko-KR" sz="3600" dirty="0" smtClean="0"/>
+            <a:endParaRPr lang="en-US" altLang="ko-KR" sz="3600" dirty="0"/>
           </a:p>
         </p:txBody>
       </p:sp>
@@ -6035,13 +6433,6 @@
   <p:clrMapOvr>
     <a:masterClrMapping/>
   </p:clrMapOvr>
-  <p:timing>
-    <p:tnLst>
-      <p:par>
-        <p:cTn id="1" dur="indefinite" restart="never" nodeType="tmRoot"/>
-      </p:par>
-    </p:tnLst>
-  </p:timing>
 </p:sld>
 </file>
 
@@ -6078,14 +6469,14 @@
           <a:lstStyle/>
           <a:p>
             <a:r>
-              <a:rPr lang="ko-KR" altLang="en-US" dirty="0" err="1" smtClean="0"/>
+              <a:rPr lang="ko-KR" altLang="en-US" b="1" dirty="0" err="1"/>
               <a:t>코딩교육</a:t>
             </a:r>
             <a:r>
-              <a:rPr lang="en-US" altLang="ko-KR" dirty="0" smtClean="0"/>
+              <a:rPr lang="en-US" altLang="ko-KR" b="1" dirty="0"/>
               <a:t>??</a:t>
             </a:r>
-            <a:endParaRPr lang="ko-KR" altLang="en-US" dirty="0"/>
+            <a:endParaRPr lang="ko-KR" altLang="en-US" b="1" dirty="0"/>
           </a:p>
         </p:txBody>
       </p:sp>
@@ -6107,38 +6498,22 @@
           <a:lstStyle/>
           <a:p>
             <a:r>
-              <a:rPr lang="en-US" altLang="ko-KR" sz="2400" dirty="0" smtClean="0"/>
+              <a:rPr lang="en-US" altLang="ko-KR" sz="2400" dirty="0"/>
               <a:t>4</a:t>
             </a:r>
             <a:r>
-              <a:rPr lang="ko-KR" altLang="en-US" sz="2400" dirty="0" smtClean="0"/>
+              <a:rPr lang="ko-KR" altLang="en-US" sz="2400" dirty="0"/>
               <a:t>차 산업혁명시대</a:t>
             </a:r>
             <a:r>
-              <a:rPr lang="en-US" altLang="ko-KR" sz="2400" dirty="0" smtClean="0"/>
+              <a:rPr lang="en-US" altLang="ko-KR" sz="2400" dirty="0"/>
               <a:t>, </a:t>
             </a:r>
             <a:r>
-              <a:rPr lang="ko-KR" altLang="en-US" sz="2400" dirty="0" smtClean="0"/>
+              <a:rPr lang="ko-KR" altLang="en-US" sz="2400" dirty="0"/>
               <a:t>우리가 사용하는 주변기기들의 원리를 알고 더 잘 활용하기 위해 필요</a:t>
             </a:r>
-            <a:endParaRPr lang="en-US" altLang="ko-KR" sz="2400" dirty="0" smtClean="0"/>
-          </a:p>
-          <a:p>
-            <a:pPr marL="0" indent="0">
-              <a:buNone/>
-            </a:pPr>
-            <a:endParaRPr lang="en-US" altLang="ko-KR" sz="2400" dirty="0" smtClean="0"/>
-          </a:p>
-          <a:p>
-            <a:r>
-              <a:rPr lang="ko-KR" altLang="en-US" sz="2400" dirty="0" smtClean="0"/>
-              <a:t>프로그래머 육성 </a:t>
-            </a:r>
-            <a:r>
-              <a:rPr lang="en-US" altLang="ko-KR" sz="2400" dirty="0" smtClean="0"/>
-              <a:t>– X</a:t>
-            </a:r>
+            <a:endParaRPr lang="en-US" altLang="ko-KR" sz="2400" dirty="0"/>
           </a:p>
           <a:p>
             <a:pPr marL="0" indent="0">
@@ -6148,24 +6523,40 @@
           </a:p>
           <a:p>
             <a:r>
-              <a:rPr lang="ko-KR" altLang="en-US" sz="2400" dirty="0" smtClean="0"/>
+              <a:rPr lang="ko-KR" altLang="en-US" sz="2400" dirty="0"/>
+              <a:t>프로그래머 육성 </a:t>
+            </a:r>
+            <a:r>
+              <a:rPr lang="en-US" altLang="ko-KR" sz="2400" dirty="0"/>
+              <a:t>– X</a:t>
+            </a:r>
+          </a:p>
+          <a:p>
+            <a:pPr marL="0" indent="0">
+              <a:buNone/>
+            </a:pPr>
+            <a:endParaRPr lang="en-US" altLang="ko-KR" sz="2400" dirty="0"/>
+          </a:p>
+          <a:p>
+            <a:r>
+              <a:rPr lang="ko-KR" altLang="en-US" sz="2400" dirty="0"/>
               <a:t>코딩을 통해 컴퓨터의 사고 회로를 이해하고</a:t>
             </a:r>
             <a:r>
-              <a:rPr lang="en-US" altLang="ko-KR" sz="2400" dirty="0" smtClean="0"/>
+              <a:rPr lang="en-US" altLang="ko-KR" sz="2400" dirty="0"/>
               <a:t>, </a:t>
             </a:r>
             <a:r>
-              <a:rPr lang="ko-KR" altLang="en-US" sz="2400" dirty="0" smtClean="0"/>
+              <a:rPr lang="ko-KR" altLang="en-US" sz="2400" dirty="0"/>
               <a:t>논리적으로 사고하는 방법을 터득해 나가도록 돕는 것</a:t>
             </a:r>
-            <a:endParaRPr lang="en-US" altLang="ko-KR" sz="2400" dirty="0" smtClean="0"/>
+            <a:endParaRPr lang="en-US" altLang="ko-KR" sz="2400" dirty="0"/>
           </a:p>
           <a:p>
             <a:pPr marL="0" indent="0">
               <a:buNone/>
             </a:pPr>
-            <a:endParaRPr lang="en-US" altLang="ko-KR" dirty="0" smtClean="0"/>
+            <a:endParaRPr lang="en-US" altLang="ko-KR" dirty="0"/>
           </a:p>
           <a:p>
             <a:pPr marL="0" indent="0">
@@ -6185,13 +6576,6 @@
   <p:clrMapOvr>
     <a:masterClrMapping/>
   </p:clrMapOvr>
-  <p:timing>
-    <p:tnLst>
-      <p:par>
-        <p:cTn id="1" dur="indefinite" restart="never" nodeType="tmRoot"/>
-      </p:par>
-    </p:tnLst>
-  </p:timing>
 </p:sld>
 </file>
 
@@ -6228,10 +6612,9 @@
           <a:lstStyle/>
           <a:p>
             <a:r>
-              <a:rPr lang="ko-KR" altLang="en-US" dirty="0" smtClean="0"/>
+              <a:rPr lang="ko-KR" altLang="en-US" b="1" dirty="0"/>
               <a:t>문제 해결 능력</a:t>
             </a:r>
-            <a:endParaRPr lang="ko-KR" altLang="en-US" dirty="0"/>
           </a:p>
         </p:txBody>
       </p:sp>
@@ -6317,10 +6700,9 @@
           <a:lstStyle/>
           <a:p>
             <a:r>
-              <a:rPr lang="ko-KR" altLang="en-US" sz="8500" b="1" dirty="0" smtClean="0"/>
+              <a:rPr lang="ko-KR" altLang="en-US" sz="8500" b="1" dirty="0"/>
               <a:t>≒</a:t>
             </a:r>
-            <a:endParaRPr lang="ko-KR" altLang="en-US" sz="8500" b="1" dirty="0"/>
           </a:p>
         </p:txBody>
       </p:sp>
@@ -6334,13 +6716,6 @@
   <p:clrMapOvr>
     <a:masterClrMapping/>
   </p:clrMapOvr>
-  <p:timing>
-    <p:tnLst>
-      <p:par>
-        <p:cTn id="1" dur="indefinite" restart="never" nodeType="tmRoot"/>
-      </p:par>
-    </p:tnLst>
-  </p:timing>
 </p:sld>
 </file>
 
@@ -6363,7 +6738,13 @@
       </p:grpSpPr>
       <p:sp>
         <p:nvSpPr>
-          <p:cNvPr id="2" name="제목 1"/>
+          <p:cNvPr id="2" name="제목 1">
+            <a:extLst>
+              <a:ext uri="{FF2B5EF4-FFF2-40B4-BE49-F238E27FC236}">
+                <a16:creationId xmlns:a16="http://schemas.microsoft.com/office/drawing/2014/main" id="{7072FB78-215C-4CC7-899C-D47B6A305BFE}"/>
+              </a:ext>
+            </a:extLst>
+          </p:cNvPr>
           <p:cNvSpPr>
             <a:spLocks noGrp="1"/>
           </p:cNvSpPr>
@@ -6377,8 +6758,73 @@
           <a:lstStyle/>
           <a:p>
             <a:r>
+              <a:rPr lang="ko-KR" altLang="en-US" b="1" dirty="0"/>
+              <a:t>기존의 노력과 한계점</a:t>
+            </a:r>
+            <a:endParaRPr lang="ko-KR" altLang="en-US" dirty="0"/>
+          </a:p>
+        </p:txBody>
+      </p:sp>
+      <p:sp>
+        <p:nvSpPr>
+          <p:cNvPr id="3" name="내용 개체 틀 2">
+            <a:extLst>
+              <a:ext uri="{FF2B5EF4-FFF2-40B4-BE49-F238E27FC236}">
+                <a16:creationId xmlns:a16="http://schemas.microsoft.com/office/drawing/2014/main" id="{03972B0C-860F-4995-A1D6-125EED3166D5}"/>
+              </a:ext>
+            </a:extLst>
+          </p:cNvPr>
+          <p:cNvSpPr>
+            <a:spLocks noGrp="1"/>
+          </p:cNvSpPr>
+          <p:nvPr>
+            <p:ph sz="half" idx="1"/>
+          </p:nvPr>
+        </p:nvSpPr>
+        <p:spPr/>
+        <p:txBody>
+          <a:bodyPr/>
+          <a:lstStyle/>
+          <a:p>
+            <a:pPr marL="0" indent="0">
+              <a:buNone/>
+            </a:pPr>
+            <a:r>
+              <a:rPr lang="ko-KR" altLang="en-US" dirty="0"/>
+              <a:t>해외</a:t>
+            </a:r>
+            <a:endParaRPr lang="en-US" altLang="ko-KR" dirty="0"/>
+          </a:p>
+          <a:p>
+            <a:r>
+              <a:rPr lang="ko-KR" altLang="en-US" dirty="0"/>
+              <a:t>스크래치</a:t>
+            </a:r>
+            <a:r>
               <a:rPr lang="en-US" altLang="ko-KR" dirty="0"/>
-              <a:t>Gamification</a:t>
+              <a:t>(SCRATCH)</a:t>
+            </a:r>
+          </a:p>
+          <a:p>
+            <a:endParaRPr lang="en-US" altLang="ko-KR" dirty="0"/>
+          </a:p>
+          <a:p>
+            <a:endParaRPr lang="en-US" altLang="ko-KR" dirty="0"/>
+          </a:p>
+          <a:p>
+            <a:endParaRPr lang="en-US" altLang="ko-KR" dirty="0"/>
+          </a:p>
+          <a:p>
+            <a:endParaRPr lang="en-US" altLang="ko-KR" dirty="0"/>
+          </a:p>
+          <a:p>
+            <a:r>
+              <a:rPr lang="ko-KR" altLang="en-US" dirty="0" err="1"/>
+              <a:t>라즈베리파이</a:t>
+            </a:r>
+            <a:r>
+              <a:rPr lang="en-US" altLang="ko-KR" dirty="0"/>
+              <a:t>(Raspberry Pi)</a:t>
             </a:r>
             <a:endParaRPr lang="ko-KR" altLang="en-US" dirty="0"/>
           </a:p>
@@ -6386,161 +6832,236 @@
       </p:sp>
       <p:sp>
         <p:nvSpPr>
-          <p:cNvPr id="3" name="내용 개체 틀 2"/>
-          <p:cNvSpPr>
-            <a:spLocks noGrp="1"/>
-          </p:cNvSpPr>
-          <p:nvPr>
-            <p:ph idx="1"/>
-          </p:nvPr>
-        </p:nvSpPr>
+          <p:cNvPr id="4" name="내용 개체 틀 3">
+            <a:extLst>
+              <a:ext uri="{FF2B5EF4-FFF2-40B4-BE49-F238E27FC236}">
+                <a16:creationId xmlns:a16="http://schemas.microsoft.com/office/drawing/2014/main" id="{A8C23BE0-E2DD-415C-A97E-AC415D3F027B}"/>
+              </a:ext>
+            </a:extLst>
+          </p:cNvPr>
+          <p:cNvSpPr>
+            <a:spLocks noGrp="1"/>
+          </p:cNvSpPr>
+          <p:nvPr>
+            <p:ph sz="half" idx="2"/>
+          </p:nvPr>
+        </p:nvSpPr>
+        <p:spPr/>
+        <p:txBody>
+          <a:bodyPr/>
+          <a:lstStyle/>
+          <a:p>
+            <a:pPr marL="0" indent="0">
+              <a:buNone/>
+            </a:pPr>
+            <a:r>
+              <a:rPr lang="ko-KR" altLang="en-US" dirty="0"/>
+              <a:t>국내</a:t>
+            </a:r>
+            <a:endParaRPr lang="en-US" altLang="ko-KR" dirty="0"/>
+          </a:p>
+          <a:p>
+            <a:r>
+              <a:rPr lang="ko-KR" altLang="en-US" dirty="0"/>
+              <a:t>엔트리</a:t>
+            </a:r>
+            <a:r>
+              <a:rPr lang="en-US" altLang="ko-KR" dirty="0"/>
+              <a:t>(Entry)</a:t>
+            </a:r>
+          </a:p>
+          <a:p>
+            <a:endParaRPr lang="en-US" altLang="ko-KR" dirty="0"/>
+          </a:p>
+          <a:p>
+            <a:endParaRPr lang="en-US" altLang="ko-KR" dirty="0"/>
+          </a:p>
+          <a:p>
+            <a:endParaRPr lang="en-US" altLang="ko-KR" dirty="0"/>
+          </a:p>
+          <a:p>
+            <a:pPr marL="0" indent="0">
+              <a:buNone/>
+            </a:pPr>
+            <a:endParaRPr lang="en-US" altLang="ko-KR" dirty="0"/>
+          </a:p>
+          <a:p>
+            <a:r>
+              <a:rPr lang="ko-KR" altLang="en-US" dirty="0" err="1"/>
+              <a:t>마이크로빗</a:t>
+            </a:r>
+            <a:r>
+              <a:rPr lang="en-US" altLang="ko-KR" dirty="0"/>
+              <a:t>(</a:t>
+            </a:r>
+            <a:r>
+              <a:rPr lang="en-US" altLang="ko-KR" dirty="0" err="1"/>
+              <a:t>micro:bit</a:t>
+            </a:r>
+            <a:r>
+              <a:rPr lang="en-US" altLang="ko-KR" dirty="0"/>
+              <a:t>)</a:t>
+            </a:r>
+          </a:p>
+          <a:p>
+            <a:endParaRPr lang="en-US" altLang="ko-KR" dirty="0"/>
+          </a:p>
+        </p:txBody>
+      </p:sp>
+      <p:pic>
+        <p:nvPicPr>
+          <p:cNvPr id="5" name="그림 4">
+            <a:extLst>
+              <a:ext uri="{FF2B5EF4-FFF2-40B4-BE49-F238E27FC236}">
+                <a16:creationId xmlns:a16="http://schemas.microsoft.com/office/drawing/2014/main" id="{F403ADB5-8D5E-4972-BA80-24EF1DBF356C}"/>
+              </a:ext>
+            </a:extLst>
+          </p:cNvPr>
+          <p:cNvPicPr>
+            <a:picLocks noChangeAspect="1"/>
+          </p:cNvPicPr>
+          <p:nvPr/>
+        </p:nvPicPr>
+        <p:blipFill>
+          <a:blip r:embed="rId2" cstate="print">
+            <a:extLst>
+              <a:ext uri="{28A0092B-C50C-407E-A947-70E740481C1C}">
+                <a14:useLocalDpi xmlns:a14="http://schemas.microsoft.com/office/drawing/2010/main" val="0"/>
+              </a:ext>
+            </a:extLst>
+          </a:blip>
+          <a:stretch>
+            <a:fillRect/>
+          </a:stretch>
+        </p:blipFill>
         <p:spPr>
           <a:xfrm>
-            <a:off x="677334" y="2160589"/>
-            <a:ext cx="8596668" cy="4429992"/>
+            <a:off x="1201594" y="3015154"/>
+            <a:ext cx="2632176" cy="1498146"/>
           </a:xfrm>
+          <a:prstGeom prst="rect">
+            <a:avLst/>
+          </a:prstGeom>
         </p:spPr>
-        <p:txBody>
-          <a:bodyPr>
-            <a:normAutofit lnSpcReduction="10000"/>
-          </a:bodyPr>
-          <a:lstStyle/>
-          <a:p>
-            <a:pPr marL="0" indent="0">
-              <a:buNone/>
-            </a:pPr>
-            <a:r>
-              <a:rPr lang="en-US" altLang="ko-KR" sz="2400" dirty="0" err="1" smtClean="0"/>
-              <a:t>EduGame</a:t>
-            </a:r>
-            <a:endParaRPr lang="en-US" altLang="ko-KR" sz="2400" dirty="0"/>
-          </a:p>
-          <a:p>
-            <a:r>
-              <a:rPr lang="ko-KR" altLang="en-US" sz="2400" dirty="0" smtClean="0"/>
-              <a:t>게임과 교육을 묶어 흥미를 유도하는 방식</a:t>
-            </a:r>
-            <a:endParaRPr lang="en-US" altLang="ko-KR" sz="2400" dirty="0" smtClean="0"/>
-          </a:p>
-          <a:p>
-            <a:pPr marL="0" indent="0">
-              <a:buNone/>
-            </a:pPr>
-            <a:endParaRPr lang="en-US" altLang="ko-KR" sz="2400" dirty="0"/>
-          </a:p>
-          <a:p>
-            <a:r>
-              <a:rPr lang="en-US" altLang="ko-KR" sz="2400" dirty="0" smtClean="0"/>
-              <a:t>Kauffman Foundation </a:t>
-            </a:r>
-            <a:r>
-              <a:rPr lang="ko-KR" altLang="en-US" sz="2400" dirty="0" smtClean="0"/>
-              <a:t>연구결과 일반 수업과 비교해 학습 몰입도 </a:t>
-            </a:r>
-            <a:r>
-              <a:rPr lang="en-US" altLang="ko-KR" sz="2400" dirty="0" smtClean="0"/>
-              <a:t>10</a:t>
-            </a:r>
-            <a:r>
-              <a:rPr lang="ko-KR" altLang="en-US" sz="2400" dirty="0" smtClean="0"/>
-              <a:t>배</a:t>
-            </a:r>
-            <a:endParaRPr lang="en-US" altLang="ko-KR" sz="2400" dirty="0" smtClean="0"/>
-          </a:p>
-          <a:p>
-            <a:endParaRPr lang="en-US" altLang="ko-KR" sz="2400" dirty="0"/>
-          </a:p>
-          <a:p>
-            <a:r>
-              <a:rPr lang="ko-KR" altLang="en-US" sz="2400" dirty="0"/>
-              <a:t>비 게임 분야에 </a:t>
-            </a:r>
-            <a:r>
-              <a:rPr lang="en-US" altLang="ko-KR" sz="2400" dirty="0"/>
-              <a:t>‘</a:t>
-            </a:r>
-            <a:r>
-              <a:rPr lang="ko-KR" altLang="en-US" sz="2400" dirty="0"/>
-              <a:t>게임적 요소</a:t>
-            </a:r>
-            <a:r>
-              <a:rPr lang="en-US" altLang="ko-KR" sz="2400" dirty="0"/>
-              <a:t>’</a:t>
-            </a:r>
-            <a:r>
-              <a:rPr lang="ko-KR" altLang="en-US" sz="2400" dirty="0"/>
-              <a:t>를 집어넣어 학습에 흥미를 유도하고 </a:t>
-            </a:r>
-            <a:r>
-              <a:rPr lang="ko-KR" altLang="en-US" sz="2400" dirty="0" err="1"/>
-              <a:t>몰입감을</a:t>
-            </a:r>
-            <a:r>
-              <a:rPr lang="ko-KR" altLang="en-US" sz="2400" dirty="0"/>
-              <a:t> 높이는 효과</a:t>
-            </a:r>
-            <a:endParaRPr lang="en-US" altLang="ko-KR" sz="2400" dirty="0"/>
-          </a:p>
-          <a:p>
-            <a:endParaRPr lang="en-US" altLang="ko-KR" sz="2400" dirty="0"/>
-          </a:p>
-          <a:p>
-            <a:r>
-              <a:rPr lang="en-US" altLang="ko-KR" sz="2400" dirty="0"/>
-              <a:t>‘</a:t>
-            </a:r>
-            <a:r>
-              <a:rPr lang="ko-KR" altLang="en-US" sz="2400" dirty="0"/>
-              <a:t>중독</a:t>
-            </a:r>
-            <a:r>
-              <a:rPr lang="en-US" altLang="ko-KR" sz="2400" dirty="0"/>
-              <a:t>’</a:t>
-            </a:r>
-            <a:r>
-              <a:rPr lang="ko-KR" altLang="en-US" sz="2400" dirty="0"/>
-              <a:t>에서 </a:t>
-            </a:r>
-            <a:r>
-              <a:rPr lang="en-US" altLang="ko-KR" sz="2400" dirty="0"/>
-              <a:t>‘</a:t>
-            </a:r>
-            <a:r>
-              <a:rPr lang="ko-KR" altLang="en-US" sz="2400" dirty="0"/>
-              <a:t>몰입</a:t>
-            </a:r>
-            <a:r>
-              <a:rPr lang="en-US" altLang="ko-KR" sz="2400" dirty="0"/>
-              <a:t>’</a:t>
-            </a:r>
-            <a:r>
-              <a:rPr lang="ko-KR" altLang="en-US" sz="2400" dirty="0"/>
-              <a:t>으로</a:t>
-            </a:r>
-            <a:endParaRPr lang="en-US" altLang="ko-KR" sz="2400" dirty="0"/>
-          </a:p>
-          <a:p>
-            <a:endParaRPr lang="ko-KR" altLang="en-US" dirty="0"/>
-          </a:p>
-        </p:txBody>
-      </p:sp>
+      </p:pic>
+      <p:pic>
+        <p:nvPicPr>
+          <p:cNvPr id="6" name="내용 개체 틀 4" descr="텍스트, 전자기기, 회로이(가) 표시된 사진&#10;&#10;자동 생성된 설명">
+            <a:extLst>
+              <a:ext uri="{FF2B5EF4-FFF2-40B4-BE49-F238E27FC236}">
+                <a16:creationId xmlns:a16="http://schemas.microsoft.com/office/drawing/2014/main" id="{0F0E332E-5131-43DC-AF87-A44FCB5266F0}"/>
+              </a:ext>
+            </a:extLst>
+          </p:cNvPr>
+          <p:cNvPicPr>
+            <a:picLocks noChangeAspect="1"/>
+          </p:cNvPicPr>
+          <p:nvPr/>
+        </p:nvPicPr>
+        <p:blipFill>
+          <a:blip r:embed="rId3" cstate="print">
+            <a:extLst>
+              <a:ext uri="{28A0092B-C50C-407E-A947-70E740481C1C}">
+                <a14:useLocalDpi xmlns:a14="http://schemas.microsoft.com/office/drawing/2010/main" val="0"/>
+              </a:ext>
+            </a:extLst>
+          </a:blip>
+          <a:stretch>
+            <a:fillRect/>
+          </a:stretch>
+        </p:blipFill>
+        <p:spPr>
+          <a:xfrm>
+            <a:off x="6096000" y="4902868"/>
+            <a:ext cx="1753388" cy="1753388"/>
+          </a:xfrm>
+          <a:prstGeom prst="rect">
+            <a:avLst/>
+          </a:prstGeom>
+        </p:spPr>
+      </p:pic>
+      <p:pic>
+        <p:nvPicPr>
+          <p:cNvPr id="7" name="그림 6" descr="텍스트이(가) 표시된 사진&#10;&#10;자동 생성된 설명">
+            <a:extLst>
+              <a:ext uri="{FF2B5EF4-FFF2-40B4-BE49-F238E27FC236}">
+                <a16:creationId xmlns:a16="http://schemas.microsoft.com/office/drawing/2014/main" id="{B4A615C8-2151-449A-B6BB-740C5B8568CA}"/>
+              </a:ext>
+            </a:extLst>
+          </p:cNvPr>
+          <p:cNvPicPr>
+            <a:picLocks noChangeAspect="1"/>
+          </p:cNvPicPr>
+          <p:nvPr/>
+        </p:nvPicPr>
+        <p:blipFill>
+          <a:blip r:embed="rId4" cstate="print">
+            <a:extLst>
+              <a:ext uri="{28A0092B-C50C-407E-A947-70E740481C1C}">
+                <a14:useLocalDpi xmlns:a14="http://schemas.microsoft.com/office/drawing/2010/main" val="0"/>
+              </a:ext>
+            </a:extLst>
+          </a:blip>
+          <a:stretch>
+            <a:fillRect/>
+          </a:stretch>
+        </p:blipFill>
+        <p:spPr>
+          <a:xfrm>
+            <a:off x="5977242" y="3015154"/>
+            <a:ext cx="1990904" cy="1390522"/>
+          </a:xfrm>
+          <a:prstGeom prst="rect">
+            <a:avLst/>
+          </a:prstGeom>
+        </p:spPr>
+      </p:pic>
+      <p:pic>
+        <p:nvPicPr>
+          <p:cNvPr id="9" name="그림 8" descr="텍스트, 전자기기, 회로이(가) 표시된 사진&#10;&#10;자동 생성된 설명">
+            <a:extLst>
+              <a:ext uri="{FF2B5EF4-FFF2-40B4-BE49-F238E27FC236}">
+                <a16:creationId xmlns:a16="http://schemas.microsoft.com/office/drawing/2014/main" id="{C853C2C9-B400-48DE-9C78-B3DD3B77415D}"/>
+              </a:ext>
+            </a:extLst>
+          </p:cNvPr>
+          <p:cNvPicPr>
+            <a:picLocks noChangeAspect="1"/>
+          </p:cNvPicPr>
+          <p:nvPr/>
+        </p:nvPicPr>
+        <p:blipFill>
+          <a:blip r:embed="rId5">
+            <a:extLst>
+              <a:ext uri="{28A0092B-C50C-407E-A947-70E740481C1C}">
+                <a14:useLocalDpi xmlns:a14="http://schemas.microsoft.com/office/drawing/2010/main" val="0"/>
+              </a:ext>
+            </a:extLst>
+          </a:blip>
+          <a:stretch>
+            <a:fillRect/>
+          </a:stretch>
+        </p:blipFill>
+        <p:spPr>
+          <a:xfrm>
+            <a:off x="1511986" y="5043094"/>
+            <a:ext cx="2011392" cy="1340928"/>
+          </a:xfrm>
+          <a:prstGeom prst="rect">
+            <a:avLst/>
+          </a:prstGeom>
+        </p:spPr>
+      </p:pic>
     </p:spTree>
     <p:extLst>
       <p:ext uri="{BB962C8B-B14F-4D97-AF65-F5344CB8AC3E}">
-        <p14:creationId xmlns:p14="http://schemas.microsoft.com/office/powerpoint/2010/main" val="3928325023"/>
+        <p14:creationId xmlns:p14="http://schemas.microsoft.com/office/powerpoint/2010/main" val="3402749031"/>
       </p:ext>
     </p:extLst>
   </p:cSld>
   <p:clrMapOvr>
     <a:masterClrMapping/>
   </p:clrMapOvr>
-  <p:timing>
-    <p:tnLst>
-      <p:par>
-        <p:cTn id="1" dur="indefinite" restart="never" nodeType="tmRoot"/>
-      </p:par>
-    </p:tnLst>
-  </p:timing>
 </p:sld>
 </file>
 
@@ -6577,17 +7098,10 @@
           <a:lstStyle/>
           <a:p>
             <a:r>
-              <a:rPr lang="ko-KR" altLang="en-US" dirty="0" smtClean="0"/>
-              <a:t>제목</a:t>
-            </a:r>
-            <a:r>
-              <a:rPr lang="en-US" altLang="ko-KR" dirty="0" smtClean="0"/>
-              <a:t/>
-            </a:r>
-            <a:br>
-              <a:rPr lang="en-US" altLang="ko-KR" dirty="0" smtClean="0"/>
-            </a:br>
-            <a:endParaRPr lang="ko-KR" altLang="en-US" dirty="0"/>
+              <a:rPr lang="en-US" altLang="ko-KR" b="1" dirty="0"/>
+              <a:t>Gamification</a:t>
+            </a:r>
+            <a:endParaRPr lang="ko-KR" altLang="en-US" b="1" dirty="0"/>
           </a:p>
         </p:txBody>
       </p:sp>
@@ -6601,10 +7115,15 @@
             <p:ph idx="1"/>
           </p:nvPr>
         </p:nvSpPr>
-        <p:spPr/>
+        <p:spPr>
+          <a:xfrm>
+            <a:off x="677334" y="2160589"/>
+            <a:ext cx="8596668" cy="4429992"/>
+          </a:xfrm>
+        </p:spPr>
         <p:txBody>
           <a:bodyPr>
-            <a:normAutofit/>
+            <a:normAutofit lnSpcReduction="10000"/>
           </a:bodyPr>
           <a:lstStyle/>
           <a:p>
@@ -6612,9 +7131,17 @@
               <a:buNone/>
             </a:pPr>
             <a:r>
-              <a:rPr lang="en-US" altLang="ko-KR" sz="2400" b="1" dirty="0" smtClean="0"/>
-              <a:t>Better To Do Once</a:t>
-            </a:r>
+              <a:rPr lang="en-US" altLang="ko-KR" sz="2400" dirty="0" err="1"/>
+              <a:t>EduGame</a:t>
+            </a:r>
+            <a:endParaRPr lang="en-US" altLang="ko-KR" sz="2400" dirty="0"/>
+          </a:p>
+          <a:p>
+            <a:r>
+              <a:rPr lang="ko-KR" altLang="en-US" sz="2400" dirty="0"/>
+              <a:t>놀이와 교육을 묶어 흥미를 유도하는 방식</a:t>
+            </a:r>
+            <a:endParaRPr lang="en-US" altLang="ko-KR" sz="2400" dirty="0"/>
           </a:p>
           <a:p>
             <a:pPr marL="0" indent="0">
@@ -6623,123 +7150,119 @@
             <a:endParaRPr lang="en-US" altLang="ko-KR" sz="2400" dirty="0"/>
           </a:p>
           <a:p>
-            <a:pPr marL="0" indent="0">
-              <a:buNone/>
-            </a:pPr>
-            <a:r>
-              <a:rPr lang="ko-KR" altLang="en-US" sz="2400" dirty="0" smtClean="0"/>
-              <a:t>백문</a:t>
-            </a:r>
-            <a:r>
-              <a:rPr lang="en-US" altLang="ko-KR" sz="2400" dirty="0" smtClean="0"/>
-              <a:t>(</a:t>
-            </a:r>
-            <a:r>
-              <a:rPr lang="ko-KR" altLang="en-US" sz="2400" dirty="0" smtClean="0"/>
-              <a:t>百聞</a:t>
-            </a:r>
-            <a:r>
-              <a:rPr lang="en-US" altLang="ko-KR" sz="2400" dirty="0" smtClean="0"/>
-              <a:t>)</a:t>
-            </a:r>
-            <a:r>
-              <a:rPr lang="ko-KR" altLang="en-US" sz="2400" dirty="0" smtClean="0"/>
-              <a:t>이 </a:t>
-            </a:r>
-            <a:r>
-              <a:rPr lang="ko-KR" altLang="en-US" sz="2400" dirty="0" err="1" smtClean="0"/>
-              <a:t>불여일견</a:t>
-            </a:r>
-            <a:r>
-              <a:rPr lang="en-US" altLang="ko-KR" sz="2400" dirty="0" smtClean="0"/>
-              <a:t>(</a:t>
-            </a:r>
-            <a:r>
-              <a:rPr lang="ko-KR" altLang="en-US" sz="2400" dirty="0" smtClean="0"/>
-              <a:t>不如一見</a:t>
-            </a:r>
-            <a:r>
-              <a:rPr lang="en-US" altLang="ko-KR" sz="2400" dirty="0" smtClean="0"/>
-              <a:t>)</a:t>
-            </a:r>
-          </a:p>
-          <a:p>
-            <a:r>
-              <a:rPr lang="ko-KR" altLang="en-US" sz="2400" dirty="0" smtClean="0"/>
-              <a:t>백 번 듣는 것 보다 한 번 보는 것이 낫다</a:t>
-            </a:r>
-            <a:endParaRPr lang="en-US" altLang="ko-KR" sz="2400" dirty="0" smtClean="0"/>
-          </a:p>
-          <a:p>
+            <a:r>
+              <a:rPr lang="ko-KR" altLang="en-US" sz="2400" dirty="0" err="1"/>
+              <a:t>커프만</a:t>
+            </a:r>
+            <a:r>
+              <a:rPr lang="ko-KR" altLang="en-US" sz="2400" dirty="0"/>
+              <a:t> 재단</a:t>
+            </a:r>
+            <a:r>
+              <a:rPr lang="en-US" altLang="ko-KR" sz="2400" dirty="0"/>
+              <a:t>(Kauffman Foundation) </a:t>
+            </a:r>
+            <a:r>
+              <a:rPr lang="ko-KR" altLang="en-US" sz="2400" dirty="0"/>
+              <a:t>연구결과 일반 수업과 비교해 학습 몰입도 </a:t>
+            </a:r>
+            <a:r>
+              <a:rPr lang="en-US" altLang="ko-KR" sz="2400" dirty="0"/>
+              <a:t>10</a:t>
+            </a:r>
+            <a:r>
+              <a:rPr lang="ko-KR" altLang="en-US" sz="2400" dirty="0"/>
+              <a:t>배</a:t>
+            </a:r>
             <a:endParaRPr lang="en-US" altLang="ko-KR" sz="2400" dirty="0"/>
           </a:p>
           <a:p>
-            <a:pPr marL="0" indent="0">
-              <a:buNone/>
-            </a:pPr>
-            <a:r>
-              <a:rPr lang="ko-KR" altLang="en-US" sz="2400" dirty="0" err="1" smtClean="0"/>
-              <a:t>백견</a:t>
-            </a:r>
-            <a:r>
-              <a:rPr lang="en-US" altLang="ko-KR" sz="2400" dirty="0" smtClean="0"/>
-              <a:t>(</a:t>
-            </a:r>
-            <a:r>
-              <a:rPr lang="ko-KR" altLang="en-US" sz="2400" dirty="0" smtClean="0"/>
-              <a:t>百見</a:t>
-            </a:r>
-            <a:r>
-              <a:rPr lang="en-US" altLang="ko-KR" sz="2400" dirty="0" smtClean="0"/>
-              <a:t>)</a:t>
-            </a:r>
-            <a:r>
-              <a:rPr lang="ko-KR" altLang="en-US" sz="2400" dirty="0" smtClean="0"/>
-              <a:t>이 </a:t>
-            </a:r>
-            <a:r>
-              <a:rPr lang="ko-KR" altLang="en-US" sz="2400" dirty="0" err="1" smtClean="0"/>
-              <a:t>불여일주</a:t>
-            </a:r>
-            <a:r>
-              <a:rPr lang="en-US" altLang="ko-KR" sz="2400" dirty="0" smtClean="0"/>
-              <a:t>(</a:t>
-            </a:r>
-            <a:r>
-              <a:rPr lang="ko-KR" altLang="en-US" sz="2400" dirty="0" smtClean="0"/>
-              <a:t>不如一做</a:t>
-            </a:r>
-            <a:r>
-              <a:rPr lang="en-US" altLang="ko-KR" sz="2400" dirty="0" smtClean="0"/>
-              <a:t>)</a:t>
-            </a:r>
-          </a:p>
-          <a:p>
-            <a:r>
-              <a:rPr lang="ko-KR" altLang="en-US" sz="2400" dirty="0" smtClean="0"/>
-              <a:t>백 번 보는 것 보다 한 번 하는 것이 낫다</a:t>
-            </a:r>
-            <a:endParaRPr lang="ko-KR" altLang="en-US" sz="2400" dirty="0"/>
+            <a:endParaRPr lang="en-US" altLang="ko-KR" sz="2400" dirty="0"/>
+          </a:p>
+          <a:p>
+            <a:r>
+              <a:rPr lang="ko-KR" altLang="en-US" sz="2400" dirty="0"/>
+              <a:t>비 게임 분야에 </a:t>
+            </a:r>
+            <a:r>
+              <a:rPr lang="en-US" altLang="ko-KR" sz="2400" dirty="0"/>
+              <a:t>‘</a:t>
+            </a:r>
+            <a:r>
+              <a:rPr lang="ko-KR" altLang="en-US" sz="2400" dirty="0"/>
+              <a:t>게임적 요소</a:t>
+            </a:r>
+            <a:r>
+              <a:rPr lang="en-US" altLang="ko-KR" sz="2400" dirty="0"/>
+              <a:t>’</a:t>
+            </a:r>
+            <a:r>
+              <a:rPr lang="ko-KR" altLang="en-US" sz="2400" dirty="0"/>
+              <a:t>를 집어넣어 학습에 흥미를 유도하고 </a:t>
+            </a:r>
+            <a:r>
+              <a:rPr lang="ko-KR" altLang="en-US" sz="2400" dirty="0" err="1"/>
+              <a:t>몰입감을</a:t>
+            </a:r>
+            <a:r>
+              <a:rPr lang="ko-KR" altLang="en-US" sz="2400" dirty="0"/>
+              <a:t> 높이는 효과</a:t>
+            </a:r>
+            <a:endParaRPr lang="en-US" altLang="ko-KR" sz="2400" dirty="0"/>
+          </a:p>
+          <a:p>
+            <a:endParaRPr lang="en-US" altLang="ko-KR" sz="2400" dirty="0"/>
+          </a:p>
+          <a:p>
+            <a:r>
+              <a:rPr lang="en-US" altLang="ko-KR" sz="2400" dirty="0"/>
+              <a:t>‘</a:t>
+            </a:r>
+            <a:r>
+              <a:rPr lang="ko-KR" altLang="en-US" sz="2400" dirty="0"/>
+              <a:t>중독</a:t>
+            </a:r>
+            <a:r>
+              <a:rPr lang="en-US" altLang="ko-KR" sz="2400" dirty="0"/>
+              <a:t>’</a:t>
+            </a:r>
+            <a:r>
+              <a:rPr lang="ko-KR" altLang="en-US" sz="2400" dirty="0"/>
+              <a:t>에서 </a:t>
+            </a:r>
+            <a:r>
+              <a:rPr lang="en-US" altLang="ko-KR" sz="2400" dirty="0"/>
+              <a:t>‘</a:t>
+            </a:r>
+            <a:r>
+              <a:rPr lang="ko-KR" altLang="en-US" sz="2400" dirty="0"/>
+              <a:t>몰입</a:t>
+            </a:r>
+            <a:r>
+              <a:rPr lang="en-US" altLang="ko-KR" sz="2400" dirty="0"/>
+              <a:t>’</a:t>
+            </a:r>
+            <a:r>
+              <a:rPr lang="ko-KR" altLang="en-US" sz="2400" dirty="0"/>
+              <a:t>으로</a:t>
+            </a:r>
+            <a:endParaRPr lang="en-US" altLang="ko-KR" sz="2400" dirty="0"/>
+          </a:p>
+          <a:p>
+            <a:endParaRPr lang="ko-KR" altLang="en-US" dirty="0"/>
           </a:p>
         </p:txBody>
       </p:sp>
     </p:spTree>
     <p:extLst>
       <p:ext uri="{BB962C8B-B14F-4D97-AF65-F5344CB8AC3E}">
-        <p14:creationId xmlns:p14="http://schemas.microsoft.com/office/powerpoint/2010/main" val="450290387"/>
+        <p14:creationId xmlns:p14="http://schemas.microsoft.com/office/powerpoint/2010/main" val="3928325023"/>
       </p:ext>
     </p:extLst>
   </p:cSld>
   <p:clrMapOvr>
     <a:masterClrMapping/>
   </p:clrMapOvr>
-  <p:timing>
-    <p:tnLst>
-      <p:par>
-        <p:cTn id="1" dur="indefinite" restart="never" nodeType="tmRoot"/>
-      </p:par>
-    </p:tnLst>
-  </p:timing>
 </p:sld>
 </file>
 
@@ -6776,10 +7299,201 @@
           <a:lstStyle/>
           <a:p>
             <a:r>
-              <a:rPr lang="ko-KR" altLang="en-US" dirty="0" smtClean="0"/>
-              <a:t>장르</a:t>
-            </a:r>
+              <a:rPr lang="en-US" altLang="ko-KR" b="1" dirty="0"/>
+              <a:t>Title</a:t>
+            </a:r>
+            <a:r>
+              <a:rPr lang="en-US" altLang="ko-KR" dirty="0"/>
+              <a:t/>
+            </a:r>
+            <a:br>
+              <a:rPr lang="en-US" altLang="ko-KR" dirty="0"/>
+            </a:br>
             <a:endParaRPr lang="ko-KR" altLang="en-US" dirty="0"/>
+          </a:p>
+        </p:txBody>
+      </p:sp>
+      <p:sp>
+        <p:nvSpPr>
+          <p:cNvPr id="3" name="내용 개체 틀 2"/>
+          <p:cNvSpPr>
+            <a:spLocks noGrp="1"/>
+          </p:cNvSpPr>
+          <p:nvPr>
+            <p:ph idx="1"/>
+          </p:nvPr>
+        </p:nvSpPr>
+        <p:spPr/>
+        <p:txBody>
+          <a:bodyPr>
+            <a:normAutofit/>
+          </a:bodyPr>
+          <a:lstStyle/>
+          <a:p>
+            <a:pPr marL="0" indent="0">
+              <a:buNone/>
+            </a:pPr>
+            <a:r>
+              <a:rPr lang="en-US" altLang="ko-KR" sz="2400" b="1" dirty="0"/>
+              <a:t>Better To Do Once</a:t>
+            </a:r>
+          </a:p>
+          <a:p>
+            <a:pPr marL="0" indent="0">
+              <a:buNone/>
+            </a:pPr>
+            <a:endParaRPr lang="en-US" altLang="ko-KR" sz="2400" dirty="0"/>
+          </a:p>
+          <a:p>
+            <a:pPr marL="0" indent="0">
+              <a:buNone/>
+            </a:pPr>
+            <a:r>
+              <a:rPr lang="ko-KR" altLang="en-US" sz="2400" dirty="0"/>
+              <a:t>백문</a:t>
+            </a:r>
+            <a:r>
+              <a:rPr lang="en-US" altLang="ko-KR" sz="2400" dirty="0"/>
+              <a:t>(</a:t>
+            </a:r>
+            <a:r>
+              <a:rPr lang="ko-KR" altLang="en-US" sz="2400" dirty="0"/>
+              <a:t>百聞</a:t>
+            </a:r>
+            <a:r>
+              <a:rPr lang="en-US" altLang="ko-KR" sz="2400" dirty="0"/>
+              <a:t>)</a:t>
+            </a:r>
+            <a:r>
+              <a:rPr lang="ko-KR" altLang="en-US" sz="2400" dirty="0"/>
+              <a:t>이 </a:t>
+            </a:r>
+            <a:r>
+              <a:rPr lang="ko-KR" altLang="en-US" sz="2400" dirty="0" err="1"/>
+              <a:t>불여일견</a:t>
+            </a:r>
+            <a:r>
+              <a:rPr lang="en-US" altLang="ko-KR" sz="2400" dirty="0"/>
+              <a:t>(</a:t>
+            </a:r>
+            <a:r>
+              <a:rPr lang="ko-KR" altLang="en-US" sz="2400" dirty="0"/>
+              <a:t>不如一見</a:t>
+            </a:r>
+            <a:r>
+              <a:rPr lang="en-US" altLang="ko-KR" sz="2400" dirty="0"/>
+              <a:t>)</a:t>
+            </a:r>
+          </a:p>
+          <a:p>
+            <a:r>
+              <a:rPr lang="ko-KR" altLang="en-US" sz="2400" dirty="0"/>
+              <a:t>백 번 듣는 것 보다 한 번 보는 것이 낫다</a:t>
+            </a:r>
+            <a:endParaRPr lang="en-US" altLang="ko-KR" sz="2400" dirty="0"/>
+          </a:p>
+          <a:p>
+            <a:endParaRPr lang="en-US" altLang="ko-KR" sz="2400" dirty="0"/>
+          </a:p>
+          <a:p>
+            <a:pPr marL="0" indent="0">
+              <a:buNone/>
+            </a:pPr>
+            <a:r>
+              <a:rPr lang="ko-KR" altLang="en-US" sz="2400" dirty="0" err="1"/>
+              <a:t>백견</a:t>
+            </a:r>
+            <a:r>
+              <a:rPr lang="en-US" altLang="ko-KR" sz="2400" dirty="0"/>
+              <a:t>(</a:t>
+            </a:r>
+            <a:r>
+              <a:rPr lang="ko-KR" altLang="en-US" sz="2400" dirty="0"/>
+              <a:t>百見</a:t>
+            </a:r>
+            <a:r>
+              <a:rPr lang="en-US" altLang="ko-KR" sz="2400" dirty="0"/>
+              <a:t>)</a:t>
+            </a:r>
+            <a:r>
+              <a:rPr lang="ko-KR" altLang="en-US" sz="2400" dirty="0"/>
+              <a:t>이 </a:t>
+            </a:r>
+            <a:r>
+              <a:rPr lang="ko-KR" altLang="en-US" sz="2400" dirty="0" err="1"/>
+              <a:t>불여일주</a:t>
+            </a:r>
+            <a:r>
+              <a:rPr lang="en-US" altLang="ko-KR" sz="2400" dirty="0"/>
+              <a:t>(</a:t>
+            </a:r>
+            <a:r>
+              <a:rPr lang="ko-KR" altLang="en-US" sz="2400" dirty="0"/>
+              <a:t>不如一做</a:t>
+            </a:r>
+            <a:r>
+              <a:rPr lang="en-US" altLang="ko-KR" sz="2400" dirty="0"/>
+              <a:t>)</a:t>
+            </a:r>
+          </a:p>
+          <a:p>
+            <a:r>
+              <a:rPr lang="ko-KR" altLang="en-US" sz="2400" dirty="0"/>
+              <a:t>백 번 보는 것 보다 한 번 하는 것이 낫다</a:t>
+            </a:r>
+          </a:p>
+        </p:txBody>
+      </p:sp>
+    </p:spTree>
+    <p:extLst>
+      <p:ext uri="{BB962C8B-B14F-4D97-AF65-F5344CB8AC3E}">
+        <p14:creationId xmlns:p14="http://schemas.microsoft.com/office/powerpoint/2010/main" val="450290387"/>
+      </p:ext>
+    </p:extLst>
+  </p:cSld>
+  <p:clrMapOvr>
+    <a:masterClrMapping/>
+  </p:clrMapOvr>
+</p:sld>
+</file>
+
+<file path=ppt/slides/slide8.xml><?xml version="1.0" encoding="utf-8"?>
+<p:sld xmlns:a="http://schemas.openxmlformats.org/drawingml/2006/main" xmlns:r="http://schemas.openxmlformats.org/officeDocument/2006/relationships" xmlns:p="http://schemas.openxmlformats.org/presentationml/2006/main">
+  <p:cSld>
+    <p:spTree>
+      <p:nvGrpSpPr>
+        <p:cNvPr id="1" name=""/>
+        <p:cNvGrpSpPr/>
+        <p:nvPr/>
+      </p:nvGrpSpPr>
+      <p:grpSpPr>
+        <a:xfrm>
+          <a:off x="0" y="0"/>
+          <a:ext cx="0" cy="0"/>
+          <a:chOff x="0" y="0"/>
+          <a:chExt cx="0" cy="0"/>
+        </a:xfrm>
+      </p:grpSpPr>
+      <p:sp>
+        <p:nvSpPr>
+          <p:cNvPr id="2" name="제목 1"/>
+          <p:cNvSpPr>
+            <a:spLocks noGrp="1"/>
+          </p:cNvSpPr>
+          <p:nvPr>
+            <p:ph type="title"/>
+          </p:nvPr>
+        </p:nvSpPr>
+        <p:spPr/>
+        <p:txBody>
+          <a:bodyPr/>
+          <a:lstStyle/>
+          <a:p>
+            <a:r>
+              <a:rPr lang="en-US" altLang="ko-KR" b="1" dirty="0"/>
+              <a:t>Genre</a:t>
+            </a:r>
+            <a:endParaRPr lang="ko-KR" altLang="en-US" b="1" dirty="0"/>
           </a:p>
         </p:txBody>
       </p:sp>
@@ -6816,11 +7530,7 @@
           <a:p>
             <a:r>
               <a:rPr lang="ko-KR" altLang="en-US" sz="2400" dirty="0"/>
-              <a:t>주어진 문제 상황을 여러 제한조건 아래에서 해결하는 </a:t>
-            </a:r>
-            <a:r>
-              <a:rPr lang="ko-KR" altLang="en-US" sz="2400" dirty="0" smtClean="0"/>
-              <a:t>것</a:t>
+              <a:t>주어진 문제 상황을 여러 제한조건 아래에서 해결하는 것</a:t>
             </a:r>
             <a:endParaRPr lang="en-US" altLang="ko-KR" sz="2400" b="1" dirty="0"/>
           </a:p>
@@ -6829,29 +7539,29 @@
               <a:buNone/>
             </a:pPr>
             <a:r>
-              <a:rPr lang="en-US" altLang="ko-KR" sz="2400" b="1" dirty="0" smtClean="0"/>
+              <a:rPr lang="en-US" altLang="ko-KR" sz="2400" b="1" dirty="0"/>
               <a:t>Puzzle Game</a:t>
             </a:r>
           </a:p>
           <a:p>
             <a:r>
-              <a:rPr lang="ko-KR" altLang="en-US" sz="2400" dirty="0" smtClean="0"/>
+              <a:rPr lang="ko-KR" altLang="en-US" sz="2400" dirty="0"/>
               <a:t>어려운 문제</a:t>
             </a:r>
             <a:r>
-              <a:rPr lang="en-US" altLang="ko-KR" sz="2400" dirty="0" smtClean="0"/>
+              <a:rPr lang="en-US" altLang="ko-KR" sz="2400" dirty="0"/>
               <a:t>, </a:t>
             </a:r>
             <a:r>
-              <a:rPr lang="ko-KR" altLang="en-US" sz="2400" dirty="0" smtClean="0"/>
+              <a:rPr lang="ko-KR" altLang="en-US" sz="2400" dirty="0"/>
               <a:t>깊게 생각하게 만드는 문제</a:t>
             </a:r>
             <a:r>
-              <a:rPr lang="en-US" altLang="ko-KR" sz="2400" dirty="0" smtClean="0"/>
+              <a:rPr lang="en-US" altLang="ko-KR" sz="2400" dirty="0"/>
               <a:t>,</a:t>
             </a:r>
             <a:r>
-              <a:rPr lang="ko-KR" altLang="en-US" sz="2400" dirty="0" smtClean="0"/>
+              <a:rPr lang="ko-KR" altLang="en-US" sz="2400" dirty="0"/>
               <a:t> 어떠한 규칙 내에서 정해진 행위를 통해 조건을 완료하는 게임</a:t>
             </a:r>
             <a:endParaRPr lang="en-US" altLang="ko-KR" sz="2400" dirty="0"/>
@@ -6958,171 +7668,6 @@
   <p:clrMapOvr>
     <a:masterClrMapping/>
   </p:clrMapOvr>
-  <p:timing>
-    <p:tnLst>
-      <p:par>
-        <p:cTn id="1" dur="indefinite" restart="never" nodeType="tmRoot"/>
-      </p:par>
-    </p:tnLst>
-  </p:timing>
-</p:sld>
-</file>
-
-<file path=ppt/slides/slide8.xml><?xml version="1.0" encoding="utf-8"?>
-<p:sld xmlns:a="http://schemas.openxmlformats.org/drawingml/2006/main" xmlns:r="http://schemas.openxmlformats.org/officeDocument/2006/relationships" xmlns:p="http://schemas.openxmlformats.org/presentationml/2006/main">
-  <p:cSld>
-    <p:spTree>
-      <p:nvGrpSpPr>
-        <p:cNvPr id="1" name=""/>
-        <p:cNvGrpSpPr/>
-        <p:nvPr/>
-      </p:nvGrpSpPr>
-      <p:grpSpPr>
-        <a:xfrm>
-          <a:off x="0" y="0"/>
-          <a:ext cx="0" cy="0"/>
-          <a:chOff x="0" y="0"/>
-          <a:chExt cx="0" cy="0"/>
-        </a:xfrm>
-      </p:grpSpPr>
-      <p:sp>
-        <p:nvSpPr>
-          <p:cNvPr id="2" name="제목 1"/>
-          <p:cNvSpPr>
-            <a:spLocks noGrp="1"/>
-          </p:cNvSpPr>
-          <p:nvPr>
-            <p:ph type="title"/>
-          </p:nvPr>
-        </p:nvSpPr>
-        <p:spPr/>
-        <p:txBody>
-          <a:bodyPr/>
-          <a:lstStyle/>
-          <a:p>
-            <a:r>
-              <a:rPr lang="en-US" altLang="ko-KR" dirty="0" smtClean="0"/>
-              <a:t>Target</a:t>
-            </a:r>
-            <a:endParaRPr lang="ko-KR" altLang="en-US" dirty="0"/>
-          </a:p>
-        </p:txBody>
-      </p:sp>
-      <p:sp>
-        <p:nvSpPr>
-          <p:cNvPr id="3" name="내용 개체 틀 2"/>
-          <p:cNvSpPr>
-            <a:spLocks noGrp="1"/>
-          </p:cNvSpPr>
-          <p:nvPr>
-            <p:ph idx="1"/>
-          </p:nvPr>
-        </p:nvSpPr>
-        <p:spPr/>
-        <p:txBody>
-          <a:bodyPr>
-            <a:normAutofit/>
-          </a:bodyPr>
-          <a:lstStyle/>
-          <a:p>
-            <a:pPr marL="0" indent="0">
-              <a:buNone/>
-            </a:pPr>
-            <a:endParaRPr lang="en-US" altLang="ko-KR" sz="2600" b="1" dirty="0" smtClean="0"/>
-          </a:p>
-          <a:p>
-            <a:pPr marL="0" indent="0">
-              <a:buNone/>
-            </a:pPr>
-            <a:endParaRPr lang="en-US" altLang="ko-KR" sz="2600" b="1" dirty="0" smtClean="0"/>
-          </a:p>
-          <a:p>
-            <a:r>
-              <a:rPr lang="ko-KR" altLang="en-US" sz="2400" dirty="0" smtClean="0"/>
-              <a:t>표면적 수요자 </a:t>
-            </a:r>
-            <a:r>
-              <a:rPr lang="en-US" altLang="ko-KR" sz="2400" dirty="0" smtClean="0"/>
-              <a:t>: </a:t>
-            </a:r>
-            <a:r>
-              <a:rPr lang="ko-KR" altLang="en-US" sz="2400" dirty="0" smtClean="0"/>
-              <a:t>기초 </a:t>
-            </a:r>
-            <a:r>
-              <a:rPr lang="ko-KR" altLang="en-US" sz="2400" dirty="0" err="1" smtClean="0"/>
-              <a:t>코딩교육</a:t>
-            </a:r>
-            <a:r>
-              <a:rPr lang="ko-KR" altLang="en-US" sz="2400" dirty="0" smtClean="0"/>
-              <a:t> 대상자</a:t>
-            </a:r>
-            <a:r>
-              <a:rPr lang="en-US" altLang="ko-KR" sz="2400" dirty="0" smtClean="0"/>
-              <a:t>, </a:t>
-            </a:r>
-            <a:r>
-              <a:rPr lang="ko-KR" altLang="en-US" sz="2400" dirty="0" smtClean="0"/>
-              <a:t>주요 </a:t>
-            </a:r>
-            <a:r>
-              <a:rPr lang="ko-KR" altLang="en-US" sz="2400" dirty="0" err="1" smtClean="0"/>
-              <a:t>이용층은</a:t>
-            </a:r>
-            <a:r>
-              <a:rPr lang="ko-KR" altLang="en-US" sz="2400" dirty="0" smtClean="0"/>
-              <a:t> </a:t>
-            </a:r>
-            <a:r>
-              <a:rPr lang="en-US" altLang="ko-KR" sz="2400" dirty="0" smtClean="0"/>
-              <a:t>8~16</a:t>
-            </a:r>
-            <a:r>
-              <a:rPr lang="ko-KR" altLang="en-US" sz="2400" dirty="0" smtClean="0"/>
-              <a:t>세의 학생들로 예상됨</a:t>
-            </a:r>
-            <a:endParaRPr lang="en-US" altLang="ko-KR" sz="2400" dirty="0" smtClean="0"/>
-          </a:p>
-          <a:p>
-            <a:pPr marL="0" indent="0">
-              <a:buNone/>
-            </a:pPr>
-            <a:endParaRPr lang="en-US" altLang="ko-KR" sz="2400" dirty="0"/>
-          </a:p>
-          <a:p>
-            <a:r>
-              <a:rPr lang="ko-KR" altLang="en-US" sz="2400" dirty="0" smtClean="0"/>
-              <a:t>소프트웨어 교육 교육자</a:t>
-            </a:r>
-            <a:r>
-              <a:rPr lang="en-US" altLang="ko-KR" sz="2400" dirty="0"/>
-              <a:t> </a:t>
-            </a:r>
-            <a:r>
-              <a:rPr lang="ko-KR" altLang="en-US" sz="2400" dirty="0" smtClean="0"/>
-              <a:t>집단</a:t>
-            </a:r>
-            <a:endParaRPr lang="ko-KR" altLang="en-US" sz="2400" dirty="0"/>
-          </a:p>
-        </p:txBody>
-      </p:sp>
-    </p:spTree>
-    <p:extLst>
-      <p:ext uri="{BB962C8B-B14F-4D97-AF65-F5344CB8AC3E}">
-        <p14:creationId xmlns:p14="http://schemas.microsoft.com/office/powerpoint/2010/main" val="2529000192"/>
-      </p:ext>
-    </p:extLst>
-  </p:cSld>
-  <p:clrMapOvr>
-    <a:masterClrMapping/>
-  </p:clrMapOvr>
-  <p:timing>
-    <p:tnLst>
-      <p:par>
-        <p:cTn id="1" dur="indefinite" restart="never" nodeType="tmRoot"/>
-      </p:par>
-    </p:tnLst>
-  </p:timing>
 </p:sld>
 </file>
 
@@ -7160,8 +7705,9 @@
           <a:p>
             <a:r>
               <a:rPr lang="en-US" altLang="ko-KR" b="1" dirty="0"/>
-              <a:t>Platform</a:t>
-            </a:r>
+              <a:t>Target</a:t>
+            </a:r>
+            <a:endParaRPr lang="ko-KR" altLang="en-US" b="1" dirty="0"/>
           </a:p>
         </p:txBody>
       </p:sp>
@@ -7182,77 +7728,104 @@
           </a:bodyPr>
           <a:lstStyle/>
           <a:p>
-            <a:endParaRPr lang="en-US" altLang="ko-KR" sz="2400" dirty="0" smtClean="0"/>
-          </a:p>
-          <a:p>
-            <a:r>
-              <a:rPr lang="ko-KR" altLang="en-US" sz="2400" dirty="0" smtClean="0"/>
-              <a:t>교육부 </a:t>
-            </a:r>
-            <a:r>
-              <a:rPr lang="en-US" altLang="ko-KR" sz="2400" dirty="0" smtClean="0"/>
-              <a:t>/ </a:t>
-            </a:r>
-            <a:r>
-              <a:rPr lang="ko-KR" altLang="en-US" sz="2400" dirty="0" err="1" smtClean="0"/>
-              <a:t>미래부</a:t>
+            <a:pPr marL="0" indent="0">
+              <a:buNone/>
+            </a:pPr>
+            <a:endParaRPr lang="en-US" altLang="ko-KR" sz="2600" b="1" dirty="0"/>
+          </a:p>
+          <a:p>
+            <a:r>
+              <a:rPr lang="ko-KR" altLang="en-US" sz="2400" dirty="0"/>
+              <a:t>표면적 수요자 </a:t>
+            </a:r>
+            <a:r>
+              <a:rPr lang="en-US" altLang="ko-KR" sz="2400" dirty="0"/>
+              <a:t>: </a:t>
+            </a:r>
+            <a:r>
+              <a:rPr lang="ko-KR" altLang="en-US" sz="2400" dirty="0"/>
+              <a:t>기초 </a:t>
+            </a:r>
+            <a:r>
+              <a:rPr lang="ko-KR" altLang="en-US" sz="2400" dirty="0" err="1"/>
+              <a:t>코딩교육</a:t>
+            </a:r>
+            <a:r>
+              <a:rPr lang="ko-KR" altLang="en-US" sz="2400" dirty="0"/>
+              <a:t> 대상자</a:t>
+            </a:r>
+            <a:r>
+              <a:rPr lang="en-US" altLang="ko-KR" sz="2400" dirty="0"/>
+              <a:t>, </a:t>
+            </a:r>
+            <a:r>
+              <a:rPr lang="ko-KR" altLang="en-US" sz="2400" dirty="0"/>
+              <a:t>주요 </a:t>
+            </a:r>
+            <a:r>
+              <a:rPr lang="ko-KR" altLang="en-US" sz="2400" dirty="0" err="1"/>
+              <a:t>이용층은</a:t>
+            </a:r>
+            <a:r>
+              <a:rPr lang="ko-KR" altLang="en-US" sz="2400" dirty="0"/>
+              <a:t> </a:t>
+            </a:r>
+            <a:r>
+              <a:rPr lang="en-US" altLang="ko-KR" sz="2400" dirty="0"/>
+              <a:t>8~16</a:t>
+            </a:r>
+            <a:r>
+              <a:rPr lang="ko-KR" altLang="en-US" sz="2400" dirty="0"/>
+              <a:t>세의 학생들로 예상됨</a:t>
             </a:r>
             <a:endParaRPr lang="en-US" altLang="ko-KR" sz="2400" dirty="0"/>
           </a:p>
           <a:p>
-            <a:pPr lvl="1">
-              <a:buFont typeface="Arial" panose="020B0604020202020204" pitchFamily="34" charset="0"/>
-              <a:buChar char="•"/>
+            <a:pPr marL="0" indent="0">
+              <a:buNone/>
             </a:pPr>
-            <a:r>
-              <a:rPr lang="ko-KR" altLang="en-US" sz="2200" dirty="0" smtClean="0"/>
-              <a:t>산하기관</a:t>
-            </a:r>
-            <a:endParaRPr lang="en-US" altLang="ko-KR" sz="2200" dirty="0"/>
-          </a:p>
-          <a:p>
-            <a:endParaRPr lang="en-US" altLang="ko-KR" sz="2400" dirty="0" smtClean="0"/>
-          </a:p>
-          <a:p>
-            <a:r>
-              <a:rPr lang="en-US" altLang="ko-KR" sz="2400" dirty="0" smtClean="0"/>
-              <a:t>SW</a:t>
-            </a:r>
-            <a:r>
-              <a:rPr lang="ko-KR" altLang="en-US" sz="2400" dirty="0" smtClean="0"/>
-              <a:t>교육 학원</a:t>
-            </a:r>
-            <a:endParaRPr lang="en-US" altLang="ko-KR" sz="2400" dirty="0" smtClean="0"/>
-          </a:p>
-          <a:p>
             <a:endParaRPr lang="en-US" altLang="ko-KR" sz="2400" dirty="0"/>
           </a:p>
           <a:p>
             <a:r>
-              <a:rPr lang="ko-KR" altLang="en-US" sz="2400" dirty="0" smtClean="0"/>
-              <a:t>학교</a:t>
-            </a:r>
-            <a:endParaRPr lang="en-US" altLang="ko-KR" sz="2400" dirty="0" smtClean="0"/>
+              <a:rPr lang="ko-KR" altLang="en-US" sz="2400" dirty="0"/>
+              <a:t>소프트웨어 교육 교육자</a:t>
+            </a:r>
+            <a:r>
+              <a:rPr lang="en-US" altLang="ko-KR" sz="2400" dirty="0"/>
+              <a:t> </a:t>
+            </a:r>
+            <a:r>
+              <a:rPr lang="ko-KR" altLang="en-US" sz="2400" dirty="0"/>
+              <a:t>집단</a:t>
+            </a:r>
+            <a:endParaRPr lang="en-US" altLang="ko-KR" sz="2400" dirty="0"/>
+          </a:p>
+          <a:p>
+            <a:endParaRPr lang="en-US" altLang="ko-KR" sz="2400" dirty="0"/>
+          </a:p>
+          <a:p>
+            <a:r>
+              <a:rPr lang="ko-KR" altLang="en-US" sz="2400" dirty="0" err="1"/>
+              <a:t>코딩입문자</a:t>
+            </a:r>
+            <a:endParaRPr lang="en-US" altLang="ko-KR" sz="2400" dirty="0"/>
+          </a:p>
+          <a:p>
+            <a:endParaRPr lang="ko-KR" altLang="en-US" sz="2400" dirty="0"/>
           </a:p>
         </p:txBody>
       </p:sp>
     </p:spTree>
     <p:extLst>
       <p:ext uri="{BB962C8B-B14F-4D97-AF65-F5344CB8AC3E}">
-        <p14:creationId xmlns:p14="http://schemas.microsoft.com/office/powerpoint/2010/main" val="1475179828"/>
+        <p14:creationId xmlns:p14="http://schemas.microsoft.com/office/powerpoint/2010/main" val="2529000192"/>
       </p:ext>
     </p:extLst>
   </p:cSld>
   <p:clrMapOvr>
     <a:masterClrMapping/>
   </p:clrMapOvr>
-  <p:timing>
-    <p:tnLst>
-      <p:par>
-        <p:cTn id="1" dur="indefinite" restart="never" nodeType="tmRoot"/>
-      </p:par>
-    </p:tnLst>
-  </p:timing>
 </p:sld>
 </file>
 

--- a/코딩교육용 퍼즐게임 제안서.pptx
+++ b/코딩교육용 퍼즐게임 제안서.pptx
@@ -9,11 +9,13 @@
     <p:sldId id="257" r:id="rId3"/>
     <p:sldId id="262" r:id="rId4"/>
     <p:sldId id="264" r:id="rId5"/>
-    <p:sldId id="265" r:id="rId6"/>
-    <p:sldId id="258" r:id="rId7"/>
-    <p:sldId id="259" r:id="rId8"/>
-    <p:sldId id="260" r:id="rId9"/>
-    <p:sldId id="261" r:id="rId10"/>
+    <p:sldId id="268" r:id="rId6"/>
+    <p:sldId id="265" r:id="rId7"/>
+    <p:sldId id="258" r:id="rId8"/>
+    <p:sldId id="259" r:id="rId9"/>
+    <p:sldId id="260" r:id="rId10"/>
+    <p:sldId id="261" r:id="rId11"/>
+    <p:sldId id="269" r:id="rId12"/>
   </p:sldIdLst>
   <p:sldSz cx="12192000" cy="6858000"/>
   <p:notesSz cx="6858000" cy="9144000"/>
@@ -112,6 +114,11 @@
       </a:defRPr>
     </a:lvl9pPr>
   </p:defaultTextStyle>
+  <p:extLst>
+    <p:ext uri="{EFAFB233-063F-42B5-8137-9DF3F51BA10A}">
+      <p15:sldGuideLst xmlns:p15="http://schemas.microsoft.com/office/powerpoint/2012/main"/>
+    </p:ext>
+  </p:extLst>
 </p:presentation>
 </file>
 
@@ -716,7 +723,7 @@
           </a:lstStyle>
           <a:p>
             <a:r>
-              <a:rPr lang="ko-KR" altLang="en-US" smtClean="0"/>
+              <a:rPr lang="ko-KR" altLang="en-US"/>
               <a:t>마스터 제목 스타일 편집</a:t>
             </a:r>
             <a:endParaRPr lang="en-US" dirty="0"/>
@@ -836,7 +843,7 @@
           </a:lstStyle>
           <a:p>
             <a:r>
-              <a:rPr lang="ko-KR" altLang="en-US" smtClean="0"/>
+              <a:rPr lang="ko-KR" altLang="en-US"/>
               <a:t>클릭하여 마스터 부제목 스타일 편집</a:t>
             </a:r>
             <a:endParaRPr lang="en-US" dirty="0"/>
@@ -860,7 +867,7 @@
           <a:p>
             <a:fld id="{B3644C3F-34AF-4A1E-95C5-0C72B3BAC438}" type="datetimeFigureOut">
               <a:rPr lang="ko-KR" altLang="en-US" smtClean="0"/>
-              <a:t>2021-04-21</a:t>
+              <a:t>2021-04-25</a:t>
             </a:fld>
             <a:endParaRPr lang="ko-KR" altLang="en-US"/>
           </a:p>
@@ -965,7 +972,7 @@
           </a:lstStyle>
           <a:p>
             <a:r>
-              <a:rPr lang="ko-KR" altLang="en-US" smtClean="0"/>
+              <a:rPr lang="ko-KR" altLang="en-US"/>
               <a:t>마스터 제목 스타일 편집</a:t>
             </a:r>
             <a:endParaRPr lang="en-US" dirty="0"/>
@@ -1088,7 +1095,7 @@
           <a:p>
             <a:pPr lvl="0"/>
             <a:r>
-              <a:rPr lang="ko-KR" altLang="en-US" smtClean="0"/>
+              <a:rPr lang="ko-KR" altLang="en-US"/>
               <a:t>마스터 텍스트 스타일 편집</a:t>
             </a:r>
           </a:p>
@@ -1111,7 +1118,7 @@
           <a:p>
             <a:fld id="{B3644C3F-34AF-4A1E-95C5-0C72B3BAC438}" type="datetimeFigureOut">
               <a:rPr lang="ko-KR" altLang="en-US" smtClean="0"/>
-              <a:t>2021-04-21</a:t>
+              <a:t>2021-04-25</a:t>
             </a:fld>
             <a:endParaRPr lang="ko-KR" altLang="en-US"/>
           </a:p>
@@ -1216,7 +1223,7 @@
           </a:lstStyle>
           <a:p>
             <a:r>
-              <a:rPr lang="ko-KR" altLang="en-US" smtClean="0"/>
+              <a:rPr lang="ko-KR" altLang="en-US"/>
               <a:t>마스터 제목 스타일 편집</a:t>
             </a:r>
             <a:endParaRPr lang="en-US" dirty="0"/>
@@ -1280,7 +1287,7 @@
           <a:p>
             <a:pPr lvl="0"/>
             <a:r>
-              <a:rPr lang="ko-KR" altLang="en-US" smtClean="0"/>
+              <a:rPr lang="ko-KR" altLang="en-US"/>
               <a:t>마스터 텍스트 스타일 편집</a:t>
             </a:r>
           </a:p>
@@ -1402,7 +1409,7 @@
           <a:p>
             <a:pPr lvl="0"/>
             <a:r>
-              <a:rPr lang="ko-KR" altLang="en-US" smtClean="0"/>
+              <a:rPr lang="ko-KR" altLang="en-US"/>
               <a:t>마스터 텍스트 스타일 편집</a:t>
             </a:r>
           </a:p>
@@ -1425,7 +1432,7 @@
           <a:p>
             <a:fld id="{B3644C3F-34AF-4A1E-95C5-0C72B3BAC438}" type="datetimeFigureOut">
               <a:rPr lang="ko-KR" altLang="en-US" smtClean="0"/>
-              <a:t>2021-04-21</a:t>
+              <a:t>2021-04-25</a:t>
             </a:fld>
             <a:endParaRPr lang="ko-KR" altLang="en-US"/>
           </a:p>
@@ -1612,7 +1619,7 @@
           </a:lstStyle>
           <a:p>
             <a:r>
-              <a:rPr lang="ko-KR" altLang="en-US" smtClean="0"/>
+              <a:rPr lang="ko-KR" altLang="en-US"/>
               <a:t>마스터 제목 스타일 편집</a:t>
             </a:r>
             <a:endParaRPr lang="en-US" dirty="0"/>
@@ -1735,7 +1742,7 @@
           <a:p>
             <a:pPr lvl="0"/>
             <a:r>
-              <a:rPr lang="ko-KR" altLang="en-US" smtClean="0"/>
+              <a:rPr lang="ko-KR" altLang="en-US"/>
               <a:t>마스터 텍스트 스타일 편집</a:t>
             </a:r>
           </a:p>
@@ -1758,7 +1765,7 @@
           <a:p>
             <a:fld id="{B3644C3F-34AF-4A1E-95C5-0C72B3BAC438}" type="datetimeFigureOut">
               <a:rPr lang="ko-KR" altLang="en-US" smtClean="0"/>
-              <a:t>2021-04-21</a:t>
+              <a:t>2021-04-25</a:t>
             </a:fld>
             <a:endParaRPr lang="ko-KR" altLang="en-US"/>
           </a:p>
@@ -1863,7 +1870,7 @@
           </a:lstStyle>
           <a:p>
             <a:r>
-              <a:rPr lang="ko-KR" altLang="en-US" smtClean="0"/>
+              <a:rPr lang="ko-KR" altLang="en-US"/>
               <a:t>마스터 제목 스타일 편집</a:t>
             </a:r>
             <a:endParaRPr lang="en-US" dirty="0"/>
@@ -1927,7 +1934,7 @@
           <a:p>
             <a:pPr lvl="0"/>
             <a:r>
-              <a:rPr lang="ko-KR" altLang="en-US" smtClean="0"/>
+              <a:rPr lang="ko-KR" altLang="en-US"/>
               <a:t>마스터 텍스트 스타일 편집</a:t>
             </a:r>
           </a:p>
@@ -2049,7 +2056,7 @@
           <a:p>
             <a:pPr lvl="0"/>
             <a:r>
-              <a:rPr lang="ko-KR" altLang="en-US" smtClean="0"/>
+              <a:rPr lang="ko-KR" altLang="en-US"/>
               <a:t>마스터 텍스트 스타일 편집</a:t>
             </a:r>
           </a:p>
@@ -2072,7 +2079,7 @@
           <a:p>
             <a:fld id="{B3644C3F-34AF-4A1E-95C5-0C72B3BAC438}" type="datetimeFigureOut">
               <a:rPr lang="ko-KR" altLang="en-US" smtClean="0"/>
-              <a:t>2021-04-21</a:t>
+              <a:t>2021-04-25</a:t>
             </a:fld>
             <a:endParaRPr lang="ko-KR" altLang="en-US"/>
           </a:p>
@@ -2259,7 +2266,7 @@
           </a:lstStyle>
           <a:p>
             <a:r>
-              <a:rPr lang="ko-KR" altLang="en-US" smtClean="0"/>
+              <a:rPr lang="ko-KR" altLang="en-US"/>
               <a:t>마스터 제목 스타일 편집</a:t>
             </a:r>
             <a:endParaRPr lang="en-US" dirty="0"/>
@@ -2320,7 +2327,7 @@
           <a:p>
             <a:pPr lvl="0"/>
             <a:r>
-              <a:rPr lang="ko-KR" altLang="en-US" smtClean="0"/>
+              <a:rPr lang="ko-KR" altLang="en-US"/>
               <a:t>마스터 텍스트 스타일 편집</a:t>
             </a:r>
           </a:p>
@@ -2442,7 +2449,7 @@
           <a:p>
             <a:pPr lvl="0"/>
             <a:r>
-              <a:rPr lang="ko-KR" altLang="en-US" smtClean="0"/>
+              <a:rPr lang="ko-KR" altLang="en-US"/>
               <a:t>마스터 텍스트 스타일 편집</a:t>
             </a:r>
           </a:p>
@@ -2465,7 +2472,7 @@
           <a:p>
             <a:fld id="{B3644C3F-34AF-4A1E-95C5-0C72B3BAC438}" type="datetimeFigureOut">
               <a:rPr lang="ko-KR" altLang="en-US" smtClean="0"/>
-              <a:t>2021-04-21</a:t>
+              <a:t>2021-04-25</a:t>
             </a:fld>
             <a:endParaRPr lang="ko-KR" altLang="en-US"/>
           </a:p>
@@ -2559,7 +2566,7 @@
           <a:lstStyle/>
           <a:p>
             <a:r>
-              <a:rPr lang="ko-KR" altLang="en-US" smtClean="0"/>
+              <a:rPr lang="ko-KR" altLang="en-US"/>
               <a:t>마스터 제목 스타일 편집</a:t>
             </a:r>
             <a:endParaRPr lang="en-US" dirty="0"/>
@@ -2583,35 +2590,35 @@
           <a:p>
             <a:pPr lvl="0"/>
             <a:r>
-              <a:rPr lang="ko-KR" altLang="en-US" smtClean="0"/>
+              <a:rPr lang="ko-KR" altLang="en-US"/>
               <a:t>마스터 텍스트 스타일 편집</a:t>
             </a:r>
           </a:p>
           <a:p>
             <a:pPr lvl="1"/>
             <a:r>
-              <a:rPr lang="ko-KR" altLang="en-US" smtClean="0"/>
+              <a:rPr lang="ko-KR" altLang="en-US"/>
               <a:t>둘째 수준</a:t>
             </a:r>
           </a:p>
           <a:p>
             <a:pPr lvl="2"/>
             <a:r>
-              <a:rPr lang="ko-KR" altLang="en-US" smtClean="0"/>
+              <a:rPr lang="ko-KR" altLang="en-US"/>
               <a:t>셋째 수준</a:t>
             </a:r>
           </a:p>
           <a:p>
             <a:pPr lvl="3"/>
             <a:r>
-              <a:rPr lang="ko-KR" altLang="en-US" smtClean="0"/>
+              <a:rPr lang="ko-KR" altLang="en-US"/>
               <a:t>넷째 수준</a:t>
             </a:r>
           </a:p>
           <a:p>
             <a:pPr lvl="4"/>
             <a:r>
-              <a:rPr lang="ko-KR" altLang="en-US" smtClean="0"/>
+              <a:rPr lang="ko-KR" altLang="en-US"/>
               <a:t>다섯째 수준</a:t>
             </a:r>
             <a:endParaRPr lang="en-US" dirty="0"/>
@@ -2635,7 +2642,7 @@
           <a:p>
             <a:fld id="{B3644C3F-34AF-4A1E-95C5-0C72B3BAC438}" type="datetimeFigureOut">
               <a:rPr lang="ko-KR" altLang="en-US" smtClean="0"/>
-              <a:t>2021-04-21</a:t>
+              <a:t>2021-04-25</a:t>
             </a:fld>
             <a:endParaRPr lang="ko-KR" altLang="en-US"/>
           </a:p>
@@ -2734,7 +2741,7 @@
           <a:lstStyle/>
           <a:p>
             <a:r>
-              <a:rPr lang="ko-KR" altLang="en-US" smtClean="0"/>
+              <a:rPr lang="ko-KR" altLang="en-US"/>
               <a:t>마스터 제목 스타일 편집</a:t>
             </a:r>
             <a:endParaRPr lang="en-US" dirty="0"/>
@@ -2763,35 +2770,35 @@
           <a:p>
             <a:pPr lvl="0"/>
             <a:r>
-              <a:rPr lang="ko-KR" altLang="en-US" smtClean="0"/>
+              <a:rPr lang="ko-KR" altLang="en-US"/>
               <a:t>마스터 텍스트 스타일 편집</a:t>
             </a:r>
           </a:p>
           <a:p>
             <a:pPr lvl="1"/>
             <a:r>
-              <a:rPr lang="ko-KR" altLang="en-US" smtClean="0"/>
+              <a:rPr lang="ko-KR" altLang="en-US"/>
               <a:t>둘째 수준</a:t>
             </a:r>
           </a:p>
           <a:p>
             <a:pPr lvl="2"/>
             <a:r>
-              <a:rPr lang="ko-KR" altLang="en-US" smtClean="0"/>
+              <a:rPr lang="ko-KR" altLang="en-US"/>
               <a:t>셋째 수준</a:t>
             </a:r>
           </a:p>
           <a:p>
             <a:pPr lvl="3"/>
             <a:r>
-              <a:rPr lang="ko-KR" altLang="en-US" smtClean="0"/>
+              <a:rPr lang="ko-KR" altLang="en-US"/>
               <a:t>넷째 수준</a:t>
             </a:r>
           </a:p>
           <a:p>
             <a:pPr lvl="4"/>
             <a:r>
-              <a:rPr lang="ko-KR" altLang="en-US" smtClean="0"/>
+              <a:rPr lang="ko-KR" altLang="en-US"/>
               <a:t>다섯째 수준</a:t>
             </a:r>
             <a:endParaRPr lang="en-US" dirty="0"/>
@@ -2815,7 +2822,7 @@
           <a:p>
             <a:fld id="{B3644C3F-34AF-4A1E-95C5-0C72B3BAC438}" type="datetimeFigureOut">
               <a:rPr lang="ko-KR" altLang="en-US" smtClean="0"/>
-              <a:t>2021-04-21</a:t>
+              <a:t>2021-04-25</a:t>
             </a:fld>
             <a:endParaRPr lang="ko-KR" altLang="en-US"/>
           </a:p>
@@ -2909,7 +2916,7 @@
           <a:lstStyle/>
           <a:p>
             <a:r>
-              <a:rPr lang="ko-KR" altLang="en-US" smtClean="0"/>
+              <a:rPr lang="ko-KR" altLang="en-US"/>
               <a:t>마스터 제목 스타일 편집</a:t>
             </a:r>
             <a:endParaRPr lang="en-US" dirty="0"/>
@@ -2933,35 +2940,35 @@
           <a:p>
             <a:pPr lvl="0"/>
             <a:r>
-              <a:rPr lang="ko-KR" altLang="en-US" smtClean="0"/>
+              <a:rPr lang="ko-KR" altLang="en-US"/>
               <a:t>마스터 텍스트 스타일 편집</a:t>
             </a:r>
           </a:p>
           <a:p>
             <a:pPr lvl="1"/>
             <a:r>
-              <a:rPr lang="ko-KR" altLang="en-US" smtClean="0"/>
+              <a:rPr lang="ko-KR" altLang="en-US"/>
               <a:t>둘째 수준</a:t>
             </a:r>
           </a:p>
           <a:p>
             <a:pPr lvl="2"/>
             <a:r>
-              <a:rPr lang="ko-KR" altLang="en-US" smtClean="0"/>
+              <a:rPr lang="ko-KR" altLang="en-US"/>
               <a:t>셋째 수준</a:t>
             </a:r>
           </a:p>
           <a:p>
             <a:pPr lvl="3"/>
             <a:r>
-              <a:rPr lang="ko-KR" altLang="en-US" smtClean="0"/>
+              <a:rPr lang="ko-KR" altLang="en-US"/>
               <a:t>넷째 수준</a:t>
             </a:r>
           </a:p>
           <a:p>
             <a:pPr lvl="4"/>
             <a:r>
-              <a:rPr lang="ko-KR" altLang="en-US" smtClean="0"/>
+              <a:rPr lang="ko-KR" altLang="en-US"/>
               <a:t>다섯째 수준</a:t>
             </a:r>
             <a:endParaRPr lang="en-US" dirty="0"/>
@@ -2985,7 +2992,7 @@
           <a:p>
             <a:fld id="{B3644C3F-34AF-4A1E-95C5-0C72B3BAC438}" type="datetimeFigureOut">
               <a:rPr lang="ko-KR" altLang="en-US" smtClean="0"/>
-              <a:t>2021-04-21</a:t>
+              <a:t>2021-04-25</a:t>
             </a:fld>
             <a:endParaRPr lang="ko-KR" altLang="en-US"/>
           </a:p>
@@ -3088,7 +3095,7 @@
           </a:lstStyle>
           <a:p>
             <a:r>
-              <a:rPr lang="ko-KR" altLang="en-US" smtClean="0"/>
+              <a:rPr lang="ko-KR" altLang="en-US"/>
               <a:t>마스터 제목 스타일 편집</a:t>
             </a:r>
             <a:endParaRPr lang="en-US" dirty="0"/>
@@ -3209,7 +3216,7 @@
           <a:p>
             <a:pPr lvl="0"/>
             <a:r>
-              <a:rPr lang="ko-KR" altLang="en-US" smtClean="0"/>
+              <a:rPr lang="ko-KR" altLang="en-US"/>
               <a:t>마스터 텍스트 스타일 편집</a:t>
             </a:r>
           </a:p>
@@ -3232,7 +3239,7 @@
           <a:p>
             <a:fld id="{B3644C3F-34AF-4A1E-95C5-0C72B3BAC438}" type="datetimeFigureOut">
               <a:rPr lang="ko-KR" altLang="en-US" smtClean="0"/>
-              <a:t>2021-04-21</a:t>
+              <a:t>2021-04-25</a:t>
             </a:fld>
             <a:endParaRPr lang="ko-KR" altLang="en-US"/>
           </a:p>
@@ -3326,7 +3333,7 @@
           <a:lstStyle/>
           <a:p>
             <a:r>
-              <a:rPr lang="ko-KR" altLang="en-US" smtClean="0"/>
+              <a:rPr lang="ko-KR" altLang="en-US"/>
               <a:t>마스터 제목 스타일 편집</a:t>
             </a:r>
             <a:endParaRPr lang="en-US" dirty="0"/>
@@ -3355,35 +3362,35 @@
           <a:p>
             <a:pPr lvl="0"/>
             <a:r>
-              <a:rPr lang="ko-KR" altLang="en-US" smtClean="0"/>
+              <a:rPr lang="ko-KR" altLang="en-US"/>
               <a:t>마스터 텍스트 스타일 편집</a:t>
             </a:r>
           </a:p>
           <a:p>
             <a:pPr lvl="1"/>
             <a:r>
-              <a:rPr lang="ko-KR" altLang="en-US" smtClean="0"/>
+              <a:rPr lang="ko-KR" altLang="en-US"/>
               <a:t>둘째 수준</a:t>
             </a:r>
           </a:p>
           <a:p>
             <a:pPr lvl="2"/>
             <a:r>
-              <a:rPr lang="ko-KR" altLang="en-US" smtClean="0"/>
+              <a:rPr lang="ko-KR" altLang="en-US"/>
               <a:t>셋째 수준</a:t>
             </a:r>
           </a:p>
           <a:p>
             <a:pPr lvl="3"/>
             <a:r>
-              <a:rPr lang="ko-KR" altLang="en-US" smtClean="0"/>
+              <a:rPr lang="ko-KR" altLang="en-US"/>
               <a:t>넷째 수준</a:t>
             </a:r>
           </a:p>
           <a:p>
             <a:pPr lvl="4"/>
             <a:r>
-              <a:rPr lang="ko-KR" altLang="en-US" smtClean="0"/>
+              <a:rPr lang="ko-KR" altLang="en-US"/>
               <a:t>다섯째 수준</a:t>
             </a:r>
             <a:endParaRPr lang="en-US" dirty="0"/>
@@ -3412,35 +3419,35 @@
           <a:p>
             <a:pPr lvl="0"/>
             <a:r>
-              <a:rPr lang="ko-KR" altLang="en-US" smtClean="0"/>
+              <a:rPr lang="ko-KR" altLang="en-US"/>
               <a:t>마스터 텍스트 스타일 편집</a:t>
             </a:r>
           </a:p>
           <a:p>
             <a:pPr lvl="1"/>
             <a:r>
-              <a:rPr lang="ko-KR" altLang="en-US" smtClean="0"/>
+              <a:rPr lang="ko-KR" altLang="en-US"/>
               <a:t>둘째 수준</a:t>
             </a:r>
           </a:p>
           <a:p>
             <a:pPr lvl="2"/>
             <a:r>
-              <a:rPr lang="ko-KR" altLang="en-US" smtClean="0"/>
+              <a:rPr lang="ko-KR" altLang="en-US"/>
               <a:t>셋째 수준</a:t>
             </a:r>
           </a:p>
           <a:p>
             <a:pPr lvl="3"/>
             <a:r>
-              <a:rPr lang="ko-KR" altLang="en-US" smtClean="0"/>
+              <a:rPr lang="ko-KR" altLang="en-US"/>
               <a:t>넷째 수준</a:t>
             </a:r>
           </a:p>
           <a:p>
             <a:pPr lvl="4"/>
             <a:r>
-              <a:rPr lang="ko-KR" altLang="en-US" smtClean="0"/>
+              <a:rPr lang="ko-KR" altLang="en-US"/>
               <a:t>다섯째 수준</a:t>
             </a:r>
             <a:endParaRPr lang="en-US" dirty="0"/>
@@ -3464,7 +3471,7 @@
           <a:p>
             <a:fld id="{B3644C3F-34AF-4A1E-95C5-0C72B3BAC438}" type="datetimeFigureOut">
               <a:rPr lang="ko-KR" altLang="en-US" smtClean="0"/>
-              <a:t>2021-04-21</a:t>
+              <a:t>2021-04-25</a:t>
             </a:fld>
             <a:endParaRPr lang="ko-KR" altLang="en-US"/>
           </a:p>
@@ -3562,7 +3569,7 @@
           </a:lstStyle>
           <a:p>
             <a:r>
-              <a:rPr lang="ko-KR" altLang="en-US" smtClean="0"/>
+              <a:rPr lang="ko-KR" altLang="en-US"/>
               <a:t>마스터 제목 스타일 편집</a:t>
             </a:r>
             <a:endParaRPr lang="en-US" dirty="0"/>
@@ -3630,7 +3637,7 @@
           <a:p>
             <a:pPr lvl="0"/>
             <a:r>
-              <a:rPr lang="ko-KR" altLang="en-US" smtClean="0"/>
+              <a:rPr lang="ko-KR" altLang="en-US"/>
               <a:t>마스터 텍스트 스타일 편집</a:t>
             </a:r>
           </a:p>
@@ -3660,35 +3667,35 @@
           <a:p>
             <a:pPr lvl="0"/>
             <a:r>
-              <a:rPr lang="ko-KR" altLang="en-US" smtClean="0"/>
+              <a:rPr lang="ko-KR" altLang="en-US"/>
               <a:t>마스터 텍스트 스타일 편집</a:t>
             </a:r>
           </a:p>
           <a:p>
             <a:pPr lvl="1"/>
             <a:r>
-              <a:rPr lang="ko-KR" altLang="en-US" smtClean="0"/>
+              <a:rPr lang="ko-KR" altLang="en-US"/>
               <a:t>둘째 수준</a:t>
             </a:r>
           </a:p>
           <a:p>
             <a:pPr lvl="2"/>
             <a:r>
-              <a:rPr lang="ko-KR" altLang="en-US" smtClean="0"/>
+              <a:rPr lang="ko-KR" altLang="en-US"/>
               <a:t>셋째 수준</a:t>
             </a:r>
           </a:p>
           <a:p>
             <a:pPr lvl="3"/>
             <a:r>
-              <a:rPr lang="ko-KR" altLang="en-US" smtClean="0"/>
+              <a:rPr lang="ko-KR" altLang="en-US"/>
               <a:t>넷째 수준</a:t>
             </a:r>
           </a:p>
           <a:p>
             <a:pPr lvl="4"/>
             <a:r>
-              <a:rPr lang="ko-KR" altLang="en-US" smtClean="0"/>
+              <a:rPr lang="ko-KR" altLang="en-US"/>
               <a:t>다섯째 수준</a:t>
             </a:r>
             <a:endParaRPr lang="en-US" dirty="0"/>
@@ -3756,7 +3763,7 @@
           <a:p>
             <a:pPr lvl="0"/>
             <a:r>
-              <a:rPr lang="ko-KR" altLang="en-US" smtClean="0"/>
+              <a:rPr lang="ko-KR" altLang="en-US"/>
               <a:t>마스터 텍스트 스타일 편집</a:t>
             </a:r>
           </a:p>
@@ -3786,35 +3793,35 @@
           <a:p>
             <a:pPr lvl="0"/>
             <a:r>
-              <a:rPr lang="ko-KR" altLang="en-US" smtClean="0"/>
+              <a:rPr lang="ko-KR" altLang="en-US"/>
               <a:t>마스터 텍스트 스타일 편집</a:t>
             </a:r>
           </a:p>
           <a:p>
             <a:pPr lvl="1"/>
             <a:r>
-              <a:rPr lang="ko-KR" altLang="en-US" smtClean="0"/>
+              <a:rPr lang="ko-KR" altLang="en-US"/>
               <a:t>둘째 수준</a:t>
             </a:r>
           </a:p>
           <a:p>
             <a:pPr lvl="2"/>
             <a:r>
-              <a:rPr lang="ko-KR" altLang="en-US" smtClean="0"/>
+              <a:rPr lang="ko-KR" altLang="en-US"/>
               <a:t>셋째 수준</a:t>
             </a:r>
           </a:p>
           <a:p>
             <a:pPr lvl="3"/>
             <a:r>
-              <a:rPr lang="ko-KR" altLang="en-US" smtClean="0"/>
+              <a:rPr lang="ko-KR" altLang="en-US"/>
               <a:t>넷째 수준</a:t>
             </a:r>
           </a:p>
           <a:p>
             <a:pPr lvl="4"/>
             <a:r>
-              <a:rPr lang="ko-KR" altLang="en-US" smtClean="0"/>
+              <a:rPr lang="ko-KR" altLang="en-US"/>
               <a:t>다섯째 수준</a:t>
             </a:r>
             <a:endParaRPr lang="en-US" dirty="0"/>
@@ -3838,7 +3845,7 @@
           <a:p>
             <a:fld id="{B3644C3F-34AF-4A1E-95C5-0C72B3BAC438}" type="datetimeFigureOut">
               <a:rPr lang="ko-KR" altLang="en-US" smtClean="0"/>
-              <a:t>2021-04-21</a:t>
+              <a:t>2021-04-25</a:t>
             </a:fld>
             <a:endParaRPr lang="ko-KR" altLang="en-US"/>
           </a:p>
@@ -3937,7 +3944,7 @@
           <a:lstStyle/>
           <a:p>
             <a:r>
-              <a:rPr lang="ko-KR" altLang="en-US" smtClean="0"/>
+              <a:rPr lang="ko-KR" altLang="en-US"/>
               <a:t>마스터 제목 스타일 편집</a:t>
             </a:r>
             <a:endParaRPr lang="en-US" dirty="0"/>
@@ -3961,7 +3968,7 @@
           <a:p>
             <a:fld id="{B3644C3F-34AF-4A1E-95C5-0C72B3BAC438}" type="datetimeFigureOut">
               <a:rPr lang="ko-KR" altLang="en-US" smtClean="0"/>
-              <a:t>2021-04-21</a:t>
+              <a:t>2021-04-25</a:t>
             </a:fld>
             <a:endParaRPr lang="ko-KR" altLang="en-US"/>
           </a:p>
@@ -4056,7 +4063,7 @@
           <a:p>
             <a:fld id="{B3644C3F-34AF-4A1E-95C5-0C72B3BAC438}" type="datetimeFigureOut">
               <a:rPr lang="ko-KR" altLang="en-US" smtClean="0"/>
-              <a:t>2021-04-21</a:t>
+              <a:t>2021-04-25</a:t>
             </a:fld>
             <a:endParaRPr lang="ko-KR" altLang="en-US"/>
           </a:p>
@@ -4161,7 +4168,7 @@
           </a:lstStyle>
           <a:p>
             <a:r>
-              <a:rPr lang="ko-KR" altLang="en-US" smtClean="0"/>
+              <a:rPr lang="ko-KR" altLang="en-US"/>
               <a:t>마스터 제목 스타일 편집</a:t>
             </a:r>
             <a:endParaRPr lang="en-US" dirty="0"/>
@@ -4192,35 +4199,35 @@
           <a:p>
             <a:pPr lvl="0"/>
             <a:r>
-              <a:rPr lang="ko-KR" altLang="en-US" smtClean="0"/>
+              <a:rPr lang="ko-KR" altLang="en-US"/>
               <a:t>마스터 텍스트 스타일 편집</a:t>
             </a:r>
           </a:p>
           <a:p>
             <a:pPr lvl="1"/>
             <a:r>
-              <a:rPr lang="ko-KR" altLang="en-US" smtClean="0"/>
+              <a:rPr lang="ko-KR" altLang="en-US"/>
               <a:t>둘째 수준</a:t>
             </a:r>
           </a:p>
           <a:p>
             <a:pPr lvl="2"/>
             <a:r>
-              <a:rPr lang="ko-KR" altLang="en-US" smtClean="0"/>
+              <a:rPr lang="ko-KR" altLang="en-US"/>
               <a:t>셋째 수준</a:t>
             </a:r>
           </a:p>
           <a:p>
             <a:pPr lvl="3"/>
             <a:r>
-              <a:rPr lang="ko-KR" altLang="en-US" smtClean="0"/>
+              <a:rPr lang="ko-KR" altLang="en-US"/>
               <a:t>넷째 수준</a:t>
             </a:r>
           </a:p>
           <a:p>
             <a:pPr lvl="4"/>
             <a:r>
-              <a:rPr lang="ko-KR" altLang="en-US" smtClean="0"/>
+              <a:rPr lang="ko-KR" altLang="en-US"/>
               <a:t>다섯째 수준</a:t>
             </a:r>
             <a:endParaRPr lang="en-US" dirty="0"/>
@@ -4288,7 +4295,7 @@
           <a:p>
             <a:pPr lvl="0"/>
             <a:r>
-              <a:rPr lang="ko-KR" altLang="en-US" smtClean="0"/>
+              <a:rPr lang="ko-KR" altLang="en-US"/>
               <a:t>마스터 텍스트 스타일 편집</a:t>
             </a:r>
           </a:p>
@@ -4311,7 +4318,7 @@
           <a:p>
             <a:fld id="{B3644C3F-34AF-4A1E-95C5-0C72B3BAC438}" type="datetimeFigureOut">
               <a:rPr lang="ko-KR" altLang="en-US" smtClean="0"/>
-              <a:t>2021-04-21</a:t>
+              <a:t>2021-04-25</a:t>
             </a:fld>
             <a:endParaRPr lang="ko-KR" altLang="en-US"/>
           </a:p>
@@ -4416,7 +4423,7 @@
           </a:lstStyle>
           <a:p>
             <a:r>
-              <a:rPr lang="ko-KR" altLang="en-US" smtClean="0"/>
+              <a:rPr lang="ko-KR" altLang="en-US"/>
               <a:t>마스터 제목 스타일 편집</a:t>
             </a:r>
             <a:endParaRPr lang="en-US" dirty="0"/>
@@ -4483,7 +4490,7 @@
           </a:lstStyle>
           <a:p>
             <a:r>
-              <a:rPr lang="ko-KR" altLang="en-US" smtClean="0"/>
+              <a:rPr lang="ko-KR" altLang="en-US"/>
               <a:t>그림을 추가하려면 아이콘을 클릭하십시오</a:t>
             </a:r>
             <a:endParaRPr lang="en-US" dirty="0"/>
@@ -4551,7 +4558,7 @@
           <a:p>
             <a:pPr lvl="0"/>
             <a:r>
-              <a:rPr lang="ko-KR" altLang="en-US" smtClean="0"/>
+              <a:rPr lang="ko-KR" altLang="en-US"/>
               <a:t>마스터 텍스트 스타일 편집</a:t>
             </a:r>
           </a:p>
@@ -4616,7 +4623,7 @@
           <a:p>
             <a:fld id="{B3644C3F-34AF-4A1E-95C5-0C72B3BAC438}" type="datetimeFigureOut">
               <a:rPr lang="ko-KR" altLang="en-US" smtClean="0"/>
-              <a:t>2021-04-21</a:t>
+              <a:t>2021-04-25</a:t>
             </a:fld>
             <a:endParaRPr lang="ko-KR" altLang="en-US"/>
           </a:p>
@@ -5214,7 +5221,7 @@
           <a:lstStyle/>
           <a:p>
             <a:r>
-              <a:rPr lang="ko-KR" altLang="en-US" smtClean="0"/>
+              <a:rPr lang="ko-KR" altLang="en-US"/>
               <a:t>마스터 제목 스타일 편집</a:t>
             </a:r>
             <a:endParaRPr lang="en-US" dirty="0"/>
@@ -5248,35 +5255,35 @@
           <a:p>
             <a:pPr lvl="0"/>
             <a:r>
-              <a:rPr lang="ko-KR" altLang="en-US" smtClean="0"/>
+              <a:rPr lang="ko-KR" altLang="en-US"/>
               <a:t>마스터 텍스트 스타일 편집</a:t>
             </a:r>
           </a:p>
           <a:p>
             <a:pPr lvl="1"/>
             <a:r>
-              <a:rPr lang="ko-KR" altLang="en-US" smtClean="0"/>
+              <a:rPr lang="ko-KR" altLang="en-US"/>
               <a:t>둘째 수준</a:t>
             </a:r>
           </a:p>
           <a:p>
             <a:pPr lvl="2"/>
             <a:r>
-              <a:rPr lang="ko-KR" altLang="en-US" smtClean="0"/>
+              <a:rPr lang="ko-KR" altLang="en-US"/>
               <a:t>셋째 수준</a:t>
             </a:r>
           </a:p>
           <a:p>
             <a:pPr lvl="3"/>
             <a:r>
-              <a:rPr lang="ko-KR" altLang="en-US" smtClean="0"/>
+              <a:rPr lang="ko-KR" altLang="en-US"/>
               <a:t>넷째 수준</a:t>
             </a:r>
           </a:p>
           <a:p>
             <a:pPr lvl="4"/>
             <a:r>
-              <a:rPr lang="ko-KR" altLang="en-US" smtClean="0"/>
+              <a:rPr lang="ko-KR" altLang="en-US"/>
               <a:t>다섯째 수준</a:t>
             </a:r>
             <a:endParaRPr lang="en-US" dirty="0"/>
@@ -5318,7 +5325,7 @@
           <a:p>
             <a:fld id="{B3644C3F-34AF-4A1E-95C5-0C72B3BAC438}" type="datetimeFigureOut">
               <a:rPr lang="ko-KR" altLang="en-US" smtClean="0"/>
-              <a:t>2021-04-21</a:t>
+              <a:t>2021-04-25</a:t>
             </a:fld>
             <a:endParaRPr lang="ko-KR" altLang="en-US"/>
           </a:p>
@@ -5863,14 +5870,13 @@
           <a:lstStyle/>
           <a:p>
             <a:r>
-              <a:rPr lang="ko-KR" altLang="en-US" dirty="0" err="1" smtClean="0"/>
+              <a:rPr lang="ko-KR" altLang="en-US" dirty="0" err="1"/>
               <a:t>코딩교육용</a:t>
             </a:r>
             <a:r>
-              <a:rPr lang="ko-KR" altLang="en-US" dirty="0" smtClean="0"/>
+              <a:rPr lang="ko-KR" altLang="en-US" dirty="0"/>
               <a:t> 퍼즐게임 제안서</a:t>
             </a:r>
-            <a:endParaRPr lang="ko-KR" altLang="en-US" dirty="0"/>
           </a:p>
         </p:txBody>
       </p:sp>
@@ -5903,13 +5909,288 @@
   <p:clrMapOvr>
     <a:masterClrMapping/>
   </p:clrMapOvr>
-  <p:timing>
-    <p:tnLst>
-      <p:par>
-        <p:cTn id="1" dur="indefinite" restart="never" nodeType="tmRoot"/>
-      </p:par>
-    </p:tnLst>
-  </p:timing>
+</p:sld>
+</file>
+
+<file path=ppt/slides/slide10.xml><?xml version="1.0" encoding="utf-8"?>
+<p:sld xmlns:a="http://schemas.openxmlformats.org/drawingml/2006/main" xmlns:r="http://schemas.openxmlformats.org/officeDocument/2006/relationships" xmlns:p="http://schemas.openxmlformats.org/presentationml/2006/main">
+  <p:cSld>
+    <p:spTree>
+      <p:nvGrpSpPr>
+        <p:cNvPr id="1" name=""/>
+        <p:cNvGrpSpPr/>
+        <p:nvPr/>
+      </p:nvGrpSpPr>
+      <p:grpSpPr>
+        <a:xfrm>
+          <a:off x="0" y="0"/>
+          <a:ext cx="0" cy="0"/>
+          <a:chOff x="0" y="0"/>
+          <a:chExt cx="0" cy="0"/>
+        </a:xfrm>
+      </p:grpSpPr>
+      <p:sp>
+        <p:nvSpPr>
+          <p:cNvPr id="2" name="제목 1"/>
+          <p:cNvSpPr>
+            <a:spLocks noGrp="1"/>
+          </p:cNvSpPr>
+          <p:nvPr>
+            <p:ph type="title"/>
+          </p:nvPr>
+        </p:nvSpPr>
+        <p:spPr/>
+        <p:txBody>
+          <a:bodyPr/>
+          <a:lstStyle/>
+          <a:p>
+            <a:r>
+              <a:rPr lang="en-US" altLang="ko-KR" b="1" dirty="0"/>
+              <a:t>Platform</a:t>
+            </a:r>
+          </a:p>
+        </p:txBody>
+      </p:sp>
+      <p:sp>
+        <p:nvSpPr>
+          <p:cNvPr id="3" name="내용 개체 틀 2"/>
+          <p:cNvSpPr>
+            <a:spLocks noGrp="1"/>
+          </p:cNvSpPr>
+          <p:nvPr>
+            <p:ph idx="1"/>
+          </p:nvPr>
+        </p:nvSpPr>
+        <p:spPr/>
+        <p:txBody>
+          <a:bodyPr>
+            <a:normAutofit/>
+          </a:bodyPr>
+          <a:lstStyle/>
+          <a:p>
+            <a:r>
+              <a:rPr lang="ko-KR" altLang="en-US" sz="2400" dirty="0"/>
+              <a:t>교육부 </a:t>
+            </a:r>
+            <a:r>
+              <a:rPr lang="en-US" altLang="ko-KR" sz="2400" dirty="0"/>
+              <a:t>/ </a:t>
+            </a:r>
+            <a:r>
+              <a:rPr lang="ko-KR" altLang="en-US" sz="2400" dirty="0" err="1"/>
+              <a:t>미래부</a:t>
+            </a:r>
+            <a:endParaRPr lang="en-US" altLang="ko-KR" sz="2400" dirty="0"/>
+          </a:p>
+          <a:p>
+            <a:pPr lvl="1">
+              <a:buFont typeface="Arial" panose="020B0604020202020204" pitchFamily="34" charset="0"/>
+              <a:buChar char="•"/>
+            </a:pPr>
+            <a:r>
+              <a:rPr lang="ko-KR" altLang="en-US" sz="2200" dirty="0"/>
+              <a:t>산하기관</a:t>
+            </a:r>
+            <a:endParaRPr lang="en-US" altLang="ko-KR" sz="2200" dirty="0"/>
+          </a:p>
+          <a:p>
+            <a:pPr marL="0" indent="0">
+              <a:buNone/>
+            </a:pPr>
+            <a:endParaRPr lang="en-US" altLang="ko-KR" sz="2400" dirty="0"/>
+          </a:p>
+          <a:p>
+            <a:r>
+              <a:rPr lang="ko-KR" altLang="en-US" sz="2400" dirty="0"/>
+              <a:t>지역 사회 공공 교육기관</a:t>
+            </a:r>
+            <a:r>
+              <a:rPr lang="en-US" altLang="ko-KR" sz="2400" dirty="0"/>
+              <a:t>(</a:t>
+            </a:r>
+            <a:r>
+              <a:rPr lang="ko-KR" altLang="en-US" sz="2400" dirty="0"/>
+              <a:t>학교</a:t>
+            </a:r>
+            <a:r>
+              <a:rPr lang="en-US" altLang="ko-KR" sz="2400" dirty="0"/>
+              <a:t>, </a:t>
+            </a:r>
+            <a:r>
+              <a:rPr lang="ko-KR" altLang="en-US" sz="2400" dirty="0"/>
+              <a:t>아동센터</a:t>
+            </a:r>
+            <a:r>
+              <a:rPr lang="en-US" altLang="ko-KR" sz="2400" dirty="0"/>
+              <a:t>)</a:t>
+            </a:r>
+          </a:p>
+          <a:p>
+            <a:endParaRPr lang="en-US" altLang="ko-KR" sz="2400" dirty="0"/>
+          </a:p>
+          <a:p>
+            <a:r>
+              <a:rPr lang="en-US" altLang="ko-KR" sz="2400" dirty="0"/>
+              <a:t>SW </a:t>
+            </a:r>
+            <a:r>
+              <a:rPr lang="ko-KR" altLang="en-US" sz="2400" dirty="0"/>
+              <a:t>학원</a:t>
+            </a:r>
+            <a:endParaRPr lang="en-US" altLang="ko-KR" sz="2400" dirty="0"/>
+          </a:p>
+          <a:p>
+            <a:endParaRPr lang="en-US" altLang="ko-KR" sz="2400" dirty="0"/>
+          </a:p>
+        </p:txBody>
+      </p:sp>
+    </p:spTree>
+    <p:extLst>
+      <p:ext uri="{BB962C8B-B14F-4D97-AF65-F5344CB8AC3E}">
+        <p14:creationId xmlns:p14="http://schemas.microsoft.com/office/powerpoint/2010/main" val="1475179828"/>
+      </p:ext>
+    </p:extLst>
+  </p:cSld>
+  <p:clrMapOvr>
+    <a:masterClrMapping/>
+  </p:clrMapOvr>
+</p:sld>
+</file>
+
+<file path=ppt/slides/slide11.xml><?xml version="1.0" encoding="utf-8"?>
+<p:sld xmlns:a="http://schemas.openxmlformats.org/drawingml/2006/main" xmlns:r="http://schemas.openxmlformats.org/officeDocument/2006/relationships" xmlns:p="http://schemas.openxmlformats.org/presentationml/2006/main">
+  <p:cSld>
+    <p:spTree>
+      <p:nvGrpSpPr>
+        <p:cNvPr id="1" name=""/>
+        <p:cNvGrpSpPr/>
+        <p:nvPr/>
+      </p:nvGrpSpPr>
+      <p:grpSpPr>
+        <a:xfrm>
+          <a:off x="0" y="0"/>
+          <a:ext cx="0" cy="0"/>
+          <a:chOff x="0" y="0"/>
+          <a:chExt cx="0" cy="0"/>
+        </a:xfrm>
+      </p:grpSpPr>
+      <p:sp>
+        <p:nvSpPr>
+          <p:cNvPr id="2" name="제목 1">
+            <a:extLst>
+              <a:ext uri="{FF2B5EF4-FFF2-40B4-BE49-F238E27FC236}">
+                <a16:creationId xmlns:a16="http://schemas.microsoft.com/office/drawing/2014/main" id="{5E177B3C-E7AD-4B5F-A16B-421DE962E700}"/>
+              </a:ext>
+            </a:extLst>
+          </p:cNvPr>
+          <p:cNvSpPr>
+            <a:spLocks noGrp="1"/>
+          </p:cNvSpPr>
+          <p:nvPr>
+            <p:ph type="title"/>
+          </p:nvPr>
+        </p:nvSpPr>
+        <p:spPr/>
+        <p:txBody>
+          <a:bodyPr/>
+          <a:lstStyle/>
+          <a:p>
+            <a:r>
+              <a:rPr lang="ko-KR" altLang="en-US" dirty="0"/>
+              <a:t>여기서부터 게임설명 파트</a:t>
+            </a:r>
+          </a:p>
+        </p:txBody>
+      </p:sp>
+      <p:sp>
+        <p:nvSpPr>
+          <p:cNvPr id="3" name="내용 개체 틀 2">
+            <a:extLst>
+              <a:ext uri="{FF2B5EF4-FFF2-40B4-BE49-F238E27FC236}">
+                <a16:creationId xmlns:a16="http://schemas.microsoft.com/office/drawing/2014/main" id="{169A83D8-E8FC-46D2-A0A4-C2761AC04A93}"/>
+              </a:ext>
+            </a:extLst>
+          </p:cNvPr>
+          <p:cNvSpPr>
+            <a:spLocks noGrp="1"/>
+          </p:cNvSpPr>
+          <p:nvPr>
+            <p:ph idx="1"/>
+          </p:nvPr>
+        </p:nvSpPr>
+        <p:spPr/>
+        <p:txBody>
+          <a:bodyPr/>
+          <a:lstStyle/>
+          <a:p>
+            <a:r>
+              <a:rPr lang="en-US" altLang="ko-KR" dirty="0" err="1"/>
+              <a:t>Todo</a:t>
+            </a:r>
+            <a:r>
+              <a:rPr lang="ko-KR" altLang="en-US" dirty="0"/>
+              <a:t> </a:t>
+            </a:r>
+            <a:endParaRPr lang="en-US" altLang="ko-KR" dirty="0"/>
+          </a:p>
+          <a:p>
+            <a:r>
+              <a:rPr lang="ko-KR" altLang="en-US" dirty="0"/>
+              <a:t>코딩테스트와 게임을 어떠한 형태로 연결한 것인지 방법을 제시</a:t>
+            </a:r>
+            <a:endParaRPr lang="en-US" altLang="ko-KR" dirty="0"/>
+          </a:p>
+          <a:p>
+            <a:r>
+              <a:rPr lang="ko-KR" altLang="en-US" dirty="0"/>
+              <a:t>본 게임을 통해 이용자에게 기대되는 학습효과</a:t>
+            </a:r>
+            <a:endParaRPr lang="en-US" altLang="ko-KR" dirty="0"/>
+          </a:p>
+          <a:p>
+            <a:endParaRPr lang="en-US" altLang="ko-KR" dirty="0"/>
+          </a:p>
+          <a:p>
+            <a:r>
+              <a:rPr lang="ko-KR" altLang="en-US" dirty="0"/>
+              <a:t>청소년층을 타겟으로 잡기위한 외형적 요소를 연구하기</a:t>
+            </a:r>
+            <a:r>
+              <a:rPr lang="en-US" altLang="ko-KR" dirty="0"/>
+              <a:t>(</a:t>
+            </a:r>
+            <a:r>
+              <a:rPr lang="ko-KR" altLang="en-US" dirty="0"/>
+              <a:t>그래픽</a:t>
+            </a:r>
+            <a:r>
+              <a:rPr lang="en-US" altLang="ko-KR" dirty="0"/>
+              <a:t> + </a:t>
+            </a:r>
+            <a:r>
+              <a:rPr lang="ko-KR" altLang="en-US" dirty="0"/>
+              <a:t>게임설정</a:t>
+            </a:r>
+            <a:r>
+              <a:rPr lang="en-US" altLang="ko-KR" dirty="0"/>
+              <a:t>)</a:t>
+            </a:r>
+          </a:p>
+          <a:p>
+            <a:endParaRPr lang="en-US" altLang="ko-KR" dirty="0"/>
+          </a:p>
+        </p:txBody>
+      </p:sp>
+    </p:spTree>
+    <p:extLst>
+      <p:ext uri="{BB962C8B-B14F-4D97-AF65-F5344CB8AC3E}">
+        <p14:creationId xmlns:p14="http://schemas.microsoft.com/office/powerpoint/2010/main" val="1799544190"/>
+      </p:ext>
+    </p:extLst>
+  </p:cSld>
+  <p:clrMapOvr>
+    <a:masterClrMapping/>
+  </p:clrMapOvr>
 </p:sld>
 </file>
 
@@ -5946,10 +6227,10 @@
           <a:lstStyle/>
           <a:p>
             <a:r>
-              <a:rPr lang="ko-KR" altLang="en-US" dirty="0" smtClean="0"/>
-              <a:t>목차</a:t>
-            </a:r>
-            <a:endParaRPr lang="ko-KR" altLang="en-US" dirty="0"/>
+              <a:rPr lang="en-US" altLang="ko-KR" b="1" dirty="0"/>
+              <a:t>Index</a:t>
+            </a:r>
+            <a:endParaRPr lang="ko-KR" altLang="en-US" b="1" dirty="0"/>
           </a:p>
         </p:txBody>
       </p:sp>
@@ -5974,54 +6255,54 @@
               <a:buNone/>
             </a:pPr>
             <a:r>
-              <a:rPr lang="en-US" altLang="ko-KR" sz="3600" dirty="0" smtClean="0"/>
+              <a:rPr lang="en-US" altLang="ko-KR" sz="3600" dirty="0"/>
               <a:t>I . </a:t>
             </a:r>
             <a:r>
-              <a:rPr lang="ko-KR" altLang="en-US" sz="3600" dirty="0" smtClean="0"/>
+              <a:rPr lang="ko-KR" altLang="en-US" sz="3600" dirty="0"/>
               <a:t>개요</a:t>
             </a:r>
-            <a:endParaRPr lang="en-US" altLang="ko-KR" sz="3600" dirty="0" smtClean="0"/>
+            <a:endParaRPr lang="en-US" altLang="ko-KR" sz="3600" dirty="0"/>
           </a:p>
           <a:p>
             <a:pPr marL="0" indent="0">
               <a:buNone/>
             </a:pPr>
-            <a:endParaRPr lang="en-US" altLang="ko-KR" sz="3600" dirty="0" smtClean="0"/>
+            <a:endParaRPr lang="en-US" altLang="ko-KR" sz="3600" dirty="0"/>
           </a:p>
           <a:p>
             <a:pPr marL="0" indent="0">
               <a:buNone/>
             </a:pPr>
             <a:r>
-              <a:rPr lang="en-US" altLang="ko-KR" sz="3600" dirty="0" smtClean="0"/>
+              <a:rPr lang="en-US" altLang="ko-KR" sz="3600" dirty="0"/>
               <a:t>II . </a:t>
             </a:r>
             <a:r>
-              <a:rPr lang="ko-KR" altLang="en-US" sz="3600" dirty="0" smtClean="0"/>
+              <a:rPr lang="ko-KR" altLang="en-US" sz="3600" dirty="0"/>
               <a:t>게임설명</a:t>
             </a:r>
-            <a:endParaRPr lang="en-US" altLang="ko-KR" sz="3600" dirty="0" smtClean="0"/>
+            <a:endParaRPr lang="en-US" altLang="ko-KR" sz="3600" dirty="0"/>
           </a:p>
           <a:p>
             <a:pPr marL="0" indent="0">
               <a:buNone/>
             </a:pPr>
-            <a:endParaRPr lang="en-US" altLang="ko-KR" sz="3600" dirty="0" smtClean="0"/>
+            <a:endParaRPr lang="en-US" altLang="ko-KR" sz="3600" dirty="0"/>
           </a:p>
           <a:p>
             <a:pPr marL="0" indent="0">
               <a:buNone/>
             </a:pPr>
             <a:r>
-              <a:rPr lang="en-US" altLang="ko-KR" sz="3600" dirty="0" smtClean="0"/>
+              <a:rPr lang="en-US" altLang="ko-KR" sz="3600" dirty="0"/>
               <a:t>III. </a:t>
             </a:r>
             <a:r>
-              <a:rPr lang="ko-KR" altLang="en-US" sz="3600" dirty="0" smtClean="0"/>
+              <a:rPr lang="ko-KR" altLang="en-US" sz="3600" dirty="0"/>
               <a:t>시장분석</a:t>
             </a:r>
-            <a:endParaRPr lang="en-US" altLang="ko-KR" sz="3600" dirty="0" smtClean="0"/>
+            <a:endParaRPr lang="en-US" altLang="ko-KR" sz="3600" dirty="0"/>
           </a:p>
         </p:txBody>
       </p:sp>
@@ -6035,13 +6316,6 @@
   <p:clrMapOvr>
     <a:masterClrMapping/>
   </p:clrMapOvr>
-  <p:timing>
-    <p:tnLst>
-      <p:par>
-        <p:cTn id="1" dur="indefinite" restart="never" nodeType="tmRoot"/>
-      </p:par>
-    </p:tnLst>
-  </p:timing>
 </p:sld>
 </file>
 
@@ -6078,14 +6352,14 @@
           <a:lstStyle/>
           <a:p>
             <a:r>
-              <a:rPr lang="ko-KR" altLang="en-US" dirty="0" err="1" smtClean="0"/>
+              <a:rPr lang="ko-KR" altLang="en-US" b="1" dirty="0" err="1"/>
               <a:t>코딩교육</a:t>
             </a:r>
             <a:r>
-              <a:rPr lang="en-US" altLang="ko-KR" dirty="0" smtClean="0"/>
+              <a:rPr lang="en-US" altLang="ko-KR" b="1" dirty="0"/>
               <a:t>??</a:t>
             </a:r>
-            <a:endParaRPr lang="ko-KR" altLang="en-US" dirty="0"/>
+            <a:endParaRPr lang="ko-KR" altLang="en-US" b="1" dirty="0"/>
           </a:p>
         </p:txBody>
       </p:sp>
@@ -6107,38 +6381,22 @@
           <a:lstStyle/>
           <a:p>
             <a:r>
-              <a:rPr lang="en-US" altLang="ko-KR" sz="2400" dirty="0" smtClean="0"/>
+              <a:rPr lang="en-US" altLang="ko-KR" sz="2400" dirty="0"/>
               <a:t>4</a:t>
             </a:r>
             <a:r>
-              <a:rPr lang="ko-KR" altLang="en-US" sz="2400" dirty="0" smtClean="0"/>
+              <a:rPr lang="ko-KR" altLang="en-US" sz="2400" dirty="0"/>
               <a:t>차 산업혁명시대</a:t>
             </a:r>
             <a:r>
-              <a:rPr lang="en-US" altLang="ko-KR" sz="2400" dirty="0" smtClean="0"/>
+              <a:rPr lang="en-US" altLang="ko-KR" sz="2400" dirty="0"/>
               <a:t>, </a:t>
             </a:r>
             <a:r>
-              <a:rPr lang="ko-KR" altLang="en-US" sz="2400" dirty="0" smtClean="0"/>
+              <a:rPr lang="ko-KR" altLang="en-US" sz="2400" dirty="0"/>
               <a:t>우리가 사용하는 주변기기들의 원리를 알고 더 잘 활용하기 위해 필요</a:t>
             </a:r>
-            <a:endParaRPr lang="en-US" altLang="ko-KR" sz="2400" dirty="0" smtClean="0"/>
-          </a:p>
-          <a:p>
-            <a:pPr marL="0" indent="0">
-              <a:buNone/>
-            </a:pPr>
-            <a:endParaRPr lang="en-US" altLang="ko-KR" sz="2400" dirty="0" smtClean="0"/>
-          </a:p>
-          <a:p>
-            <a:r>
-              <a:rPr lang="ko-KR" altLang="en-US" sz="2400" dirty="0" smtClean="0"/>
-              <a:t>프로그래머 육성 </a:t>
-            </a:r>
-            <a:r>
-              <a:rPr lang="en-US" altLang="ko-KR" sz="2400" dirty="0" smtClean="0"/>
-              <a:t>– X</a:t>
-            </a:r>
+            <a:endParaRPr lang="en-US" altLang="ko-KR" sz="2400" dirty="0"/>
           </a:p>
           <a:p>
             <a:pPr marL="0" indent="0">
@@ -6148,24 +6406,40 @@
           </a:p>
           <a:p>
             <a:r>
-              <a:rPr lang="ko-KR" altLang="en-US" sz="2400" dirty="0" smtClean="0"/>
+              <a:rPr lang="ko-KR" altLang="en-US" sz="2400" dirty="0"/>
+              <a:t>프로그래머 육성 </a:t>
+            </a:r>
+            <a:r>
+              <a:rPr lang="en-US" altLang="ko-KR" sz="2400" dirty="0"/>
+              <a:t>– X</a:t>
+            </a:r>
+          </a:p>
+          <a:p>
+            <a:pPr marL="0" indent="0">
+              <a:buNone/>
+            </a:pPr>
+            <a:endParaRPr lang="en-US" altLang="ko-KR" sz="2400" dirty="0"/>
+          </a:p>
+          <a:p>
+            <a:r>
+              <a:rPr lang="ko-KR" altLang="en-US" sz="2400" dirty="0"/>
               <a:t>코딩을 통해 컴퓨터의 사고 회로를 이해하고</a:t>
             </a:r>
             <a:r>
-              <a:rPr lang="en-US" altLang="ko-KR" sz="2400" dirty="0" smtClean="0"/>
+              <a:rPr lang="en-US" altLang="ko-KR" sz="2400" dirty="0"/>
               <a:t>, </a:t>
             </a:r>
             <a:r>
-              <a:rPr lang="ko-KR" altLang="en-US" sz="2400" dirty="0" smtClean="0"/>
+              <a:rPr lang="ko-KR" altLang="en-US" sz="2400" dirty="0"/>
               <a:t>논리적으로 사고하는 방법을 터득해 나가도록 돕는 것</a:t>
             </a:r>
-            <a:endParaRPr lang="en-US" altLang="ko-KR" sz="2400" dirty="0" smtClean="0"/>
+            <a:endParaRPr lang="en-US" altLang="ko-KR" sz="2400" dirty="0"/>
           </a:p>
           <a:p>
             <a:pPr marL="0" indent="0">
               <a:buNone/>
             </a:pPr>
-            <a:endParaRPr lang="en-US" altLang="ko-KR" dirty="0" smtClean="0"/>
+            <a:endParaRPr lang="en-US" altLang="ko-KR" dirty="0"/>
           </a:p>
           <a:p>
             <a:pPr marL="0" indent="0">
@@ -6185,13 +6459,6 @@
   <p:clrMapOvr>
     <a:masterClrMapping/>
   </p:clrMapOvr>
-  <p:timing>
-    <p:tnLst>
-      <p:par>
-        <p:cTn id="1" dur="indefinite" restart="never" nodeType="tmRoot"/>
-      </p:par>
-    </p:tnLst>
-  </p:timing>
 </p:sld>
 </file>
 
@@ -6228,10 +6495,9 @@
           <a:lstStyle/>
           <a:p>
             <a:r>
-              <a:rPr lang="ko-KR" altLang="en-US" dirty="0" smtClean="0"/>
+              <a:rPr lang="ko-KR" altLang="en-US" b="1" dirty="0"/>
               <a:t>문제 해결 능력</a:t>
             </a:r>
-            <a:endParaRPr lang="ko-KR" altLang="en-US" dirty="0"/>
           </a:p>
         </p:txBody>
       </p:sp>
@@ -6317,10 +6583,9 @@
           <a:lstStyle/>
           <a:p>
             <a:r>
-              <a:rPr lang="ko-KR" altLang="en-US" sz="8500" b="1" dirty="0" smtClean="0"/>
+              <a:rPr lang="ko-KR" altLang="en-US" sz="8500" b="1" dirty="0"/>
               <a:t>≒</a:t>
             </a:r>
-            <a:endParaRPr lang="ko-KR" altLang="en-US" sz="8500" b="1" dirty="0"/>
           </a:p>
         </p:txBody>
       </p:sp>
@@ -6334,13 +6599,6 @@
   <p:clrMapOvr>
     <a:masterClrMapping/>
   </p:clrMapOvr>
-  <p:timing>
-    <p:tnLst>
-      <p:par>
-        <p:cTn id="1" dur="indefinite" restart="never" nodeType="tmRoot"/>
-      </p:par>
-    </p:tnLst>
-  </p:timing>
 </p:sld>
 </file>
 
@@ -6363,7 +6621,13 @@
       </p:grpSpPr>
       <p:sp>
         <p:nvSpPr>
-          <p:cNvPr id="2" name="제목 1"/>
+          <p:cNvPr id="2" name="제목 1">
+            <a:extLst>
+              <a:ext uri="{FF2B5EF4-FFF2-40B4-BE49-F238E27FC236}">
+                <a16:creationId xmlns:a16="http://schemas.microsoft.com/office/drawing/2014/main" id="{7072FB78-215C-4CC7-899C-D47B6A305BFE}"/>
+              </a:ext>
+            </a:extLst>
+          </p:cNvPr>
           <p:cNvSpPr>
             <a:spLocks noGrp="1"/>
           </p:cNvSpPr>
@@ -6377,8 +6641,73 @@
           <a:lstStyle/>
           <a:p>
             <a:r>
+              <a:rPr lang="ko-KR" altLang="en-US" b="1" dirty="0"/>
+              <a:t>기존의 노력과 한계점</a:t>
+            </a:r>
+            <a:endParaRPr lang="ko-KR" altLang="en-US" dirty="0"/>
+          </a:p>
+        </p:txBody>
+      </p:sp>
+      <p:sp>
+        <p:nvSpPr>
+          <p:cNvPr id="3" name="내용 개체 틀 2">
+            <a:extLst>
+              <a:ext uri="{FF2B5EF4-FFF2-40B4-BE49-F238E27FC236}">
+                <a16:creationId xmlns:a16="http://schemas.microsoft.com/office/drawing/2014/main" id="{03972B0C-860F-4995-A1D6-125EED3166D5}"/>
+              </a:ext>
+            </a:extLst>
+          </p:cNvPr>
+          <p:cNvSpPr>
+            <a:spLocks noGrp="1"/>
+          </p:cNvSpPr>
+          <p:nvPr>
+            <p:ph sz="half" idx="1"/>
+          </p:nvPr>
+        </p:nvSpPr>
+        <p:spPr/>
+        <p:txBody>
+          <a:bodyPr/>
+          <a:lstStyle/>
+          <a:p>
+            <a:pPr marL="0" indent="0">
+              <a:buNone/>
+            </a:pPr>
+            <a:r>
+              <a:rPr lang="ko-KR" altLang="en-US" dirty="0"/>
+              <a:t>해외</a:t>
+            </a:r>
+            <a:endParaRPr lang="en-US" altLang="ko-KR" dirty="0"/>
+          </a:p>
+          <a:p>
+            <a:r>
+              <a:rPr lang="ko-KR" altLang="en-US" dirty="0"/>
+              <a:t>스크래치</a:t>
+            </a:r>
+            <a:r>
               <a:rPr lang="en-US" altLang="ko-KR" dirty="0"/>
-              <a:t>Gamification</a:t>
+              <a:t>(SCRATCH)</a:t>
+            </a:r>
+          </a:p>
+          <a:p>
+            <a:endParaRPr lang="en-US" altLang="ko-KR" dirty="0"/>
+          </a:p>
+          <a:p>
+            <a:endParaRPr lang="en-US" altLang="ko-KR" dirty="0"/>
+          </a:p>
+          <a:p>
+            <a:endParaRPr lang="en-US" altLang="ko-KR" dirty="0"/>
+          </a:p>
+          <a:p>
+            <a:endParaRPr lang="en-US" altLang="ko-KR" dirty="0"/>
+          </a:p>
+          <a:p>
+            <a:r>
+              <a:rPr lang="ko-KR" altLang="en-US" dirty="0" err="1"/>
+              <a:t>라즈베리파이</a:t>
+            </a:r>
+            <a:r>
+              <a:rPr lang="en-US" altLang="ko-KR" dirty="0"/>
+              <a:t>(Raspberry Pi)</a:t>
             </a:r>
             <a:endParaRPr lang="ko-KR" altLang="en-US" dirty="0"/>
           </a:p>
@@ -6386,161 +6715,236 @@
       </p:sp>
       <p:sp>
         <p:nvSpPr>
-          <p:cNvPr id="3" name="내용 개체 틀 2"/>
-          <p:cNvSpPr>
-            <a:spLocks noGrp="1"/>
-          </p:cNvSpPr>
-          <p:nvPr>
-            <p:ph idx="1"/>
-          </p:nvPr>
-        </p:nvSpPr>
+          <p:cNvPr id="4" name="내용 개체 틀 3">
+            <a:extLst>
+              <a:ext uri="{FF2B5EF4-FFF2-40B4-BE49-F238E27FC236}">
+                <a16:creationId xmlns:a16="http://schemas.microsoft.com/office/drawing/2014/main" id="{A8C23BE0-E2DD-415C-A97E-AC415D3F027B}"/>
+              </a:ext>
+            </a:extLst>
+          </p:cNvPr>
+          <p:cNvSpPr>
+            <a:spLocks noGrp="1"/>
+          </p:cNvSpPr>
+          <p:nvPr>
+            <p:ph sz="half" idx="2"/>
+          </p:nvPr>
+        </p:nvSpPr>
+        <p:spPr/>
+        <p:txBody>
+          <a:bodyPr/>
+          <a:lstStyle/>
+          <a:p>
+            <a:pPr marL="0" indent="0">
+              <a:buNone/>
+            </a:pPr>
+            <a:r>
+              <a:rPr lang="ko-KR" altLang="en-US" dirty="0"/>
+              <a:t>국내</a:t>
+            </a:r>
+            <a:endParaRPr lang="en-US" altLang="ko-KR" dirty="0"/>
+          </a:p>
+          <a:p>
+            <a:r>
+              <a:rPr lang="ko-KR" altLang="en-US" dirty="0"/>
+              <a:t>엔트리</a:t>
+            </a:r>
+            <a:r>
+              <a:rPr lang="en-US" altLang="ko-KR" dirty="0"/>
+              <a:t>(Entry)</a:t>
+            </a:r>
+          </a:p>
+          <a:p>
+            <a:endParaRPr lang="en-US" altLang="ko-KR" dirty="0"/>
+          </a:p>
+          <a:p>
+            <a:endParaRPr lang="en-US" altLang="ko-KR" dirty="0"/>
+          </a:p>
+          <a:p>
+            <a:endParaRPr lang="en-US" altLang="ko-KR" dirty="0"/>
+          </a:p>
+          <a:p>
+            <a:pPr marL="0" indent="0">
+              <a:buNone/>
+            </a:pPr>
+            <a:endParaRPr lang="en-US" altLang="ko-KR" dirty="0"/>
+          </a:p>
+          <a:p>
+            <a:r>
+              <a:rPr lang="ko-KR" altLang="en-US" dirty="0" err="1"/>
+              <a:t>마이크로빗</a:t>
+            </a:r>
+            <a:r>
+              <a:rPr lang="en-US" altLang="ko-KR" dirty="0"/>
+              <a:t>(</a:t>
+            </a:r>
+            <a:r>
+              <a:rPr lang="en-US" altLang="ko-KR" dirty="0" err="1"/>
+              <a:t>micro:bit</a:t>
+            </a:r>
+            <a:r>
+              <a:rPr lang="en-US" altLang="ko-KR" dirty="0"/>
+              <a:t>)</a:t>
+            </a:r>
+          </a:p>
+          <a:p>
+            <a:endParaRPr lang="en-US" altLang="ko-KR" dirty="0"/>
+          </a:p>
+        </p:txBody>
+      </p:sp>
+      <p:pic>
+        <p:nvPicPr>
+          <p:cNvPr id="5" name="그림 4">
+            <a:extLst>
+              <a:ext uri="{FF2B5EF4-FFF2-40B4-BE49-F238E27FC236}">
+                <a16:creationId xmlns:a16="http://schemas.microsoft.com/office/drawing/2014/main" id="{F403ADB5-8D5E-4972-BA80-24EF1DBF356C}"/>
+              </a:ext>
+            </a:extLst>
+          </p:cNvPr>
+          <p:cNvPicPr>
+            <a:picLocks noChangeAspect="1"/>
+          </p:cNvPicPr>
+          <p:nvPr/>
+        </p:nvPicPr>
+        <p:blipFill>
+          <a:blip r:embed="rId2" cstate="print">
+            <a:extLst>
+              <a:ext uri="{28A0092B-C50C-407E-A947-70E740481C1C}">
+                <a14:useLocalDpi xmlns:a14="http://schemas.microsoft.com/office/drawing/2010/main" val="0"/>
+              </a:ext>
+            </a:extLst>
+          </a:blip>
+          <a:stretch>
+            <a:fillRect/>
+          </a:stretch>
+        </p:blipFill>
         <p:spPr>
           <a:xfrm>
-            <a:off x="677334" y="2160589"/>
-            <a:ext cx="8596668" cy="4429992"/>
+            <a:off x="1201594" y="3015154"/>
+            <a:ext cx="2632176" cy="1498146"/>
           </a:xfrm>
+          <a:prstGeom prst="rect">
+            <a:avLst/>
+          </a:prstGeom>
         </p:spPr>
-        <p:txBody>
-          <a:bodyPr>
-            <a:normAutofit lnSpcReduction="10000"/>
-          </a:bodyPr>
-          <a:lstStyle/>
-          <a:p>
-            <a:pPr marL="0" indent="0">
-              <a:buNone/>
-            </a:pPr>
-            <a:r>
-              <a:rPr lang="en-US" altLang="ko-KR" sz="2400" dirty="0" err="1" smtClean="0"/>
-              <a:t>EduGame</a:t>
-            </a:r>
-            <a:endParaRPr lang="en-US" altLang="ko-KR" sz="2400" dirty="0"/>
-          </a:p>
-          <a:p>
-            <a:r>
-              <a:rPr lang="ko-KR" altLang="en-US" sz="2400" dirty="0" smtClean="0"/>
-              <a:t>게임과 교육을 묶어 흥미를 유도하는 방식</a:t>
-            </a:r>
-            <a:endParaRPr lang="en-US" altLang="ko-KR" sz="2400" dirty="0" smtClean="0"/>
-          </a:p>
-          <a:p>
-            <a:pPr marL="0" indent="0">
-              <a:buNone/>
-            </a:pPr>
-            <a:endParaRPr lang="en-US" altLang="ko-KR" sz="2400" dirty="0"/>
-          </a:p>
-          <a:p>
-            <a:r>
-              <a:rPr lang="en-US" altLang="ko-KR" sz="2400" dirty="0" smtClean="0"/>
-              <a:t>Kauffman Foundation </a:t>
-            </a:r>
-            <a:r>
-              <a:rPr lang="ko-KR" altLang="en-US" sz="2400" dirty="0" smtClean="0"/>
-              <a:t>연구결과 일반 수업과 비교해 학습 몰입도 </a:t>
-            </a:r>
-            <a:r>
-              <a:rPr lang="en-US" altLang="ko-KR" sz="2400" dirty="0" smtClean="0"/>
-              <a:t>10</a:t>
-            </a:r>
-            <a:r>
-              <a:rPr lang="ko-KR" altLang="en-US" sz="2400" dirty="0" smtClean="0"/>
-              <a:t>배</a:t>
-            </a:r>
-            <a:endParaRPr lang="en-US" altLang="ko-KR" sz="2400" dirty="0" smtClean="0"/>
-          </a:p>
-          <a:p>
-            <a:endParaRPr lang="en-US" altLang="ko-KR" sz="2400" dirty="0"/>
-          </a:p>
-          <a:p>
-            <a:r>
-              <a:rPr lang="ko-KR" altLang="en-US" sz="2400" dirty="0"/>
-              <a:t>비 게임 분야에 </a:t>
-            </a:r>
-            <a:r>
-              <a:rPr lang="en-US" altLang="ko-KR" sz="2400" dirty="0"/>
-              <a:t>‘</a:t>
-            </a:r>
-            <a:r>
-              <a:rPr lang="ko-KR" altLang="en-US" sz="2400" dirty="0"/>
-              <a:t>게임적 요소</a:t>
-            </a:r>
-            <a:r>
-              <a:rPr lang="en-US" altLang="ko-KR" sz="2400" dirty="0"/>
-              <a:t>’</a:t>
-            </a:r>
-            <a:r>
-              <a:rPr lang="ko-KR" altLang="en-US" sz="2400" dirty="0"/>
-              <a:t>를 집어넣어 학습에 흥미를 유도하고 </a:t>
-            </a:r>
-            <a:r>
-              <a:rPr lang="ko-KR" altLang="en-US" sz="2400" dirty="0" err="1"/>
-              <a:t>몰입감을</a:t>
-            </a:r>
-            <a:r>
-              <a:rPr lang="ko-KR" altLang="en-US" sz="2400" dirty="0"/>
-              <a:t> 높이는 효과</a:t>
-            </a:r>
-            <a:endParaRPr lang="en-US" altLang="ko-KR" sz="2400" dirty="0"/>
-          </a:p>
-          <a:p>
-            <a:endParaRPr lang="en-US" altLang="ko-KR" sz="2400" dirty="0"/>
-          </a:p>
-          <a:p>
-            <a:r>
-              <a:rPr lang="en-US" altLang="ko-KR" sz="2400" dirty="0"/>
-              <a:t>‘</a:t>
-            </a:r>
-            <a:r>
-              <a:rPr lang="ko-KR" altLang="en-US" sz="2400" dirty="0"/>
-              <a:t>중독</a:t>
-            </a:r>
-            <a:r>
-              <a:rPr lang="en-US" altLang="ko-KR" sz="2400" dirty="0"/>
-              <a:t>’</a:t>
-            </a:r>
-            <a:r>
-              <a:rPr lang="ko-KR" altLang="en-US" sz="2400" dirty="0"/>
-              <a:t>에서 </a:t>
-            </a:r>
-            <a:r>
-              <a:rPr lang="en-US" altLang="ko-KR" sz="2400" dirty="0"/>
-              <a:t>‘</a:t>
-            </a:r>
-            <a:r>
-              <a:rPr lang="ko-KR" altLang="en-US" sz="2400" dirty="0"/>
-              <a:t>몰입</a:t>
-            </a:r>
-            <a:r>
-              <a:rPr lang="en-US" altLang="ko-KR" sz="2400" dirty="0"/>
-              <a:t>’</a:t>
-            </a:r>
-            <a:r>
-              <a:rPr lang="ko-KR" altLang="en-US" sz="2400" dirty="0"/>
-              <a:t>으로</a:t>
-            </a:r>
-            <a:endParaRPr lang="en-US" altLang="ko-KR" sz="2400" dirty="0"/>
-          </a:p>
-          <a:p>
-            <a:endParaRPr lang="ko-KR" altLang="en-US" dirty="0"/>
-          </a:p>
-        </p:txBody>
-      </p:sp>
+      </p:pic>
+      <p:pic>
+        <p:nvPicPr>
+          <p:cNvPr id="6" name="내용 개체 틀 4" descr="텍스트, 전자기기, 회로이(가) 표시된 사진&#10;&#10;자동 생성된 설명">
+            <a:extLst>
+              <a:ext uri="{FF2B5EF4-FFF2-40B4-BE49-F238E27FC236}">
+                <a16:creationId xmlns:a16="http://schemas.microsoft.com/office/drawing/2014/main" id="{0F0E332E-5131-43DC-AF87-A44FCB5266F0}"/>
+              </a:ext>
+            </a:extLst>
+          </p:cNvPr>
+          <p:cNvPicPr>
+            <a:picLocks noChangeAspect="1"/>
+          </p:cNvPicPr>
+          <p:nvPr/>
+        </p:nvPicPr>
+        <p:blipFill>
+          <a:blip r:embed="rId3" cstate="print">
+            <a:extLst>
+              <a:ext uri="{28A0092B-C50C-407E-A947-70E740481C1C}">
+                <a14:useLocalDpi xmlns:a14="http://schemas.microsoft.com/office/drawing/2010/main" val="0"/>
+              </a:ext>
+            </a:extLst>
+          </a:blip>
+          <a:stretch>
+            <a:fillRect/>
+          </a:stretch>
+        </p:blipFill>
+        <p:spPr>
+          <a:xfrm>
+            <a:off x="6096000" y="4902868"/>
+            <a:ext cx="1753388" cy="1753388"/>
+          </a:xfrm>
+          <a:prstGeom prst="rect">
+            <a:avLst/>
+          </a:prstGeom>
+        </p:spPr>
+      </p:pic>
+      <p:pic>
+        <p:nvPicPr>
+          <p:cNvPr id="7" name="그림 6" descr="텍스트이(가) 표시된 사진&#10;&#10;자동 생성된 설명">
+            <a:extLst>
+              <a:ext uri="{FF2B5EF4-FFF2-40B4-BE49-F238E27FC236}">
+                <a16:creationId xmlns:a16="http://schemas.microsoft.com/office/drawing/2014/main" id="{B4A615C8-2151-449A-B6BB-740C5B8568CA}"/>
+              </a:ext>
+            </a:extLst>
+          </p:cNvPr>
+          <p:cNvPicPr>
+            <a:picLocks noChangeAspect="1"/>
+          </p:cNvPicPr>
+          <p:nvPr/>
+        </p:nvPicPr>
+        <p:blipFill>
+          <a:blip r:embed="rId4" cstate="print">
+            <a:extLst>
+              <a:ext uri="{28A0092B-C50C-407E-A947-70E740481C1C}">
+                <a14:useLocalDpi xmlns:a14="http://schemas.microsoft.com/office/drawing/2010/main" val="0"/>
+              </a:ext>
+            </a:extLst>
+          </a:blip>
+          <a:stretch>
+            <a:fillRect/>
+          </a:stretch>
+        </p:blipFill>
+        <p:spPr>
+          <a:xfrm>
+            <a:off x="5977242" y="3015154"/>
+            <a:ext cx="1990904" cy="1390522"/>
+          </a:xfrm>
+          <a:prstGeom prst="rect">
+            <a:avLst/>
+          </a:prstGeom>
+        </p:spPr>
+      </p:pic>
+      <p:pic>
+        <p:nvPicPr>
+          <p:cNvPr id="9" name="그림 8" descr="텍스트, 전자기기, 회로이(가) 표시된 사진&#10;&#10;자동 생성된 설명">
+            <a:extLst>
+              <a:ext uri="{FF2B5EF4-FFF2-40B4-BE49-F238E27FC236}">
+                <a16:creationId xmlns:a16="http://schemas.microsoft.com/office/drawing/2014/main" id="{C853C2C9-B400-48DE-9C78-B3DD3B77415D}"/>
+              </a:ext>
+            </a:extLst>
+          </p:cNvPr>
+          <p:cNvPicPr>
+            <a:picLocks noChangeAspect="1"/>
+          </p:cNvPicPr>
+          <p:nvPr/>
+        </p:nvPicPr>
+        <p:blipFill>
+          <a:blip r:embed="rId5">
+            <a:extLst>
+              <a:ext uri="{28A0092B-C50C-407E-A947-70E740481C1C}">
+                <a14:useLocalDpi xmlns:a14="http://schemas.microsoft.com/office/drawing/2010/main" val="0"/>
+              </a:ext>
+            </a:extLst>
+          </a:blip>
+          <a:stretch>
+            <a:fillRect/>
+          </a:stretch>
+        </p:blipFill>
+        <p:spPr>
+          <a:xfrm>
+            <a:off x="1511986" y="5043094"/>
+            <a:ext cx="2011392" cy="1340928"/>
+          </a:xfrm>
+          <a:prstGeom prst="rect">
+            <a:avLst/>
+          </a:prstGeom>
+        </p:spPr>
+      </p:pic>
     </p:spTree>
     <p:extLst>
       <p:ext uri="{BB962C8B-B14F-4D97-AF65-F5344CB8AC3E}">
-        <p14:creationId xmlns:p14="http://schemas.microsoft.com/office/powerpoint/2010/main" val="3928325023"/>
+        <p14:creationId xmlns:p14="http://schemas.microsoft.com/office/powerpoint/2010/main" val="3402749031"/>
       </p:ext>
     </p:extLst>
   </p:cSld>
   <p:clrMapOvr>
     <a:masterClrMapping/>
   </p:clrMapOvr>
-  <p:timing>
-    <p:tnLst>
-      <p:par>
-        <p:cTn id="1" dur="indefinite" restart="never" nodeType="tmRoot"/>
-      </p:par>
-    </p:tnLst>
-  </p:timing>
 </p:sld>
 </file>
 
@@ -6577,17 +6981,10 @@
           <a:lstStyle/>
           <a:p>
             <a:r>
-              <a:rPr lang="ko-KR" altLang="en-US" dirty="0" smtClean="0"/>
-              <a:t>제목</a:t>
-            </a:r>
-            <a:r>
-              <a:rPr lang="en-US" altLang="ko-KR" dirty="0" smtClean="0"/>
-              <a:t/>
-            </a:r>
-            <a:br>
-              <a:rPr lang="en-US" altLang="ko-KR" dirty="0" smtClean="0"/>
-            </a:br>
-            <a:endParaRPr lang="ko-KR" altLang="en-US" dirty="0"/>
+              <a:rPr lang="en-US" altLang="ko-KR" b="1" dirty="0"/>
+              <a:t>Gamification</a:t>
+            </a:r>
+            <a:endParaRPr lang="ko-KR" altLang="en-US" b="1" dirty="0"/>
           </a:p>
         </p:txBody>
       </p:sp>
@@ -6601,10 +6998,15 @@
             <p:ph idx="1"/>
           </p:nvPr>
         </p:nvSpPr>
-        <p:spPr/>
+        <p:spPr>
+          <a:xfrm>
+            <a:off x="677334" y="2160589"/>
+            <a:ext cx="8596668" cy="4429992"/>
+          </a:xfrm>
+        </p:spPr>
         <p:txBody>
           <a:bodyPr>
-            <a:normAutofit/>
+            <a:normAutofit lnSpcReduction="10000"/>
           </a:bodyPr>
           <a:lstStyle/>
           <a:p>
@@ -6612,9 +7014,17 @@
               <a:buNone/>
             </a:pPr>
             <a:r>
-              <a:rPr lang="en-US" altLang="ko-KR" sz="2400" b="1" dirty="0" smtClean="0"/>
-              <a:t>Better To Do Once</a:t>
-            </a:r>
+              <a:rPr lang="en-US" altLang="ko-KR" sz="2400" dirty="0" err="1"/>
+              <a:t>EduGame</a:t>
+            </a:r>
+            <a:endParaRPr lang="en-US" altLang="ko-KR" sz="2400" dirty="0"/>
+          </a:p>
+          <a:p>
+            <a:r>
+              <a:rPr lang="ko-KR" altLang="en-US" sz="2400" dirty="0"/>
+              <a:t>놀이와 교육을 묶어 흥미를 유도하는 방식</a:t>
+            </a:r>
+            <a:endParaRPr lang="en-US" altLang="ko-KR" sz="2400" dirty="0"/>
           </a:p>
           <a:p>
             <a:pPr marL="0" indent="0">
@@ -6623,123 +7033,119 @@
             <a:endParaRPr lang="en-US" altLang="ko-KR" sz="2400" dirty="0"/>
           </a:p>
           <a:p>
-            <a:pPr marL="0" indent="0">
-              <a:buNone/>
-            </a:pPr>
-            <a:r>
-              <a:rPr lang="ko-KR" altLang="en-US" sz="2400" dirty="0" smtClean="0"/>
-              <a:t>백문</a:t>
-            </a:r>
-            <a:r>
-              <a:rPr lang="en-US" altLang="ko-KR" sz="2400" dirty="0" smtClean="0"/>
-              <a:t>(</a:t>
-            </a:r>
-            <a:r>
-              <a:rPr lang="ko-KR" altLang="en-US" sz="2400" dirty="0" smtClean="0"/>
-              <a:t>百聞</a:t>
-            </a:r>
-            <a:r>
-              <a:rPr lang="en-US" altLang="ko-KR" sz="2400" dirty="0" smtClean="0"/>
-              <a:t>)</a:t>
-            </a:r>
-            <a:r>
-              <a:rPr lang="ko-KR" altLang="en-US" sz="2400" dirty="0" smtClean="0"/>
-              <a:t>이 </a:t>
-            </a:r>
-            <a:r>
-              <a:rPr lang="ko-KR" altLang="en-US" sz="2400" dirty="0" err="1" smtClean="0"/>
-              <a:t>불여일견</a:t>
-            </a:r>
-            <a:r>
-              <a:rPr lang="en-US" altLang="ko-KR" sz="2400" dirty="0" smtClean="0"/>
-              <a:t>(</a:t>
-            </a:r>
-            <a:r>
-              <a:rPr lang="ko-KR" altLang="en-US" sz="2400" dirty="0" smtClean="0"/>
-              <a:t>不如一見</a:t>
-            </a:r>
-            <a:r>
-              <a:rPr lang="en-US" altLang="ko-KR" sz="2400" dirty="0" smtClean="0"/>
-              <a:t>)</a:t>
-            </a:r>
-          </a:p>
-          <a:p>
-            <a:r>
-              <a:rPr lang="ko-KR" altLang="en-US" sz="2400" dirty="0" smtClean="0"/>
-              <a:t>백 번 듣는 것 보다 한 번 보는 것이 낫다</a:t>
-            </a:r>
-            <a:endParaRPr lang="en-US" altLang="ko-KR" sz="2400" dirty="0" smtClean="0"/>
-          </a:p>
-          <a:p>
+            <a:r>
+              <a:rPr lang="ko-KR" altLang="en-US" sz="2400" dirty="0" err="1"/>
+              <a:t>커프만</a:t>
+            </a:r>
+            <a:r>
+              <a:rPr lang="ko-KR" altLang="en-US" sz="2400" dirty="0"/>
+              <a:t> 재단</a:t>
+            </a:r>
+            <a:r>
+              <a:rPr lang="en-US" altLang="ko-KR" sz="2400" dirty="0"/>
+              <a:t>(Kauffman Foundation) </a:t>
+            </a:r>
+            <a:r>
+              <a:rPr lang="ko-KR" altLang="en-US" sz="2400" dirty="0"/>
+              <a:t>연구결과 일반 수업과 비교해 학습 몰입도 </a:t>
+            </a:r>
+            <a:r>
+              <a:rPr lang="en-US" altLang="ko-KR" sz="2400" dirty="0"/>
+              <a:t>10</a:t>
+            </a:r>
+            <a:r>
+              <a:rPr lang="ko-KR" altLang="en-US" sz="2400" dirty="0"/>
+              <a:t>배</a:t>
+            </a:r>
             <a:endParaRPr lang="en-US" altLang="ko-KR" sz="2400" dirty="0"/>
           </a:p>
           <a:p>
-            <a:pPr marL="0" indent="0">
-              <a:buNone/>
-            </a:pPr>
-            <a:r>
-              <a:rPr lang="ko-KR" altLang="en-US" sz="2400" dirty="0" err="1" smtClean="0"/>
-              <a:t>백견</a:t>
-            </a:r>
-            <a:r>
-              <a:rPr lang="en-US" altLang="ko-KR" sz="2400" dirty="0" smtClean="0"/>
-              <a:t>(</a:t>
-            </a:r>
-            <a:r>
-              <a:rPr lang="ko-KR" altLang="en-US" sz="2400" dirty="0" smtClean="0"/>
-              <a:t>百見</a:t>
-            </a:r>
-            <a:r>
-              <a:rPr lang="en-US" altLang="ko-KR" sz="2400" dirty="0" smtClean="0"/>
-              <a:t>)</a:t>
-            </a:r>
-            <a:r>
-              <a:rPr lang="ko-KR" altLang="en-US" sz="2400" dirty="0" smtClean="0"/>
-              <a:t>이 </a:t>
-            </a:r>
-            <a:r>
-              <a:rPr lang="ko-KR" altLang="en-US" sz="2400" dirty="0" err="1" smtClean="0"/>
-              <a:t>불여일주</a:t>
-            </a:r>
-            <a:r>
-              <a:rPr lang="en-US" altLang="ko-KR" sz="2400" dirty="0" smtClean="0"/>
-              <a:t>(</a:t>
-            </a:r>
-            <a:r>
-              <a:rPr lang="ko-KR" altLang="en-US" sz="2400" dirty="0" smtClean="0"/>
-              <a:t>不如一做</a:t>
-            </a:r>
-            <a:r>
-              <a:rPr lang="en-US" altLang="ko-KR" sz="2400" dirty="0" smtClean="0"/>
-              <a:t>)</a:t>
-            </a:r>
-          </a:p>
-          <a:p>
-            <a:r>
-              <a:rPr lang="ko-KR" altLang="en-US" sz="2400" dirty="0" smtClean="0"/>
-              <a:t>백 번 보는 것 보다 한 번 하는 것이 낫다</a:t>
-            </a:r>
-            <a:endParaRPr lang="ko-KR" altLang="en-US" sz="2400" dirty="0"/>
+            <a:endParaRPr lang="en-US" altLang="ko-KR" sz="2400" dirty="0"/>
+          </a:p>
+          <a:p>
+            <a:r>
+              <a:rPr lang="ko-KR" altLang="en-US" sz="2400" dirty="0"/>
+              <a:t>비 게임 분야에 </a:t>
+            </a:r>
+            <a:r>
+              <a:rPr lang="en-US" altLang="ko-KR" sz="2400" dirty="0"/>
+              <a:t>‘</a:t>
+            </a:r>
+            <a:r>
+              <a:rPr lang="ko-KR" altLang="en-US" sz="2400" dirty="0"/>
+              <a:t>게임적 요소</a:t>
+            </a:r>
+            <a:r>
+              <a:rPr lang="en-US" altLang="ko-KR" sz="2400" dirty="0"/>
+              <a:t>’</a:t>
+            </a:r>
+            <a:r>
+              <a:rPr lang="ko-KR" altLang="en-US" sz="2400" dirty="0"/>
+              <a:t>를 집어넣어 학습에 흥미를 유도하고 </a:t>
+            </a:r>
+            <a:r>
+              <a:rPr lang="ko-KR" altLang="en-US" sz="2400" dirty="0" err="1"/>
+              <a:t>몰입감을</a:t>
+            </a:r>
+            <a:r>
+              <a:rPr lang="ko-KR" altLang="en-US" sz="2400" dirty="0"/>
+              <a:t> 높이는 효과</a:t>
+            </a:r>
+            <a:endParaRPr lang="en-US" altLang="ko-KR" sz="2400" dirty="0"/>
+          </a:p>
+          <a:p>
+            <a:endParaRPr lang="en-US" altLang="ko-KR" sz="2400" dirty="0"/>
+          </a:p>
+          <a:p>
+            <a:r>
+              <a:rPr lang="en-US" altLang="ko-KR" sz="2400" dirty="0"/>
+              <a:t>‘</a:t>
+            </a:r>
+            <a:r>
+              <a:rPr lang="ko-KR" altLang="en-US" sz="2400" dirty="0"/>
+              <a:t>중독</a:t>
+            </a:r>
+            <a:r>
+              <a:rPr lang="en-US" altLang="ko-KR" sz="2400" dirty="0"/>
+              <a:t>’</a:t>
+            </a:r>
+            <a:r>
+              <a:rPr lang="ko-KR" altLang="en-US" sz="2400" dirty="0"/>
+              <a:t>에서 </a:t>
+            </a:r>
+            <a:r>
+              <a:rPr lang="en-US" altLang="ko-KR" sz="2400" dirty="0"/>
+              <a:t>‘</a:t>
+            </a:r>
+            <a:r>
+              <a:rPr lang="ko-KR" altLang="en-US" sz="2400" dirty="0"/>
+              <a:t>몰입</a:t>
+            </a:r>
+            <a:r>
+              <a:rPr lang="en-US" altLang="ko-KR" sz="2400" dirty="0"/>
+              <a:t>’</a:t>
+            </a:r>
+            <a:r>
+              <a:rPr lang="ko-KR" altLang="en-US" sz="2400" dirty="0"/>
+              <a:t>으로</a:t>
+            </a:r>
+            <a:endParaRPr lang="en-US" altLang="ko-KR" sz="2400" dirty="0"/>
+          </a:p>
+          <a:p>
+            <a:endParaRPr lang="ko-KR" altLang="en-US" dirty="0"/>
           </a:p>
         </p:txBody>
       </p:sp>
     </p:spTree>
     <p:extLst>
       <p:ext uri="{BB962C8B-B14F-4D97-AF65-F5344CB8AC3E}">
-        <p14:creationId xmlns:p14="http://schemas.microsoft.com/office/powerpoint/2010/main" val="450290387"/>
+        <p14:creationId xmlns:p14="http://schemas.microsoft.com/office/powerpoint/2010/main" val="3928325023"/>
       </p:ext>
     </p:extLst>
   </p:cSld>
   <p:clrMapOvr>
     <a:masterClrMapping/>
   </p:clrMapOvr>
-  <p:timing>
-    <p:tnLst>
-      <p:par>
-        <p:cTn id="1" dur="indefinite" restart="never" nodeType="tmRoot"/>
-      </p:par>
-    </p:tnLst>
-  </p:timing>
 </p:sld>
 </file>
 
@@ -6776,10 +7182,197 @@
           <a:lstStyle/>
           <a:p>
             <a:r>
-              <a:rPr lang="ko-KR" altLang="en-US" dirty="0" smtClean="0"/>
-              <a:t>장르</a:t>
-            </a:r>
+              <a:rPr lang="en-US" altLang="ko-KR" b="1" dirty="0"/>
+              <a:t>Title</a:t>
+            </a:r>
+            <a:br>
+              <a:rPr lang="en-US" altLang="ko-KR" dirty="0"/>
+            </a:br>
             <a:endParaRPr lang="ko-KR" altLang="en-US" dirty="0"/>
+          </a:p>
+        </p:txBody>
+      </p:sp>
+      <p:sp>
+        <p:nvSpPr>
+          <p:cNvPr id="3" name="내용 개체 틀 2"/>
+          <p:cNvSpPr>
+            <a:spLocks noGrp="1"/>
+          </p:cNvSpPr>
+          <p:nvPr>
+            <p:ph idx="1"/>
+          </p:nvPr>
+        </p:nvSpPr>
+        <p:spPr/>
+        <p:txBody>
+          <a:bodyPr>
+            <a:normAutofit/>
+          </a:bodyPr>
+          <a:lstStyle/>
+          <a:p>
+            <a:pPr marL="0" indent="0">
+              <a:buNone/>
+            </a:pPr>
+            <a:r>
+              <a:rPr lang="en-US" altLang="ko-KR" sz="2400" b="1" dirty="0"/>
+              <a:t>Better To Do Once</a:t>
+            </a:r>
+          </a:p>
+          <a:p>
+            <a:pPr marL="0" indent="0">
+              <a:buNone/>
+            </a:pPr>
+            <a:endParaRPr lang="en-US" altLang="ko-KR" sz="2400" dirty="0"/>
+          </a:p>
+          <a:p>
+            <a:pPr marL="0" indent="0">
+              <a:buNone/>
+            </a:pPr>
+            <a:r>
+              <a:rPr lang="ko-KR" altLang="en-US" sz="2400" dirty="0"/>
+              <a:t>백문</a:t>
+            </a:r>
+            <a:r>
+              <a:rPr lang="en-US" altLang="ko-KR" sz="2400" dirty="0"/>
+              <a:t>(</a:t>
+            </a:r>
+            <a:r>
+              <a:rPr lang="ko-KR" altLang="en-US" sz="2400" dirty="0"/>
+              <a:t>百聞</a:t>
+            </a:r>
+            <a:r>
+              <a:rPr lang="en-US" altLang="ko-KR" sz="2400" dirty="0"/>
+              <a:t>)</a:t>
+            </a:r>
+            <a:r>
+              <a:rPr lang="ko-KR" altLang="en-US" sz="2400" dirty="0"/>
+              <a:t>이 </a:t>
+            </a:r>
+            <a:r>
+              <a:rPr lang="ko-KR" altLang="en-US" sz="2400" dirty="0" err="1"/>
+              <a:t>불여일견</a:t>
+            </a:r>
+            <a:r>
+              <a:rPr lang="en-US" altLang="ko-KR" sz="2400" dirty="0"/>
+              <a:t>(</a:t>
+            </a:r>
+            <a:r>
+              <a:rPr lang="ko-KR" altLang="en-US" sz="2400" dirty="0"/>
+              <a:t>不如一見</a:t>
+            </a:r>
+            <a:r>
+              <a:rPr lang="en-US" altLang="ko-KR" sz="2400" dirty="0"/>
+              <a:t>)</a:t>
+            </a:r>
+          </a:p>
+          <a:p>
+            <a:r>
+              <a:rPr lang="ko-KR" altLang="en-US" sz="2400" dirty="0"/>
+              <a:t>백 번 듣는 것 보다 한 번 보는 것이 낫다</a:t>
+            </a:r>
+            <a:endParaRPr lang="en-US" altLang="ko-KR" sz="2400" dirty="0"/>
+          </a:p>
+          <a:p>
+            <a:endParaRPr lang="en-US" altLang="ko-KR" sz="2400" dirty="0"/>
+          </a:p>
+          <a:p>
+            <a:pPr marL="0" indent="0">
+              <a:buNone/>
+            </a:pPr>
+            <a:r>
+              <a:rPr lang="ko-KR" altLang="en-US" sz="2400" dirty="0" err="1"/>
+              <a:t>백견</a:t>
+            </a:r>
+            <a:r>
+              <a:rPr lang="en-US" altLang="ko-KR" sz="2400" dirty="0"/>
+              <a:t>(</a:t>
+            </a:r>
+            <a:r>
+              <a:rPr lang="ko-KR" altLang="en-US" sz="2400" dirty="0"/>
+              <a:t>百見</a:t>
+            </a:r>
+            <a:r>
+              <a:rPr lang="en-US" altLang="ko-KR" sz="2400" dirty="0"/>
+              <a:t>)</a:t>
+            </a:r>
+            <a:r>
+              <a:rPr lang="ko-KR" altLang="en-US" sz="2400" dirty="0"/>
+              <a:t>이 </a:t>
+            </a:r>
+            <a:r>
+              <a:rPr lang="ko-KR" altLang="en-US" sz="2400" dirty="0" err="1"/>
+              <a:t>불여일주</a:t>
+            </a:r>
+            <a:r>
+              <a:rPr lang="en-US" altLang="ko-KR" sz="2400" dirty="0"/>
+              <a:t>(</a:t>
+            </a:r>
+            <a:r>
+              <a:rPr lang="ko-KR" altLang="en-US" sz="2400" dirty="0"/>
+              <a:t>不如一做</a:t>
+            </a:r>
+            <a:r>
+              <a:rPr lang="en-US" altLang="ko-KR" sz="2400" dirty="0"/>
+              <a:t>)</a:t>
+            </a:r>
+          </a:p>
+          <a:p>
+            <a:r>
+              <a:rPr lang="ko-KR" altLang="en-US" sz="2400" dirty="0"/>
+              <a:t>백 번 보는 것 보다 한 번 하는 것이 낫다</a:t>
+            </a:r>
+          </a:p>
+        </p:txBody>
+      </p:sp>
+    </p:spTree>
+    <p:extLst>
+      <p:ext uri="{BB962C8B-B14F-4D97-AF65-F5344CB8AC3E}">
+        <p14:creationId xmlns:p14="http://schemas.microsoft.com/office/powerpoint/2010/main" val="450290387"/>
+      </p:ext>
+    </p:extLst>
+  </p:cSld>
+  <p:clrMapOvr>
+    <a:masterClrMapping/>
+  </p:clrMapOvr>
+</p:sld>
+</file>
+
+<file path=ppt/slides/slide8.xml><?xml version="1.0" encoding="utf-8"?>
+<p:sld xmlns:a="http://schemas.openxmlformats.org/drawingml/2006/main" xmlns:r="http://schemas.openxmlformats.org/officeDocument/2006/relationships" xmlns:p="http://schemas.openxmlformats.org/presentationml/2006/main">
+  <p:cSld>
+    <p:spTree>
+      <p:nvGrpSpPr>
+        <p:cNvPr id="1" name=""/>
+        <p:cNvGrpSpPr/>
+        <p:nvPr/>
+      </p:nvGrpSpPr>
+      <p:grpSpPr>
+        <a:xfrm>
+          <a:off x="0" y="0"/>
+          <a:ext cx="0" cy="0"/>
+          <a:chOff x="0" y="0"/>
+          <a:chExt cx="0" cy="0"/>
+        </a:xfrm>
+      </p:grpSpPr>
+      <p:sp>
+        <p:nvSpPr>
+          <p:cNvPr id="2" name="제목 1"/>
+          <p:cNvSpPr>
+            <a:spLocks noGrp="1"/>
+          </p:cNvSpPr>
+          <p:nvPr>
+            <p:ph type="title"/>
+          </p:nvPr>
+        </p:nvSpPr>
+        <p:spPr/>
+        <p:txBody>
+          <a:bodyPr/>
+          <a:lstStyle/>
+          <a:p>
+            <a:r>
+              <a:rPr lang="en-US" altLang="ko-KR" b="1" dirty="0"/>
+              <a:t>Genre</a:t>
+            </a:r>
+            <a:endParaRPr lang="ko-KR" altLang="en-US" b="1" dirty="0"/>
           </a:p>
         </p:txBody>
       </p:sp>
@@ -6816,11 +7409,7 @@
           <a:p>
             <a:r>
               <a:rPr lang="ko-KR" altLang="en-US" sz="2400" dirty="0"/>
-              <a:t>주어진 문제 상황을 여러 제한조건 아래에서 해결하는 </a:t>
-            </a:r>
-            <a:r>
-              <a:rPr lang="ko-KR" altLang="en-US" sz="2400" dirty="0" smtClean="0"/>
-              <a:t>것</a:t>
+              <a:t>주어진 문제 상황을 여러 제한조건 아래에서 해결하는 것</a:t>
             </a:r>
             <a:endParaRPr lang="en-US" altLang="ko-KR" sz="2400" b="1" dirty="0"/>
           </a:p>
@@ -6829,29 +7418,29 @@
               <a:buNone/>
             </a:pPr>
             <a:r>
-              <a:rPr lang="en-US" altLang="ko-KR" sz="2400" b="1" dirty="0" smtClean="0"/>
+              <a:rPr lang="en-US" altLang="ko-KR" sz="2400" b="1" dirty="0"/>
               <a:t>Puzzle Game</a:t>
             </a:r>
           </a:p>
           <a:p>
             <a:r>
-              <a:rPr lang="ko-KR" altLang="en-US" sz="2400" dirty="0" smtClean="0"/>
+              <a:rPr lang="ko-KR" altLang="en-US" sz="2400" dirty="0"/>
               <a:t>어려운 문제</a:t>
             </a:r>
             <a:r>
-              <a:rPr lang="en-US" altLang="ko-KR" sz="2400" dirty="0" smtClean="0"/>
+              <a:rPr lang="en-US" altLang="ko-KR" sz="2400" dirty="0"/>
               <a:t>, </a:t>
             </a:r>
             <a:r>
-              <a:rPr lang="ko-KR" altLang="en-US" sz="2400" dirty="0" smtClean="0"/>
+              <a:rPr lang="ko-KR" altLang="en-US" sz="2400" dirty="0"/>
               <a:t>깊게 생각하게 만드는 문제</a:t>
             </a:r>
             <a:r>
-              <a:rPr lang="en-US" altLang="ko-KR" sz="2400" dirty="0" smtClean="0"/>
+              <a:rPr lang="en-US" altLang="ko-KR" sz="2400" dirty="0"/>
               <a:t>,</a:t>
             </a:r>
             <a:r>
-              <a:rPr lang="ko-KR" altLang="en-US" sz="2400" dirty="0" smtClean="0"/>
+              <a:rPr lang="ko-KR" altLang="en-US" sz="2400" dirty="0"/>
               <a:t> 어떠한 규칙 내에서 정해진 행위를 통해 조건을 완료하는 게임</a:t>
             </a:r>
             <a:endParaRPr lang="en-US" altLang="ko-KR" sz="2400" dirty="0"/>
@@ -6958,171 +7547,6 @@
   <p:clrMapOvr>
     <a:masterClrMapping/>
   </p:clrMapOvr>
-  <p:timing>
-    <p:tnLst>
-      <p:par>
-        <p:cTn id="1" dur="indefinite" restart="never" nodeType="tmRoot"/>
-      </p:par>
-    </p:tnLst>
-  </p:timing>
-</p:sld>
-</file>
-
-<file path=ppt/slides/slide8.xml><?xml version="1.0" encoding="utf-8"?>
-<p:sld xmlns:a="http://schemas.openxmlformats.org/drawingml/2006/main" xmlns:r="http://schemas.openxmlformats.org/officeDocument/2006/relationships" xmlns:p="http://schemas.openxmlformats.org/presentationml/2006/main">
-  <p:cSld>
-    <p:spTree>
-      <p:nvGrpSpPr>
-        <p:cNvPr id="1" name=""/>
-        <p:cNvGrpSpPr/>
-        <p:nvPr/>
-      </p:nvGrpSpPr>
-      <p:grpSpPr>
-        <a:xfrm>
-          <a:off x="0" y="0"/>
-          <a:ext cx="0" cy="0"/>
-          <a:chOff x="0" y="0"/>
-          <a:chExt cx="0" cy="0"/>
-        </a:xfrm>
-      </p:grpSpPr>
-      <p:sp>
-        <p:nvSpPr>
-          <p:cNvPr id="2" name="제목 1"/>
-          <p:cNvSpPr>
-            <a:spLocks noGrp="1"/>
-          </p:cNvSpPr>
-          <p:nvPr>
-            <p:ph type="title"/>
-          </p:nvPr>
-        </p:nvSpPr>
-        <p:spPr/>
-        <p:txBody>
-          <a:bodyPr/>
-          <a:lstStyle/>
-          <a:p>
-            <a:r>
-              <a:rPr lang="en-US" altLang="ko-KR" dirty="0" smtClean="0"/>
-              <a:t>Target</a:t>
-            </a:r>
-            <a:endParaRPr lang="ko-KR" altLang="en-US" dirty="0"/>
-          </a:p>
-        </p:txBody>
-      </p:sp>
-      <p:sp>
-        <p:nvSpPr>
-          <p:cNvPr id="3" name="내용 개체 틀 2"/>
-          <p:cNvSpPr>
-            <a:spLocks noGrp="1"/>
-          </p:cNvSpPr>
-          <p:nvPr>
-            <p:ph idx="1"/>
-          </p:nvPr>
-        </p:nvSpPr>
-        <p:spPr/>
-        <p:txBody>
-          <a:bodyPr>
-            <a:normAutofit/>
-          </a:bodyPr>
-          <a:lstStyle/>
-          <a:p>
-            <a:pPr marL="0" indent="0">
-              <a:buNone/>
-            </a:pPr>
-            <a:endParaRPr lang="en-US" altLang="ko-KR" sz="2600" b="1" dirty="0" smtClean="0"/>
-          </a:p>
-          <a:p>
-            <a:pPr marL="0" indent="0">
-              <a:buNone/>
-            </a:pPr>
-            <a:endParaRPr lang="en-US" altLang="ko-KR" sz="2600" b="1" dirty="0" smtClean="0"/>
-          </a:p>
-          <a:p>
-            <a:r>
-              <a:rPr lang="ko-KR" altLang="en-US" sz="2400" dirty="0" smtClean="0"/>
-              <a:t>표면적 수요자 </a:t>
-            </a:r>
-            <a:r>
-              <a:rPr lang="en-US" altLang="ko-KR" sz="2400" dirty="0" smtClean="0"/>
-              <a:t>: </a:t>
-            </a:r>
-            <a:r>
-              <a:rPr lang="ko-KR" altLang="en-US" sz="2400" dirty="0" smtClean="0"/>
-              <a:t>기초 </a:t>
-            </a:r>
-            <a:r>
-              <a:rPr lang="ko-KR" altLang="en-US" sz="2400" dirty="0" err="1" smtClean="0"/>
-              <a:t>코딩교육</a:t>
-            </a:r>
-            <a:r>
-              <a:rPr lang="ko-KR" altLang="en-US" sz="2400" dirty="0" smtClean="0"/>
-              <a:t> 대상자</a:t>
-            </a:r>
-            <a:r>
-              <a:rPr lang="en-US" altLang="ko-KR" sz="2400" dirty="0" smtClean="0"/>
-              <a:t>, </a:t>
-            </a:r>
-            <a:r>
-              <a:rPr lang="ko-KR" altLang="en-US" sz="2400" dirty="0" smtClean="0"/>
-              <a:t>주요 </a:t>
-            </a:r>
-            <a:r>
-              <a:rPr lang="ko-KR" altLang="en-US" sz="2400" dirty="0" err="1" smtClean="0"/>
-              <a:t>이용층은</a:t>
-            </a:r>
-            <a:r>
-              <a:rPr lang="ko-KR" altLang="en-US" sz="2400" dirty="0" smtClean="0"/>
-              <a:t> </a:t>
-            </a:r>
-            <a:r>
-              <a:rPr lang="en-US" altLang="ko-KR" sz="2400" dirty="0" smtClean="0"/>
-              <a:t>8~16</a:t>
-            </a:r>
-            <a:r>
-              <a:rPr lang="ko-KR" altLang="en-US" sz="2400" dirty="0" smtClean="0"/>
-              <a:t>세의 학생들로 예상됨</a:t>
-            </a:r>
-            <a:endParaRPr lang="en-US" altLang="ko-KR" sz="2400" dirty="0" smtClean="0"/>
-          </a:p>
-          <a:p>
-            <a:pPr marL="0" indent="0">
-              <a:buNone/>
-            </a:pPr>
-            <a:endParaRPr lang="en-US" altLang="ko-KR" sz="2400" dirty="0"/>
-          </a:p>
-          <a:p>
-            <a:r>
-              <a:rPr lang="ko-KR" altLang="en-US" sz="2400" dirty="0" smtClean="0"/>
-              <a:t>소프트웨어 교육 교육자</a:t>
-            </a:r>
-            <a:r>
-              <a:rPr lang="en-US" altLang="ko-KR" sz="2400" dirty="0"/>
-              <a:t> </a:t>
-            </a:r>
-            <a:r>
-              <a:rPr lang="ko-KR" altLang="en-US" sz="2400" dirty="0" smtClean="0"/>
-              <a:t>집단</a:t>
-            </a:r>
-            <a:endParaRPr lang="ko-KR" altLang="en-US" sz="2400" dirty="0"/>
-          </a:p>
-        </p:txBody>
-      </p:sp>
-    </p:spTree>
-    <p:extLst>
-      <p:ext uri="{BB962C8B-B14F-4D97-AF65-F5344CB8AC3E}">
-        <p14:creationId xmlns:p14="http://schemas.microsoft.com/office/powerpoint/2010/main" val="2529000192"/>
-      </p:ext>
-    </p:extLst>
-  </p:cSld>
-  <p:clrMapOvr>
-    <a:masterClrMapping/>
-  </p:clrMapOvr>
-  <p:timing>
-    <p:tnLst>
-      <p:par>
-        <p:cTn id="1" dur="indefinite" restart="never" nodeType="tmRoot"/>
-      </p:par>
-    </p:tnLst>
-  </p:timing>
 </p:sld>
 </file>
 
@@ -7160,8 +7584,9 @@
           <a:p>
             <a:r>
               <a:rPr lang="en-US" altLang="ko-KR" b="1" dirty="0"/>
-              <a:t>Platform</a:t>
-            </a:r>
+              <a:t>Target</a:t>
+            </a:r>
+            <a:endParaRPr lang="ko-KR" altLang="en-US" b="1" dirty="0"/>
           </a:p>
         </p:txBody>
       </p:sp>
@@ -7182,77 +7607,104 @@
           </a:bodyPr>
           <a:lstStyle/>
           <a:p>
-            <a:endParaRPr lang="en-US" altLang="ko-KR" sz="2400" dirty="0" smtClean="0"/>
-          </a:p>
-          <a:p>
-            <a:r>
-              <a:rPr lang="ko-KR" altLang="en-US" sz="2400" dirty="0" smtClean="0"/>
-              <a:t>교육부 </a:t>
-            </a:r>
-            <a:r>
-              <a:rPr lang="en-US" altLang="ko-KR" sz="2400" dirty="0" smtClean="0"/>
-              <a:t>/ </a:t>
-            </a:r>
-            <a:r>
-              <a:rPr lang="ko-KR" altLang="en-US" sz="2400" dirty="0" err="1" smtClean="0"/>
-              <a:t>미래부</a:t>
+            <a:pPr marL="0" indent="0">
+              <a:buNone/>
+            </a:pPr>
+            <a:endParaRPr lang="en-US" altLang="ko-KR" sz="2600" b="1" dirty="0"/>
+          </a:p>
+          <a:p>
+            <a:r>
+              <a:rPr lang="ko-KR" altLang="en-US" sz="2400" dirty="0"/>
+              <a:t>표면적 수요자 </a:t>
+            </a:r>
+            <a:r>
+              <a:rPr lang="en-US" altLang="ko-KR" sz="2400" dirty="0"/>
+              <a:t>: </a:t>
+            </a:r>
+            <a:r>
+              <a:rPr lang="ko-KR" altLang="en-US" sz="2400" dirty="0"/>
+              <a:t>기초 </a:t>
+            </a:r>
+            <a:r>
+              <a:rPr lang="ko-KR" altLang="en-US" sz="2400" dirty="0" err="1"/>
+              <a:t>코딩교육</a:t>
+            </a:r>
+            <a:r>
+              <a:rPr lang="ko-KR" altLang="en-US" sz="2400" dirty="0"/>
+              <a:t> 대상자</a:t>
+            </a:r>
+            <a:r>
+              <a:rPr lang="en-US" altLang="ko-KR" sz="2400" dirty="0"/>
+              <a:t>, </a:t>
+            </a:r>
+            <a:r>
+              <a:rPr lang="ko-KR" altLang="en-US" sz="2400" dirty="0"/>
+              <a:t>주요 </a:t>
+            </a:r>
+            <a:r>
+              <a:rPr lang="ko-KR" altLang="en-US" sz="2400" dirty="0" err="1"/>
+              <a:t>이용층은</a:t>
+            </a:r>
+            <a:r>
+              <a:rPr lang="ko-KR" altLang="en-US" sz="2400" dirty="0"/>
+              <a:t> </a:t>
+            </a:r>
+            <a:r>
+              <a:rPr lang="en-US" altLang="ko-KR" sz="2400" dirty="0"/>
+              <a:t>8~16</a:t>
+            </a:r>
+            <a:r>
+              <a:rPr lang="ko-KR" altLang="en-US" sz="2400" dirty="0"/>
+              <a:t>세의 학생들로 예상됨</a:t>
             </a:r>
             <a:endParaRPr lang="en-US" altLang="ko-KR" sz="2400" dirty="0"/>
           </a:p>
           <a:p>
-            <a:pPr lvl="1">
-              <a:buFont typeface="Arial" panose="020B0604020202020204" pitchFamily="34" charset="0"/>
-              <a:buChar char="•"/>
+            <a:pPr marL="0" indent="0">
+              <a:buNone/>
             </a:pPr>
-            <a:r>
-              <a:rPr lang="ko-KR" altLang="en-US" sz="2200" dirty="0" smtClean="0"/>
-              <a:t>산하기관</a:t>
-            </a:r>
-            <a:endParaRPr lang="en-US" altLang="ko-KR" sz="2200" dirty="0"/>
-          </a:p>
-          <a:p>
-            <a:endParaRPr lang="en-US" altLang="ko-KR" sz="2400" dirty="0" smtClean="0"/>
-          </a:p>
-          <a:p>
-            <a:r>
-              <a:rPr lang="en-US" altLang="ko-KR" sz="2400" dirty="0" smtClean="0"/>
-              <a:t>SW</a:t>
-            </a:r>
-            <a:r>
-              <a:rPr lang="ko-KR" altLang="en-US" sz="2400" dirty="0" smtClean="0"/>
-              <a:t>교육 학원</a:t>
-            </a:r>
-            <a:endParaRPr lang="en-US" altLang="ko-KR" sz="2400" dirty="0" smtClean="0"/>
-          </a:p>
-          <a:p>
             <a:endParaRPr lang="en-US" altLang="ko-KR" sz="2400" dirty="0"/>
           </a:p>
           <a:p>
             <a:r>
-              <a:rPr lang="ko-KR" altLang="en-US" sz="2400" dirty="0" smtClean="0"/>
-              <a:t>학교</a:t>
-            </a:r>
-            <a:endParaRPr lang="en-US" altLang="ko-KR" sz="2400" dirty="0" smtClean="0"/>
+              <a:rPr lang="ko-KR" altLang="en-US" sz="2400" dirty="0"/>
+              <a:t>소프트웨어 교육 교육자</a:t>
+            </a:r>
+            <a:r>
+              <a:rPr lang="en-US" altLang="ko-KR" sz="2400" dirty="0"/>
+              <a:t> </a:t>
+            </a:r>
+            <a:r>
+              <a:rPr lang="ko-KR" altLang="en-US" sz="2400" dirty="0"/>
+              <a:t>집단</a:t>
+            </a:r>
+            <a:endParaRPr lang="en-US" altLang="ko-KR" sz="2400" dirty="0"/>
+          </a:p>
+          <a:p>
+            <a:endParaRPr lang="en-US" altLang="ko-KR" sz="2400" dirty="0"/>
+          </a:p>
+          <a:p>
+            <a:r>
+              <a:rPr lang="ko-KR" altLang="en-US" sz="2400" dirty="0" err="1"/>
+              <a:t>코딩입문자</a:t>
+            </a:r>
+            <a:endParaRPr lang="en-US" altLang="ko-KR" sz="2400" dirty="0"/>
+          </a:p>
+          <a:p>
+            <a:endParaRPr lang="ko-KR" altLang="en-US" sz="2400" dirty="0"/>
           </a:p>
         </p:txBody>
       </p:sp>
     </p:spTree>
     <p:extLst>
       <p:ext uri="{BB962C8B-B14F-4D97-AF65-F5344CB8AC3E}">
-        <p14:creationId xmlns:p14="http://schemas.microsoft.com/office/powerpoint/2010/main" val="1475179828"/>
+        <p14:creationId xmlns:p14="http://schemas.microsoft.com/office/powerpoint/2010/main" val="2529000192"/>
       </p:ext>
     </p:extLst>
   </p:cSld>
   <p:clrMapOvr>
     <a:masterClrMapping/>
   </p:clrMapOvr>
-  <p:timing>
-    <p:tnLst>
-      <p:par>
-        <p:cTn id="1" dur="indefinite" restart="never" nodeType="tmRoot"/>
-      </p:par>
-    </p:tnLst>
-  </p:timing>
 </p:sld>
 </file>
 

--- a/코딩교육용 퍼즐게임 제안서.pptx
+++ b/코딩교육용 퍼즐게임 제안서.pptx
@@ -867,7 +867,7 @@
           <a:p>
             <a:fld id="{B3644C3F-34AF-4A1E-95C5-0C72B3BAC438}" type="datetimeFigureOut">
               <a:rPr lang="ko-KR" altLang="en-US" smtClean="0"/>
-              <a:t>2021-04-26</a:t>
+              <a:t>2021-04-27</a:t>
             </a:fld>
             <a:endParaRPr lang="ko-KR" altLang="en-US"/>
           </a:p>
@@ -1118,7 +1118,7 @@
           <a:p>
             <a:fld id="{B3644C3F-34AF-4A1E-95C5-0C72B3BAC438}" type="datetimeFigureOut">
               <a:rPr lang="ko-KR" altLang="en-US" smtClean="0"/>
-              <a:t>2021-04-26</a:t>
+              <a:t>2021-04-27</a:t>
             </a:fld>
             <a:endParaRPr lang="ko-KR" altLang="en-US"/>
           </a:p>
@@ -1432,7 +1432,7 @@
           <a:p>
             <a:fld id="{B3644C3F-34AF-4A1E-95C5-0C72B3BAC438}" type="datetimeFigureOut">
               <a:rPr lang="ko-KR" altLang="en-US" smtClean="0"/>
-              <a:t>2021-04-26</a:t>
+              <a:t>2021-04-27</a:t>
             </a:fld>
             <a:endParaRPr lang="ko-KR" altLang="en-US"/>
           </a:p>
@@ -1765,7 +1765,7 @@
           <a:p>
             <a:fld id="{B3644C3F-34AF-4A1E-95C5-0C72B3BAC438}" type="datetimeFigureOut">
               <a:rPr lang="ko-KR" altLang="en-US" smtClean="0"/>
-              <a:t>2021-04-26</a:t>
+              <a:t>2021-04-27</a:t>
             </a:fld>
             <a:endParaRPr lang="ko-KR" altLang="en-US"/>
           </a:p>
@@ -2079,7 +2079,7 @@
           <a:p>
             <a:fld id="{B3644C3F-34AF-4A1E-95C5-0C72B3BAC438}" type="datetimeFigureOut">
               <a:rPr lang="ko-KR" altLang="en-US" smtClean="0"/>
-              <a:t>2021-04-26</a:t>
+              <a:t>2021-04-27</a:t>
             </a:fld>
             <a:endParaRPr lang="ko-KR" altLang="en-US"/>
           </a:p>
@@ -2472,7 +2472,7 @@
           <a:p>
             <a:fld id="{B3644C3F-34AF-4A1E-95C5-0C72B3BAC438}" type="datetimeFigureOut">
               <a:rPr lang="ko-KR" altLang="en-US" smtClean="0"/>
-              <a:t>2021-04-26</a:t>
+              <a:t>2021-04-27</a:t>
             </a:fld>
             <a:endParaRPr lang="ko-KR" altLang="en-US"/>
           </a:p>
@@ -2642,7 +2642,7 @@
           <a:p>
             <a:fld id="{B3644C3F-34AF-4A1E-95C5-0C72B3BAC438}" type="datetimeFigureOut">
               <a:rPr lang="ko-KR" altLang="en-US" smtClean="0"/>
-              <a:t>2021-04-26</a:t>
+              <a:t>2021-04-27</a:t>
             </a:fld>
             <a:endParaRPr lang="ko-KR" altLang="en-US"/>
           </a:p>
@@ -2822,7 +2822,7 @@
           <a:p>
             <a:fld id="{B3644C3F-34AF-4A1E-95C5-0C72B3BAC438}" type="datetimeFigureOut">
               <a:rPr lang="ko-KR" altLang="en-US" smtClean="0"/>
-              <a:t>2021-04-26</a:t>
+              <a:t>2021-04-27</a:t>
             </a:fld>
             <a:endParaRPr lang="ko-KR" altLang="en-US"/>
           </a:p>
@@ -2992,7 +2992,7 @@
           <a:p>
             <a:fld id="{B3644C3F-34AF-4A1E-95C5-0C72B3BAC438}" type="datetimeFigureOut">
               <a:rPr lang="ko-KR" altLang="en-US" smtClean="0"/>
-              <a:t>2021-04-26</a:t>
+              <a:t>2021-04-27</a:t>
             </a:fld>
             <a:endParaRPr lang="ko-KR" altLang="en-US"/>
           </a:p>
@@ -3239,7 +3239,7 @@
           <a:p>
             <a:fld id="{B3644C3F-34AF-4A1E-95C5-0C72B3BAC438}" type="datetimeFigureOut">
               <a:rPr lang="ko-KR" altLang="en-US" smtClean="0"/>
-              <a:t>2021-04-26</a:t>
+              <a:t>2021-04-27</a:t>
             </a:fld>
             <a:endParaRPr lang="ko-KR" altLang="en-US"/>
           </a:p>
@@ -3471,7 +3471,7 @@
           <a:p>
             <a:fld id="{B3644C3F-34AF-4A1E-95C5-0C72B3BAC438}" type="datetimeFigureOut">
               <a:rPr lang="ko-KR" altLang="en-US" smtClean="0"/>
-              <a:t>2021-04-26</a:t>
+              <a:t>2021-04-27</a:t>
             </a:fld>
             <a:endParaRPr lang="ko-KR" altLang="en-US"/>
           </a:p>
@@ -3845,7 +3845,7 @@
           <a:p>
             <a:fld id="{B3644C3F-34AF-4A1E-95C5-0C72B3BAC438}" type="datetimeFigureOut">
               <a:rPr lang="ko-KR" altLang="en-US" smtClean="0"/>
-              <a:t>2021-04-26</a:t>
+              <a:t>2021-04-27</a:t>
             </a:fld>
             <a:endParaRPr lang="ko-KR" altLang="en-US"/>
           </a:p>
@@ -3968,7 +3968,7 @@
           <a:p>
             <a:fld id="{B3644C3F-34AF-4A1E-95C5-0C72B3BAC438}" type="datetimeFigureOut">
               <a:rPr lang="ko-KR" altLang="en-US" smtClean="0"/>
-              <a:t>2021-04-26</a:t>
+              <a:t>2021-04-27</a:t>
             </a:fld>
             <a:endParaRPr lang="ko-KR" altLang="en-US"/>
           </a:p>
@@ -4063,7 +4063,7 @@
           <a:p>
             <a:fld id="{B3644C3F-34AF-4A1E-95C5-0C72B3BAC438}" type="datetimeFigureOut">
               <a:rPr lang="ko-KR" altLang="en-US" smtClean="0"/>
-              <a:t>2021-04-26</a:t>
+              <a:t>2021-04-27</a:t>
             </a:fld>
             <a:endParaRPr lang="ko-KR" altLang="en-US"/>
           </a:p>
@@ -4318,7 +4318,7 @@
           <a:p>
             <a:fld id="{B3644C3F-34AF-4A1E-95C5-0C72B3BAC438}" type="datetimeFigureOut">
               <a:rPr lang="ko-KR" altLang="en-US" smtClean="0"/>
-              <a:t>2021-04-26</a:t>
+              <a:t>2021-04-27</a:t>
             </a:fld>
             <a:endParaRPr lang="ko-KR" altLang="en-US"/>
           </a:p>
@@ -4623,7 +4623,7 @@
           <a:p>
             <a:fld id="{B3644C3F-34AF-4A1E-95C5-0C72B3BAC438}" type="datetimeFigureOut">
               <a:rPr lang="ko-KR" altLang="en-US" smtClean="0"/>
-              <a:t>2021-04-26</a:t>
+              <a:t>2021-04-27</a:t>
             </a:fld>
             <a:endParaRPr lang="ko-KR" altLang="en-US"/>
           </a:p>
@@ -5325,7 +5325,7 @@
           <a:p>
             <a:fld id="{B3644C3F-34AF-4A1E-95C5-0C72B3BAC438}" type="datetimeFigureOut">
               <a:rPr lang="ko-KR" altLang="en-US" smtClean="0"/>
-              <a:t>2021-04-26</a:t>
+              <a:t>2021-04-27</a:t>
             </a:fld>
             <a:endParaRPr lang="ko-KR" altLang="en-US"/>
           </a:p>
@@ -5970,13 +5970,13 @@
           <a:lstStyle/>
           <a:p>
             <a:r>
-              <a:rPr lang="ko-KR" altLang="en-US" sz="2400" dirty="0" smtClean="0">
+              <a:rPr lang="ko-KR" altLang="en-US" sz="2400" dirty="0">
                 <a:latin typeface="+mn-ea"/>
               </a:rPr>
               <a:t>플레이 플랫폼 </a:t>
             </a:r>
             <a:r>
-              <a:rPr lang="en-US" altLang="ko-KR" sz="2400" dirty="0" smtClean="0">
+              <a:rPr lang="en-US" altLang="ko-KR" sz="2400" dirty="0">
                 <a:latin typeface="+mn-ea"/>
               </a:rPr>
               <a:t>:</a:t>
@@ -5987,23 +5987,23 @@
               <a:buNone/>
             </a:pPr>
             <a:r>
-              <a:rPr lang="en-US" altLang="ko-KR" sz="2200" dirty="0" smtClean="0"/>
+              <a:rPr lang="en-US" altLang="ko-KR" sz="2200" dirty="0"/>
               <a:t>PC</a:t>
             </a:r>
             <a:r>
-              <a:rPr lang="ko-KR" altLang="en-US" sz="2200" dirty="0" smtClean="0">
+              <a:rPr lang="ko-KR" altLang="en-US" sz="2200" dirty="0">
                 <a:latin typeface="+mn-ea"/>
               </a:rPr>
               <a:t>환경</a:t>
             </a:r>
             <a:r>
-              <a:rPr lang="en-US" altLang="ko-KR" sz="2200" dirty="0" smtClean="0">
+              <a:rPr lang="en-US" altLang="ko-KR" sz="2200" dirty="0">
                 <a:latin typeface="+mn-ea"/>
               </a:rPr>
               <a:t>, </a:t>
             </a:r>
             <a:r>
-              <a:rPr lang="en-US" altLang="ko-KR" sz="2200" dirty="0" smtClean="0"/>
+              <a:rPr lang="en-US" altLang="ko-KR" sz="2200" dirty="0"/>
               <a:t>windows</a:t>
             </a:r>
             <a:endParaRPr lang="ko-KR" altLang="en-US" sz="2200" dirty="0"/>
@@ -6028,11 +6028,11 @@
           <a:lstStyle/>
           <a:p>
             <a:r>
-              <a:rPr lang="ko-KR" altLang="en-US" sz="2400" dirty="0" smtClean="0"/>
+              <a:rPr lang="ko-KR" altLang="en-US" sz="2400" dirty="0"/>
               <a:t>판매 플랫폼 </a:t>
             </a:r>
             <a:r>
-              <a:rPr lang="en-US" altLang="ko-KR" sz="2400" dirty="0" smtClean="0"/>
+              <a:rPr lang="en-US" altLang="ko-KR" sz="2400" dirty="0"/>
               <a:t>:</a:t>
             </a:r>
           </a:p>
@@ -6041,29 +6041,29 @@
               <a:buNone/>
             </a:pPr>
             <a:r>
-              <a:rPr lang="en-US" altLang="ko-KR" sz="2200" dirty="0" smtClean="0">
+              <a:rPr lang="en-US" altLang="ko-KR" sz="2200" dirty="0">
                 <a:latin typeface="+mn-ea"/>
               </a:rPr>
               <a:t>-</a:t>
             </a:r>
             <a:r>
-              <a:rPr lang="en-US" altLang="ko-KR" sz="2200" dirty="0" smtClean="0"/>
+              <a:rPr lang="en-US" altLang="ko-KR" sz="2200" dirty="0"/>
               <a:t> </a:t>
             </a:r>
             <a:r>
-              <a:rPr lang="ko-KR" altLang="en-US" sz="2200" dirty="0" smtClean="0"/>
+              <a:rPr lang="ko-KR" altLang="en-US" sz="2200" dirty="0"/>
               <a:t>교육부 </a:t>
             </a:r>
             <a:r>
-              <a:rPr lang="en-US" altLang="ko-KR" sz="2200" dirty="0" smtClean="0"/>
+              <a:rPr lang="en-US" altLang="ko-KR" sz="2200" dirty="0"/>
               <a:t>/ </a:t>
             </a:r>
             <a:r>
-              <a:rPr lang="ko-KR" altLang="en-US" sz="2200" dirty="0" err="1" smtClean="0"/>
+              <a:rPr lang="ko-KR" altLang="en-US" sz="2200" dirty="0" err="1"/>
               <a:t>미래부</a:t>
             </a:r>
             <a:r>
-              <a:rPr lang="ko-KR" altLang="en-US" sz="2200" dirty="0" smtClean="0"/>
+              <a:rPr lang="ko-KR" altLang="en-US" sz="2200" dirty="0"/>
               <a:t> 산하기관</a:t>
             </a:r>
             <a:endParaRPr lang="en-US" altLang="ko-KR" sz="2400" dirty="0"/>
@@ -6072,40 +6072,32 @@
             <a:pPr marL="457200" lvl="1" indent="0">
               <a:buNone/>
             </a:pPr>
-            <a:endParaRPr lang="en-US" altLang="ko-KR" sz="2200" dirty="0" smtClean="0"/>
+            <a:endParaRPr lang="en-US" altLang="ko-KR" sz="2200" dirty="0"/>
           </a:p>
           <a:p>
             <a:pPr marL="457200" lvl="1" indent="0">
               <a:buNone/>
             </a:pPr>
             <a:r>
-              <a:rPr lang="en-US" altLang="ko-KR" sz="2200" dirty="0" smtClean="0">
+              <a:rPr lang="en-US" altLang="ko-KR" sz="2200" dirty="0">
                 <a:latin typeface="+mn-ea"/>
               </a:rPr>
               <a:t>-</a:t>
             </a:r>
             <a:r>
-              <a:rPr lang="en-US" altLang="ko-KR" sz="2200" dirty="0" smtClean="0"/>
+              <a:rPr lang="en-US" altLang="ko-KR" sz="2200" dirty="0"/>
               <a:t> </a:t>
             </a:r>
             <a:r>
-              <a:rPr lang="ko-KR" altLang="en-US" sz="2200" dirty="0" smtClean="0"/>
-              <a:t>지역 </a:t>
-            </a:r>
-            <a:r>
               <a:rPr lang="ko-KR" altLang="en-US" sz="2200" dirty="0"/>
-              <a:t>사회 공공 </a:t>
-            </a:r>
-            <a:r>
-              <a:rPr lang="ko-KR" altLang="en-US" sz="2200" dirty="0" smtClean="0"/>
-              <a:t>교육기관           </a:t>
-            </a:r>
-            <a:r>
-              <a:rPr lang="en-US" altLang="ko-KR" sz="2200" dirty="0" smtClean="0"/>
+              <a:t>지역 사회 공공 교육기관           </a:t>
+            </a:r>
+            <a:r>
+              <a:rPr lang="en-US" altLang="ko-KR" sz="2200" dirty="0"/>
               <a:t>(</a:t>
             </a:r>
             <a:r>
-              <a:rPr lang="ko-KR" altLang="en-US" sz="2200" dirty="0" smtClean="0"/>
+              <a:rPr lang="ko-KR" altLang="en-US" sz="2200" dirty="0"/>
               <a:t>학교</a:t>
             </a:r>
             <a:r>
@@ -6126,7 +6118,7 @@
               <a:buNone/>
             </a:pPr>
             <a:r>
-              <a:rPr lang="en-US" altLang="ko-KR" sz="2400" dirty="0" smtClean="0"/>
+              <a:rPr lang="en-US" altLang="ko-KR" sz="2400" dirty="0"/>
               <a:t>	</a:t>
             </a:r>
           </a:p>
@@ -6138,16 +6130,10 @@
               <a:rPr lang="en-US" altLang="ko-KR" sz="2400" dirty="0">
                 <a:latin typeface="+mn-ea"/>
               </a:rPr>
-              <a:t>	</a:t>
-            </a:r>
-            <a:r>
-              <a:rPr lang="en-US" altLang="ko-KR" sz="2400" dirty="0" smtClean="0">
-                <a:latin typeface="+mn-ea"/>
-              </a:rPr>
-              <a:t>-</a:t>
-            </a:r>
-            <a:r>
-              <a:rPr lang="en-US" altLang="ko-KR" sz="2400" dirty="0" smtClean="0"/>
+              <a:t>	-</a:t>
+            </a:r>
+            <a:r>
+              <a:rPr lang="en-US" altLang="ko-KR" sz="2400" dirty="0"/>
               <a:t> SW </a:t>
             </a:r>
             <a:r>
@@ -7301,10 +7287,6 @@
             <a:r>
               <a:rPr lang="en-US" altLang="ko-KR" b="1" dirty="0"/>
               <a:t>Title</a:t>
-            </a:r>
-            <a:r>
-              <a:rPr lang="en-US" altLang="ko-KR" dirty="0"/>
-              <a:t/>
             </a:r>
             <a:br>
               <a:rPr lang="en-US" altLang="ko-KR" dirty="0"/>
